--- a/documentation/Dossier Projet/Projet Slides.pptx
+++ b/documentation/Dossier Projet/Projet Slides.pptx
@@ -6,6 +6,11 @@
   </p:sldMasterIdLst>
   <p:sldIdLst>
     <p:sldId id="256" r:id="rId2"/>
+    <p:sldId id="258" r:id="rId3"/>
+    <p:sldId id="257" r:id="rId4"/>
+    <p:sldId id="259" r:id="rId5"/>
+    <p:sldId id="260" r:id="rId6"/>
+    <p:sldId id="261" r:id="rId7"/>
   </p:sldIdLst>
   <p:sldSz cx="12192000" cy="6858000"/>
   <p:notesSz cx="6858000" cy="9144000"/>
@@ -104,6 +109,11 @@
       </a:defRPr>
     </a:lvl9pPr>
   </p:defaultTextStyle>
+  <p:extLst>
+    <p:ext uri="{EFAFB233-063F-42B5-8137-9DF3F51BA10A}">
+      <p15:sldGuideLst xmlns:p15="http://schemas.microsoft.com/office/powerpoint/2012/main"/>
+    </p:ext>
+  </p:extLst>
 </p:presentation>
 </file>
 
@@ -3307,6 +3317,17 @@
 <file path=ppt/slides/slide1.xml><?xml version="1.0" encoding="utf-8"?>
 <p:sld xmlns:a="http://schemas.openxmlformats.org/drawingml/2006/main" xmlns:r="http://schemas.openxmlformats.org/officeDocument/2006/relationships" xmlns:p="http://schemas.openxmlformats.org/presentationml/2006/main">
   <p:cSld>
+    <p:bg>
+      <p:bgPr>
+        <a:solidFill>
+          <a:schemeClr val="accent5">
+            <a:lumMod val="60000"/>
+            <a:lumOff val="40000"/>
+          </a:schemeClr>
+        </a:solidFill>
+        <a:effectLst/>
+      </p:bgPr>
+    </p:bg>
     <p:spTree>
       <p:nvGrpSpPr>
         <p:cNvPr id="1" name=""/>
@@ -3337,37 +3358,136 @@
             <p:ph type="ctrTitle"/>
           </p:nvPr>
         </p:nvSpPr>
-        <p:spPr/>
-        <p:txBody>
-          <a:bodyPr/>
+        <p:spPr>
+          <a:xfrm>
+            <a:off x="1524000" y="2235200"/>
+            <a:ext cx="9144000" cy="2387600"/>
+          </a:xfrm>
+        </p:spPr>
+        <p:txBody>
+          <a:bodyPr>
+            <a:normAutofit fontScale="90000"/>
+          </a:bodyPr>
           <a:lstStyle/>
           <a:p>
-            <a:endParaRPr lang="fr-FR"/>
-          </a:p>
-        </p:txBody>
-      </p:sp>
-      <p:sp>
-        <p:nvSpPr>
-          <p:cNvPr id="3" name="Sous-titre 2">
-            <a:extLst>
-              <a:ext uri="{FF2B5EF4-FFF2-40B4-BE49-F238E27FC236}">
-                <a16:creationId xmlns:a16="http://schemas.microsoft.com/office/drawing/2014/main" id="{C435C162-0919-B166-DF19-43BD766CC594}"/>
-              </a:ext>
-            </a:extLst>
-          </p:cNvPr>
-          <p:cNvSpPr>
-            <a:spLocks noGrp="1"/>
-          </p:cNvSpPr>
-          <p:nvPr>
-            <p:ph type="subTitle" idx="1"/>
-          </p:nvPr>
-        </p:nvSpPr>
-        <p:spPr/>
-        <p:txBody>
-          <a:bodyPr/>
-          <a:lstStyle/>
-          <a:p>
-            <a:endParaRPr lang="fr-FR"/>
+            <a:r>
+              <a:rPr lang="fr-FR" sz="9000" dirty="0">
+                <a:effectLst>
+                  <a:outerShdw blurRad="38100" dist="38100" dir="2700000" algn="tl">
+                    <a:srgbClr val="000000">
+                      <a:alpha val="43137"/>
+                    </a:srgbClr>
+                  </a:outerShdw>
+                </a:effectLst>
+              </a:rPr>
+              <a:t>Projet Backend</a:t>
+            </a:r>
+            <a:br>
+              <a:rPr lang="fr-FR" sz="9000" dirty="0">
+                <a:effectLst>
+                  <a:outerShdw blurRad="38100" dist="38100" dir="2700000" algn="tl">
+                    <a:srgbClr val="000000">
+                      <a:alpha val="43137"/>
+                    </a:srgbClr>
+                  </a:outerShdw>
+                </a:effectLst>
+              </a:rPr>
+            </a:br>
+            <a:r>
+              <a:rPr lang="fr-FR" sz="9000" dirty="0">
+                <a:effectLst>
+                  <a:outerShdw blurRad="38100" dist="38100" dir="2700000" algn="tl">
+                    <a:srgbClr val="000000">
+                      <a:alpha val="43137"/>
+                    </a:srgbClr>
+                  </a:outerShdw>
+                </a:effectLst>
+              </a:rPr>
+              <a:t>Social Media</a:t>
+            </a:r>
+          </a:p>
+        </p:txBody>
+      </p:sp>
+      <p:sp>
+        <p:nvSpPr>
+          <p:cNvPr id="4" name="Titre 1">
+            <a:extLst>
+              <a:ext uri="{FF2B5EF4-FFF2-40B4-BE49-F238E27FC236}">
+                <a16:creationId xmlns:a16="http://schemas.microsoft.com/office/drawing/2014/main" id="{142E911B-0E47-1946-9376-732D65B10AEE}"/>
+              </a:ext>
+            </a:extLst>
+          </p:cNvPr>
+          <p:cNvSpPr txBox="1">
+            <a:spLocks/>
+          </p:cNvSpPr>
+          <p:nvPr/>
+        </p:nvSpPr>
+        <p:spPr>
+          <a:xfrm>
+            <a:off x="-3178090" y="-1862792"/>
+            <a:ext cx="9144000" cy="2387600"/>
+          </a:xfrm>
+          <a:prstGeom prst="rect">
+            <a:avLst/>
+          </a:prstGeom>
+        </p:spPr>
+        <p:txBody>
+          <a:bodyPr vert="horz" lIns="91440" tIns="45720" rIns="91440" bIns="45720" rtlCol="0" anchor="b">
+            <a:normAutofit/>
+          </a:bodyPr>
+          <a:lstStyle>
+            <a:lvl1pPr algn="ctr" defTabSz="914400" rtl="0" eaLnBrk="1" latinLnBrk="0" hangingPunct="1">
+              <a:lnSpc>
+                <a:spcPct val="90000"/>
+              </a:lnSpc>
+              <a:spcBef>
+                <a:spcPct val="0"/>
+              </a:spcBef>
+              <a:buNone/>
+              <a:defRPr sz="6000" kern="1200">
+                <a:solidFill>
+                  <a:schemeClr val="tx1"/>
+                </a:solidFill>
+                <a:latin typeface="+mj-lt"/>
+                <a:ea typeface="+mj-ea"/>
+                <a:cs typeface="+mj-cs"/>
+              </a:defRPr>
+            </a:lvl1pPr>
+          </a:lstStyle>
+          <a:p>
+            <a:r>
+              <a:rPr lang="fr-FR" sz="3000" dirty="0">
+                <a:effectLst>
+                  <a:outerShdw blurRad="38100" dist="38100" dir="2700000" algn="tl">
+                    <a:srgbClr val="000000">
+                      <a:alpha val="43137"/>
+                    </a:srgbClr>
+                  </a:outerShdw>
+                </a:effectLst>
+              </a:rPr>
+              <a:t>Gloire </a:t>
+            </a:r>
+            <a:r>
+              <a:rPr lang="fr-FR" sz="3000" dirty="0" err="1">
+                <a:effectLst>
+                  <a:outerShdw blurRad="38100" dist="38100" dir="2700000" algn="tl">
+                    <a:srgbClr val="000000">
+                      <a:alpha val="43137"/>
+                    </a:srgbClr>
+                  </a:outerShdw>
+                </a:effectLst>
+              </a:rPr>
+              <a:t>Dianzenza</a:t>
+            </a:r>
+            <a:endParaRPr lang="fr-FR" sz="3000" dirty="0">
+              <a:effectLst>
+                <a:outerShdw blurRad="38100" dist="38100" dir="2700000" algn="tl">
+                  <a:srgbClr val="000000">
+                    <a:alpha val="43137"/>
+                  </a:srgbClr>
+                </a:outerShdw>
+              </a:effectLst>
+            </a:endParaRPr>
           </a:p>
         </p:txBody>
       </p:sp>
@@ -3375,6 +3495,1619 @@
     <p:extLst>
       <p:ext uri="{BB962C8B-B14F-4D97-AF65-F5344CB8AC3E}">
         <p14:creationId xmlns:p14="http://schemas.microsoft.com/office/powerpoint/2010/main" val="860443683"/>
+      </p:ext>
+    </p:extLst>
+  </p:cSld>
+  <p:clrMapOvr>
+    <a:masterClrMapping/>
+  </p:clrMapOvr>
+  <p:transition spd="slow">
+    <p:wipe/>
+  </p:transition>
+  <p:timing>
+    <p:tnLst>
+      <p:par>
+        <p:cTn id="1" dur="indefinite" restart="never" nodeType="tmRoot">
+          <p:childTnLst>
+            <p:seq concurrent="1" nextAc="seek">
+              <p:cTn id="2" dur="indefinite" nodeType="mainSeq">
+                <p:childTnLst>
+                  <p:par>
+                    <p:cTn id="3" fill="hold">
+                      <p:stCondLst>
+                        <p:cond delay="indefinite"/>
+                      </p:stCondLst>
+                      <p:childTnLst>
+                        <p:par>
+                          <p:cTn id="4" fill="hold">
+                            <p:stCondLst>
+                              <p:cond delay="0"/>
+                            </p:stCondLst>
+                            <p:childTnLst>
+                              <p:par>
+                                <p:cTn id="5" presetID="26" presetClass="entr" presetSubtype="0" fill="hold" grpId="0" nodeType="clickEffect">
+                                  <p:stCondLst>
+                                    <p:cond delay="0"/>
+                                  </p:stCondLst>
+                                  <p:childTnLst>
+                                    <p:set>
+                                      <p:cBhvr>
+                                        <p:cTn id="6" dur="1" fill="hold">
+                                          <p:stCondLst>
+                                            <p:cond delay="0"/>
+                                          </p:stCondLst>
+                                        </p:cTn>
+                                        <p:tgtEl>
+                                          <p:spTgt spid="2"/>
+                                        </p:tgtEl>
+                                        <p:attrNameLst>
+                                          <p:attrName>style.visibility</p:attrName>
+                                        </p:attrNameLst>
+                                      </p:cBhvr>
+                                      <p:to>
+                                        <p:strVal val="visible"/>
+                                      </p:to>
+                                    </p:set>
+                                    <p:animEffect transition="in" filter="wipe(down)">
+                                      <p:cBhvr>
+                                        <p:cTn id="7" dur="580">
+                                          <p:stCondLst>
+                                            <p:cond delay="0"/>
+                                          </p:stCondLst>
+                                        </p:cTn>
+                                        <p:tgtEl>
+                                          <p:spTgt spid="2"/>
+                                        </p:tgtEl>
+                                      </p:cBhvr>
+                                    </p:animEffect>
+                                    <p:anim calcmode="lin" valueType="num">
+                                      <p:cBhvr>
+                                        <p:cTn id="8" dur="1822" tmFilter="0,0; 0.14,0.36; 0.43,0.73; 0.71,0.91; 1.0,1.0">
+                                          <p:stCondLst>
+                                            <p:cond delay="0"/>
+                                          </p:stCondLst>
+                                        </p:cTn>
+                                        <p:tgtEl>
+                                          <p:spTgt spid="2"/>
+                                        </p:tgtEl>
+                                        <p:attrNameLst>
+                                          <p:attrName>ppt_x</p:attrName>
+                                        </p:attrNameLst>
+                                      </p:cBhvr>
+                                      <p:tavLst>
+                                        <p:tav tm="0">
+                                          <p:val>
+                                            <p:strVal val="#ppt_x-0.25"/>
+                                          </p:val>
+                                        </p:tav>
+                                        <p:tav tm="100000">
+                                          <p:val>
+                                            <p:strVal val="#ppt_x"/>
+                                          </p:val>
+                                        </p:tav>
+                                      </p:tavLst>
+                                    </p:anim>
+                                    <p:anim calcmode="lin" valueType="num">
+                                      <p:cBhvr>
+                                        <p:cTn id="9" dur="664" tmFilter="0.0,0.0; 0.25,0.07; 0.50,0.2; 0.75,0.467; 1.0,1.0">
+                                          <p:stCondLst>
+                                            <p:cond delay="0"/>
+                                          </p:stCondLst>
+                                        </p:cTn>
+                                        <p:tgtEl>
+                                          <p:spTgt spid="2"/>
+                                        </p:tgtEl>
+                                        <p:attrNameLst>
+                                          <p:attrName>ppt_y</p:attrName>
+                                        </p:attrNameLst>
+                                      </p:cBhvr>
+                                      <p:tavLst>
+                                        <p:tav tm="0" fmla="#ppt_y-sin(pi*$)/3">
+                                          <p:val>
+                                            <p:fltVal val="0.5"/>
+                                          </p:val>
+                                        </p:tav>
+                                        <p:tav tm="100000">
+                                          <p:val>
+                                            <p:fltVal val="1"/>
+                                          </p:val>
+                                        </p:tav>
+                                      </p:tavLst>
+                                    </p:anim>
+                                    <p:anim calcmode="lin" valueType="num">
+                                      <p:cBhvr>
+                                        <p:cTn id="10" dur="664" tmFilter="0, 0; 0.125,0.2665; 0.25,0.4; 0.375,0.465; 0.5,0.5;  0.625,0.535; 0.75,0.6; 0.875,0.7335; 1,1">
+                                          <p:stCondLst>
+                                            <p:cond delay="664"/>
+                                          </p:stCondLst>
+                                        </p:cTn>
+                                        <p:tgtEl>
+                                          <p:spTgt spid="2"/>
+                                        </p:tgtEl>
+                                        <p:attrNameLst>
+                                          <p:attrName>ppt_y</p:attrName>
+                                        </p:attrNameLst>
+                                      </p:cBhvr>
+                                      <p:tavLst>
+                                        <p:tav tm="0" fmla="#ppt_y-sin(pi*$)/9">
+                                          <p:val>
+                                            <p:fltVal val="0"/>
+                                          </p:val>
+                                        </p:tav>
+                                        <p:tav tm="100000">
+                                          <p:val>
+                                            <p:fltVal val="1"/>
+                                          </p:val>
+                                        </p:tav>
+                                      </p:tavLst>
+                                    </p:anim>
+                                    <p:anim calcmode="lin" valueType="num">
+                                      <p:cBhvr>
+                                        <p:cTn id="11" dur="332" tmFilter="0, 0; 0.125,0.2665; 0.25,0.4; 0.375,0.465; 0.5,0.5;  0.625,0.535; 0.75,0.6; 0.875,0.7335; 1,1">
+                                          <p:stCondLst>
+                                            <p:cond delay="1324"/>
+                                          </p:stCondLst>
+                                        </p:cTn>
+                                        <p:tgtEl>
+                                          <p:spTgt spid="2"/>
+                                        </p:tgtEl>
+                                        <p:attrNameLst>
+                                          <p:attrName>ppt_y</p:attrName>
+                                        </p:attrNameLst>
+                                      </p:cBhvr>
+                                      <p:tavLst>
+                                        <p:tav tm="0" fmla="#ppt_y-sin(pi*$)/27">
+                                          <p:val>
+                                            <p:fltVal val="0"/>
+                                          </p:val>
+                                        </p:tav>
+                                        <p:tav tm="100000">
+                                          <p:val>
+                                            <p:fltVal val="1"/>
+                                          </p:val>
+                                        </p:tav>
+                                      </p:tavLst>
+                                    </p:anim>
+                                    <p:anim calcmode="lin" valueType="num">
+                                      <p:cBhvr>
+                                        <p:cTn id="12" dur="164" tmFilter="0, 0; 0.125,0.2665; 0.25,0.4; 0.375,0.465; 0.5,0.5;  0.625,0.535; 0.75,0.6; 0.875,0.7335; 1,1">
+                                          <p:stCondLst>
+                                            <p:cond delay="1656"/>
+                                          </p:stCondLst>
+                                        </p:cTn>
+                                        <p:tgtEl>
+                                          <p:spTgt spid="2"/>
+                                        </p:tgtEl>
+                                        <p:attrNameLst>
+                                          <p:attrName>ppt_y</p:attrName>
+                                        </p:attrNameLst>
+                                      </p:cBhvr>
+                                      <p:tavLst>
+                                        <p:tav tm="0" fmla="#ppt_y-sin(pi*$)/81">
+                                          <p:val>
+                                            <p:fltVal val="0"/>
+                                          </p:val>
+                                        </p:tav>
+                                        <p:tav tm="100000">
+                                          <p:val>
+                                            <p:fltVal val="1"/>
+                                          </p:val>
+                                        </p:tav>
+                                      </p:tavLst>
+                                    </p:anim>
+                                    <p:animScale>
+                                      <p:cBhvr>
+                                        <p:cTn id="13" dur="26">
+                                          <p:stCondLst>
+                                            <p:cond delay="650"/>
+                                          </p:stCondLst>
+                                        </p:cTn>
+                                        <p:tgtEl>
+                                          <p:spTgt spid="2"/>
+                                        </p:tgtEl>
+                                      </p:cBhvr>
+                                      <p:to x="100000" y="60000"/>
+                                    </p:animScale>
+                                    <p:animScale>
+                                      <p:cBhvr>
+                                        <p:cTn id="14" dur="166" decel="50000">
+                                          <p:stCondLst>
+                                            <p:cond delay="676"/>
+                                          </p:stCondLst>
+                                        </p:cTn>
+                                        <p:tgtEl>
+                                          <p:spTgt spid="2"/>
+                                        </p:tgtEl>
+                                      </p:cBhvr>
+                                      <p:to x="100000" y="100000"/>
+                                    </p:animScale>
+                                    <p:animScale>
+                                      <p:cBhvr>
+                                        <p:cTn id="15" dur="26">
+                                          <p:stCondLst>
+                                            <p:cond delay="1312"/>
+                                          </p:stCondLst>
+                                        </p:cTn>
+                                        <p:tgtEl>
+                                          <p:spTgt spid="2"/>
+                                        </p:tgtEl>
+                                      </p:cBhvr>
+                                      <p:to x="100000" y="80000"/>
+                                    </p:animScale>
+                                    <p:animScale>
+                                      <p:cBhvr>
+                                        <p:cTn id="16" dur="166" decel="50000">
+                                          <p:stCondLst>
+                                            <p:cond delay="1338"/>
+                                          </p:stCondLst>
+                                        </p:cTn>
+                                        <p:tgtEl>
+                                          <p:spTgt spid="2"/>
+                                        </p:tgtEl>
+                                      </p:cBhvr>
+                                      <p:to x="100000" y="100000"/>
+                                    </p:animScale>
+                                    <p:animScale>
+                                      <p:cBhvr>
+                                        <p:cTn id="17" dur="26">
+                                          <p:stCondLst>
+                                            <p:cond delay="1642"/>
+                                          </p:stCondLst>
+                                        </p:cTn>
+                                        <p:tgtEl>
+                                          <p:spTgt spid="2"/>
+                                        </p:tgtEl>
+                                      </p:cBhvr>
+                                      <p:to x="100000" y="90000"/>
+                                    </p:animScale>
+                                    <p:animScale>
+                                      <p:cBhvr>
+                                        <p:cTn id="18" dur="166" decel="50000">
+                                          <p:stCondLst>
+                                            <p:cond delay="1668"/>
+                                          </p:stCondLst>
+                                        </p:cTn>
+                                        <p:tgtEl>
+                                          <p:spTgt spid="2"/>
+                                        </p:tgtEl>
+                                      </p:cBhvr>
+                                      <p:to x="100000" y="100000"/>
+                                    </p:animScale>
+                                    <p:animScale>
+                                      <p:cBhvr>
+                                        <p:cTn id="19" dur="26">
+                                          <p:stCondLst>
+                                            <p:cond delay="1808"/>
+                                          </p:stCondLst>
+                                        </p:cTn>
+                                        <p:tgtEl>
+                                          <p:spTgt spid="2"/>
+                                        </p:tgtEl>
+                                      </p:cBhvr>
+                                      <p:to x="100000" y="95000"/>
+                                    </p:animScale>
+                                    <p:animScale>
+                                      <p:cBhvr>
+                                        <p:cTn id="20" dur="166" decel="50000">
+                                          <p:stCondLst>
+                                            <p:cond delay="1834"/>
+                                          </p:stCondLst>
+                                        </p:cTn>
+                                        <p:tgtEl>
+                                          <p:spTgt spid="2"/>
+                                        </p:tgtEl>
+                                      </p:cBhvr>
+                                      <p:to x="100000" y="100000"/>
+                                    </p:animScale>
+                                  </p:childTnLst>
+                                </p:cTn>
+                              </p:par>
+                            </p:childTnLst>
+                          </p:cTn>
+                        </p:par>
+                      </p:childTnLst>
+                    </p:cTn>
+                  </p:par>
+                </p:childTnLst>
+              </p:cTn>
+              <p:prevCondLst>
+                <p:cond evt="onPrev" delay="0">
+                  <p:tgtEl>
+                    <p:sldTgt/>
+                  </p:tgtEl>
+                </p:cond>
+              </p:prevCondLst>
+              <p:nextCondLst>
+                <p:cond evt="onNext" delay="0">
+                  <p:tgtEl>
+                    <p:sldTgt/>
+                  </p:tgtEl>
+                </p:cond>
+              </p:nextCondLst>
+            </p:seq>
+          </p:childTnLst>
+        </p:cTn>
+      </p:par>
+    </p:tnLst>
+    <p:bldLst>
+      <p:bldP spid="2" grpId="0"/>
+    </p:bldLst>
+  </p:timing>
+</p:sld>
+</file>
+
+<file path=ppt/slides/slide2.xml><?xml version="1.0" encoding="utf-8"?>
+<p:sld xmlns:a="http://schemas.openxmlformats.org/drawingml/2006/main" xmlns:r="http://schemas.openxmlformats.org/officeDocument/2006/relationships" xmlns:p="http://schemas.openxmlformats.org/presentationml/2006/main">
+  <p:cSld>
+    <p:bg>
+      <p:bgPr>
+        <a:solidFill>
+          <a:schemeClr val="accent5">
+            <a:lumMod val="60000"/>
+            <a:lumOff val="40000"/>
+          </a:schemeClr>
+        </a:solidFill>
+        <a:effectLst/>
+      </p:bgPr>
+    </p:bg>
+    <p:spTree>
+      <p:nvGrpSpPr>
+        <p:cNvPr id="1" name=""/>
+        <p:cNvGrpSpPr/>
+        <p:nvPr/>
+      </p:nvGrpSpPr>
+      <p:grpSpPr>
+        <a:xfrm>
+          <a:off x="0" y="0"/>
+          <a:ext cx="0" cy="0"/>
+          <a:chOff x="0" y="0"/>
+          <a:chExt cx="0" cy="0"/>
+        </a:xfrm>
+      </p:grpSpPr>
+      <p:pic>
+        <p:nvPicPr>
+          <p:cNvPr id="5" name="Image 4">
+            <a:extLst>
+              <a:ext uri="{FF2B5EF4-FFF2-40B4-BE49-F238E27FC236}">
+                <a16:creationId xmlns:a16="http://schemas.microsoft.com/office/drawing/2014/main" id="{A690AAB5-F136-EB2C-9CE0-B134A2595A61}"/>
+              </a:ext>
+            </a:extLst>
+          </p:cNvPr>
+          <p:cNvPicPr>
+            <a:picLocks noChangeAspect="1"/>
+          </p:cNvPicPr>
+          <p:nvPr/>
+        </p:nvPicPr>
+        <p:blipFill>
+          <a:blip r:embed="rId2">
+            <a:extLst>
+              <a:ext uri="{28A0092B-C50C-407E-A947-70E740481C1C}">
+                <a14:useLocalDpi xmlns:a14="http://schemas.microsoft.com/office/drawing/2010/main" val="0"/>
+              </a:ext>
+            </a:extLst>
+          </a:blip>
+          <a:stretch>
+            <a:fillRect/>
+          </a:stretch>
+        </p:blipFill>
+        <p:spPr>
+          <a:xfrm>
+            <a:off x="0" y="-2773"/>
+            <a:ext cx="12203999" cy="8136000"/>
+          </a:xfrm>
+          <a:prstGeom prst="rect">
+            <a:avLst/>
+          </a:prstGeom>
+        </p:spPr>
+      </p:pic>
+    </p:spTree>
+    <p:extLst>
+      <p:ext uri="{BB962C8B-B14F-4D97-AF65-F5344CB8AC3E}">
+        <p14:creationId xmlns:p14="http://schemas.microsoft.com/office/powerpoint/2010/main" val="2923672703"/>
+      </p:ext>
+    </p:extLst>
+  </p:cSld>
+  <p:clrMapOvr>
+    <a:masterClrMapping/>
+  </p:clrMapOvr>
+</p:sld>
+</file>
+
+<file path=ppt/slides/slide3.xml><?xml version="1.0" encoding="utf-8"?>
+<p:sld xmlns:a="http://schemas.openxmlformats.org/drawingml/2006/main" xmlns:r="http://schemas.openxmlformats.org/officeDocument/2006/relationships" xmlns:p="http://schemas.openxmlformats.org/presentationml/2006/main">
+  <p:cSld>
+    <p:bg>
+      <p:bgPr>
+        <a:solidFill>
+          <a:schemeClr val="accent5">
+            <a:lumMod val="60000"/>
+            <a:lumOff val="40000"/>
+          </a:schemeClr>
+        </a:solidFill>
+        <a:effectLst/>
+      </p:bgPr>
+    </p:bg>
+    <p:spTree>
+      <p:nvGrpSpPr>
+        <p:cNvPr id="1" name=""/>
+        <p:cNvGrpSpPr/>
+        <p:nvPr/>
+      </p:nvGrpSpPr>
+      <p:grpSpPr>
+        <a:xfrm>
+          <a:off x="0" y="0"/>
+          <a:ext cx="0" cy="0"/>
+          <a:chOff x="0" y="0"/>
+          <a:chExt cx="0" cy="0"/>
+        </a:xfrm>
+      </p:grpSpPr>
+      <p:sp>
+        <p:nvSpPr>
+          <p:cNvPr id="4" name="ZoneTexte 3">
+            <a:extLst>
+              <a:ext uri="{FF2B5EF4-FFF2-40B4-BE49-F238E27FC236}">
+                <a16:creationId xmlns:a16="http://schemas.microsoft.com/office/drawing/2014/main" id="{2950169A-AFD2-DC0A-18DF-454543B9F698}"/>
+              </a:ext>
+            </a:extLst>
+          </p:cNvPr>
+          <p:cNvSpPr txBox="1"/>
+          <p:nvPr/>
+        </p:nvSpPr>
+        <p:spPr>
+          <a:xfrm>
+            <a:off x="121920" y="152400"/>
+            <a:ext cx="11958320" cy="2862322"/>
+          </a:xfrm>
+          <a:prstGeom prst="rect">
+            <a:avLst/>
+          </a:prstGeom>
+          <a:noFill/>
+        </p:spPr>
+        <p:txBody>
+          <a:bodyPr wrap="square" rtlCol="0">
+            <a:spAutoFit/>
+          </a:bodyPr>
+          <a:lstStyle/>
+          <a:p>
+            <a:r>
+              <a:rPr lang="fr-FR" dirty="0"/>
+              <a:t>Prérequis: </a:t>
+            </a:r>
+          </a:p>
+          <a:p>
+            <a:pPr marL="285750" indent="-285750">
+              <a:buFont typeface="Arial" panose="020B0604020202020204" pitchFamily="34" charset="0"/>
+              <a:buChar char="•"/>
+            </a:pPr>
+            <a:r>
+              <a:rPr lang="fr-FR" dirty="0"/>
+              <a:t>Un ordinateur portable</a:t>
+            </a:r>
+          </a:p>
+          <a:p>
+            <a:pPr marL="285750" indent="-285750">
+              <a:buFont typeface="Arial" panose="020B0604020202020204" pitchFamily="34" charset="0"/>
+              <a:buChar char="•"/>
+            </a:pPr>
+            <a:r>
+              <a:rPr lang="fr-FR" dirty="0"/>
+              <a:t>Un système d’exploitation</a:t>
+            </a:r>
+          </a:p>
+          <a:p>
+            <a:pPr marL="285750" indent="-285750">
+              <a:buFont typeface="Arial" panose="020B0604020202020204" pitchFamily="34" charset="0"/>
+              <a:buChar char="•"/>
+            </a:pPr>
+            <a:r>
+              <a:rPr lang="fr-FR" dirty="0"/>
+              <a:t>Visual Studio Code avec quelques extension (IntelliSense, </a:t>
+            </a:r>
+            <a:r>
+              <a:rPr lang="fr-FR" dirty="0" err="1"/>
+              <a:t>Github</a:t>
+            </a:r>
+            <a:r>
+              <a:rPr lang="fr-FR" dirty="0"/>
+              <a:t>, Git…)</a:t>
+            </a:r>
+          </a:p>
+          <a:p>
+            <a:pPr marL="285750" indent="-285750">
+              <a:buFont typeface="Arial" panose="020B0604020202020204" pitchFamily="34" charset="0"/>
+              <a:buChar char="•"/>
+            </a:pPr>
+            <a:r>
+              <a:rPr lang="fr-FR" dirty="0" err="1"/>
+              <a:t>Npm</a:t>
+            </a:r>
+            <a:endParaRPr lang="fr-FR" dirty="0"/>
+          </a:p>
+          <a:p>
+            <a:pPr marL="285750" indent="-285750">
+              <a:buFont typeface="Arial" panose="020B0604020202020204" pitchFamily="34" charset="0"/>
+              <a:buChar char="•"/>
+            </a:pPr>
+            <a:r>
+              <a:rPr lang="fr-FR" dirty="0" err="1"/>
+              <a:t>Nodejs</a:t>
+            </a:r>
+            <a:endParaRPr lang="fr-FR" dirty="0"/>
+          </a:p>
+          <a:p>
+            <a:pPr marL="285750" indent="-285750">
+              <a:buFont typeface="Arial" panose="020B0604020202020204" pitchFamily="34" charset="0"/>
+              <a:buChar char="•"/>
+            </a:pPr>
+            <a:r>
+              <a:rPr lang="fr-FR" dirty="0"/>
+              <a:t>Bibliothèque frontend (React/</a:t>
+            </a:r>
+            <a:r>
+              <a:rPr lang="fr-FR" dirty="0" err="1"/>
+              <a:t>Vuejs</a:t>
+            </a:r>
+            <a:r>
+              <a:rPr lang="fr-FR" dirty="0"/>
+              <a:t>)</a:t>
+            </a:r>
+          </a:p>
+          <a:p>
+            <a:pPr marL="285750" indent="-285750">
+              <a:buFont typeface="Arial" panose="020B0604020202020204" pitchFamily="34" charset="0"/>
+              <a:buChar char="•"/>
+            </a:pPr>
+            <a:r>
+              <a:rPr lang="fr-FR" dirty="0"/>
+              <a:t>MySQL</a:t>
+            </a:r>
+          </a:p>
+          <a:p>
+            <a:pPr marL="285750" indent="-285750">
+              <a:buFont typeface="Arial" panose="020B0604020202020204" pitchFamily="34" charset="0"/>
+              <a:buChar char="•"/>
+            </a:pPr>
+            <a:r>
+              <a:rPr lang="fr-FR" dirty="0"/>
+              <a:t>MySQL Workbench</a:t>
+            </a:r>
+          </a:p>
+          <a:p>
+            <a:pPr marL="285750" indent="-285750">
+              <a:buFont typeface="Arial" panose="020B0604020202020204" pitchFamily="34" charset="0"/>
+              <a:buChar char="•"/>
+            </a:pPr>
+            <a:r>
+              <a:rPr lang="fr-FR" dirty="0"/>
+              <a:t>Postman</a:t>
+            </a:r>
+          </a:p>
+        </p:txBody>
+      </p:sp>
+      <p:pic>
+        <p:nvPicPr>
+          <p:cNvPr id="6" name="Image 5">
+            <a:extLst>
+              <a:ext uri="{FF2B5EF4-FFF2-40B4-BE49-F238E27FC236}">
+                <a16:creationId xmlns:a16="http://schemas.microsoft.com/office/drawing/2014/main" id="{32874688-D457-90CF-E4D7-B9181F6BDFBC}"/>
+              </a:ext>
+            </a:extLst>
+          </p:cNvPr>
+          <p:cNvPicPr>
+            <a:picLocks noChangeAspect="1"/>
+          </p:cNvPicPr>
+          <p:nvPr/>
+        </p:nvPicPr>
+        <p:blipFill>
+          <a:blip r:embed="rId2">
+            <a:extLst>
+              <a:ext uri="{28A0092B-C50C-407E-A947-70E740481C1C}">
+                <a14:useLocalDpi xmlns:a14="http://schemas.microsoft.com/office/drawing/2010/main" val="0"/>
+              </a:ext>
+            </a:extLst>
+          </a:blip>
+          <a:stretch>
+            <a:fillRect/>
+          </a:stretch>
+        </p:blipFill>
+        <p:spPr>
+          <a:xfrm>
+            <a:off x="6556692" y="1498600"/>
+            <a:ext cx="4219575" cy="4876800"/>
+          </a:xfrm>
+          <a:prstGeom prst="rect">
+            <a:avLst/>
+          </a:prstGeom>
+        </p:spPr>
+      </p:pic>
+    </p:spTree>
+    <p:extLst>
+      <p:ext uri="{BB962C8B-B14F-4D97-AF65-F5344CB8AC3E}">
+        <p14:creationId xmlns:p14="http://schemas.microsoft.com/office/powerpoint/2010/main" val="2075734757"/>
+      </p:ext>
+    </p:extLst>
+  </p:cSld>
+  <p:clrMapOvr>
+    <a:masterClrMapping/>
+  </p:clrMapOvr>
+  <p:transition spd="slow">
+    <p:wipe/>
+  </p:transition>
+  <p:timing>
+    <p:tnLst>
+      <p:par>
+        <p:cTn id="1" dur="indefinite" restart="never" nodeType="tmRoot">
+          <p:childTnLst>
+            <p:seq concurrent="1" nextAc="seek">
+              <p:cTn id="2" dur="indefinite" nodeType="mainSeq">
+                <p:childTnLst>
+                  <p:par>
+                    <p:cTn id="3" fill="hold">
+                      <p:stCondLst>
+                        <p:cond delay="indefinite"/>
+                      </p:stCondLst>
+                      <p:childTnLst>
+                        <p:par>
+                          <p:cTn id="4" fill="hold">
+                            <p:stCondLst>
+                              <p:cond delay="0"/>
+                            </p:stCondLst>
+                            <p:childTnLst>
+                              <p:par>
+                                <p:cTn id="5" presetID="26" presetClass="entr" presetSubtype="0" fill="hold" nodeType="clickEffect">
+                                  <p:stCondLst>
+                                    <p:cond delay="0"/>
+                                  </p:stCondLst>
+                                  <p:childTnLst>
+                                    <p:set>
+                                      <p:cBhvr>
+                                        <p:cTn id="6" dur="1" fill="hold">
+                                          <p:stCondLst>
+                                            <p:cond delay="0"/>
+                                          </p:stCondLst>
+                                        </p:cTn>
+                                        <p:tgtEl>
+                                          <p:spTgt spid="6"/>
+                                        </p:tgtEl>
+                                        <p:attrNameLst>
+                                          <p:attrName>style.visibility</p:attrName>
+                                        </p:attrNameLst>
+                                      </p:cBhvr>
+                                      <p:to>
+                                        <p:strVal val="visible"/>
+                                      </p:to>
+                                    </p:set>
+                                    <p:animEffect transition="in" filter="wipe(down)">
+                                      <p:cBhvr>
+                                        <p:cTn id="7" dur="580">
+                                          <p:stCondLst>
+                                            <p:cond delay="0"/>
+                                          </p:stCondLst>
+                                        </p:cTn>
+                                        <p:tgtEl>
+                                          <p:spTgt spid="6"/>
+                                        </p:tgtEl>
+                                      </p:cBhvr>
+                                    </p:animEffect>
+                                    <p:anim calcmode="lin" valueType="num">
+                                      <p:cBhvr>
+                                        <p:cTn id="8" dur="1822" tmFilter="0,0; 0.14,0.36; 0.43,0.73; 0.71,0.91; 1.0,1.0">
+                                          <p:stCondLst>
+                                            <p:cond delay="0"/>
+                                          </p:stCondLst>
+                                        </p:cTn>
+                                        <p:tgtEl>
+                                          <p:spTgt spid="6"/>
+                                        </p:tgtEl>
+                                        <p:attrNameLst>
+                                          <p:attrName>ppt_x</p:attrName>
+                                        </p:attrNameLst>
+                                      </p:cBhvr>
+                                      <p:tavLst>
+                                        <p:tav tm="0">
+                                          <p:val>
+                                            <p:strVal val="#ppt_x-0.25"/>
+                                          </p:val>
+                                        </p:tav>
+                                        <p:tav tm="100000">
+                                          <p:val>
+                                            <p:strVal val="#ppt_x"/>
+                                          </p:val>
+                                        </p:tav>
+                                      </p:tavLst>
+                                    </p:anim>
+                                    <p:anim calcmode="lin" valueType="num">
+                                      <p:cBhvr>
+                                        <p:cTn id="9" dur="664" tmFilter="0.0,0.0; 0.25,0.07; 0.50,0.2; 0.75,0.467; 1.0,1.0">
+                                          <p:stCondLst>
+                                            <p:cond delay="0"/>
+                                          </p:stCondLst>
+                                        </p:cTn>
+                                        <p:tgtEl>
+                                          <p:spTgt spid="6"/>
+                                        </p:tgtEl>
+                                        <p:attrNameLst>
+                                          <p:attrName>ppt_y</p:attrName>
+                                        </p:attrNameLst>
+                                      </p:cBhvr>
+                                      <p:tavLst>
+                                        <p:tav tm="0" fmla="#ppt_y-sin(pi*$)/3">
+                                          <p:val>
+                                            <p:fltVal val="0.5"/>
+                                          </p:val>
+                                        </p:tav>
+                                        <p:tav tm="100000">
+                                          <p:val>
+                                            <p:fltVal val="1"/>
+                                          </p:val>
+                                        </p:tav>
+                                      </p:tavLst>
+                                    </p:anim>
+                                    <p:anim calcmode="lin" valueType="num">
+                                      <p:cBhvr>
+                                        <p:cTn id="10" dur="664" tmFilter="0, 0; 0.125,0.2665; 0.25,0.4; 0.375,0.465; 0.5,0.5;  0.625,0.535; 0.75,0.6; 0.875,0.7335; 1,1">
+                                          <p:stCondLst>
+                                            <p:cond delay="664"/>
+                                          </p:stCondLst>
+                                        </p:cTn>
+                                        <p:tgtEl>
+                                          <p:spTgt spid="6"/>
+                                        </p:tgtEl>
+                                        <p:attrNameLst>
+                                          <p:attrName>ppt_y</p:attrName>
+                                        </p:attrNameLst>
+                                      </p:cBhvr>
+                                      <p:tavLst>
+                                        <p:tav tm="0" fmla="#ppt_y-sin(pi*$)/9">
+                                          <p:val>
+                                            <p:fltVal val="0"/>
+                                          </p:val>
+                                        </p:tav>
+                                        <p:tav tm="100000">
+                                          <p:val>
+                                            <p:fltVal val="1"/>
+                                          </p:val>
+                                        </p:tav>
+                                      </p:tavLst>
+                                    </p:anim>
+                                    <p:anim calcmode="lin" valueType="num">
+                                      <p:cBhvr>
+                                        <p:cTn id="11" dur="332" tmFilter="0, 0; 0.125,0.2665; 0.25,0.4; 0.375,0.465; 0.5,0.5;  0.625,0.535; 0.75,0.6; 0.875,0.7335; 1,1">
+                                          <p:stCondLst>
+                                            <p:cond delay="1324"/>
+                                          </p:stCondLst>
+                                        </p:cTn>
+                                        <p:tgtEl>
+                                          <p:spTgt spid="6"/>
+                                        </p:tgtEl>
+                                        <p:attrNameLst>
+                                          <p:attrName>ppt_y</p:attrName>
+                                        </p:attrNameLst>
+                                      </p:cBhvr>
+                                      <p:tavLst>
+                                        <p:tav tm="0" fmla="#ppt_y-sin(pi*$)/27">
+                                          <p:val>
+                                            <p:fltVal val="0"/>
+                                          </p:val>
+                                        </p:tav>
+                                        <p:tav tm="100000">
+                                          <p:val>
+                                            <p:fltVal val="1"/>
+                                          </p:val>
+                                        </p:tav>
+                                      </p:tavLst>
+                                    </p:anim>
+                                    <p:anim calcmode="lin" valueType="num">
+                                      <p:cBhvr>
+                                        <p:cTn id="12" dur="164" tmFilter="0, 0; 0.125,0.2665; 0.25,0.4; 0.375,0.465; 0.5,0.5;  0.625,0.535; 0.75,0.6; 0.875,0.7335; 1,1">
+                                          <p:stCondLst>
+                                            <p:cond delay="1656"/>
+                                          </p:stCondLst>
+                                        </p:cTn>
+                                        <p:tgtEl>
+                                          <p:spTgt spid="6"/>
+                                        </p:tgtEl>
+                                        <p:attrNameLst>
+                                          <p:attrName>ppt_y</p:attrName>
+                                        </p:attrNameLst>
+                                      </p:cBhvr>
+                                      <p:tavLst>
+                                        <p:tav tm="0" fmla="#ppt_y-sin(pi*$)/81">
+                                          <p:val>
+                                            <p:fltVal val="0"/>
+                                          </p:val>
+                                        </p:tav>
+                                        <p:tav tm="100000">
+                                          <p:val>
+                                            <p:fltVal val="1"/>
+                                          </p:val>
+                                        </p:tav>
+                                      </p:tavLst>
+                                    </p:anim>
+                                    <p:animScale>
+                                      <p:cBhvr>
+                                        <p:cTn id="13" dur="26">
+                                          <p:stCondLst>
+                                            <p:cond delay="650"/>
+                                          </p:stCondLst>
+                                        </p:cTn>
+                                        <p:tgtEl>
+                                          <p:spTgt spid="6"/>
+                                        </p:tgtEl>
+                                      </p:cBhvr>
+                                      <p:to x="100000" y="60000"/>
+                                    </p:animScale>
+                                    <p:animScale>
+                                      <p:cBhvr>
+                                        <p:cTn id="14" dur="166" decel="50000">
+                                          <p:stCondLst>
+                                            <p:cond delay="676"/>
+                                          </p:stCondLst>
+                                        </p:cTn>
+                                        <p:tgtEl>
+                                          <p:spTgt spid="6"/>
+                                        </p:tgtEl>
+                                      </p:cBhvr>
+                                      <p:to x="100000" y="100000"/>
+                                    </p:animScale>
+                                    <p:animScale>
+                                      <p:cBhvr>
+                                        <p:cTn id="15" dur="26">
+                                          <p:stCondLst>
+                                            <p:cond delay="1312"/>
+                                          </p:stCondLst>
+                                        </p:cTn>
+                                        <p:tgtEl>
+                                          <p:spTgt spid="6"/>
+                                        </p:tgtEl>
+                                      </p:cBhvr>
+                                      <p:to x="100000" y="80000"/>
+                                    </p:animScale>
+                                    <p:animScale>
+                                      <p:cBhvr>
+                                        <p:cTn id="16" dur="166" decel="50000">
+                                          <p:stCondLst>
+                                            <p:cond delay="1338"/>
+                                          </p:stCondLst>
+                                        </p:cTn>
+                                        <p:tgtEl>
+                                          <p:spTgt spid="6"/>
+                                        </p:tgtEl>
+                                      </p:cBhvr>
+                                      <p:to x="100000" y="100000"/>
+                                    </p:animScale>
+                                    <p:animScale>
+                                      <p:cBhvr>
+                                        <p:cTn id="17" dur="26">
+                                          <p:stCondLst>
+                                            <p:cond delay="1642"/>
+                                          </p:stCondLst>
+                                        </p:cTn>
+                                        <p:tgtEl>
+                                          <p:spTgt spid="6"/>
+                                        </p:tgtEl>
+                                      </p:cBhvr>
+                                      <p:to x="100000" y="90000"/>
+                                    </p:animScale>
+                                    <p:animScale>
+                                      <p:cBhvr>
+                                        <p:cTn id="18" dur="166" decel="50000">
+                                          <p:stCondLst>
+                                            <p:cond delay="1668"/>
+                                          </p:stCondLst>
+                                        </p:cTn>
+                                        <p:tgtEl>
+                                          <p:spTgt spid="6"/>
+                                        </p:tgtEl>
+                                      </p:cBhvr>
+                                      <p:to x="100000" y="100000"/>
+                                    </p:animScale>
+                                    <p:animScale>
+                                      <p:cBhvr>
+                                        <p:cTn id="19" dur="26">
+                                          <p:stCondLst>
+                                            <p:cond delay="1808"/>
+                                          </p:stCondLst>
+                                        </p:cTn>
+                                        <p:tgtEl>
+                                          <p:spTgt spid="6"/>
+                                        </p:tgtEl>
+                                      </p:cBhvr>
+                                      <p:to x="100000" y="95000"/>
+                                    </p:animScale>
+                                    <p:animScale>
+                                      <p:cBhvr>
+                                        <p:cTn id="20" dur="166" decel="50000">
+                                          <p:stCondLst>
+                                            <p:cond delay="1834"/>
+                                          </p:stCondLst>
+                                        </p:cTn>
+                                        <p:tgtEl>
+                                          <p:spTgt spid="6"/>
+                                        </p:tgtEl>
+                                      </p:cBhvr>
+                                      <p:to x="100000" y="100000"/>
+                                    </p:animScale>
+                                  </p:childTnLst>
+                                </p:cTn>
+                              </p:par>
+                              <p:par>
+                                <p:cTn id="21" presetID="32" presetClass="emph" presetSubtype="0" fill="hold" nodeType="withEffect">
+                                  <p:stCondLst>
+                                    <p:cond delay="0"/>
+                                  </p:stCondLst>
+                                  <p:childTnLst>
+                                    <p:animRot by="120000">
+                                      <p:cBhvr>
+                                        <p:cTn id="22" dur="200" fill="hold">
+                                          <p:stCondLst>
+                                            <p:cond delay="0"/>
+                                          </p:stCondLst>
+                                        </p:cTn>
+                                        <p:tgtEl>
+                                          <p:spTgt spid="6"/>
+                                        </p:tgtEl>
+                                        <p:attrNameLst>
+                                          <p:attrName>r</p:attrName>
+                                        </p:attrNameLst>
+                                      </p:cBhvr>
+                                    </p:animRot>
+                                    <p:animRot by="-240000">
+                                      <p:cBhvr>
+                                        <p:cTn id="23" dur="400" fill="hold">
+                                          <p:stCondLst>
+                                            <p:cond delay="400"/>
+                                          </p:stCondLst>
+                                        </p:cTn>
+                                        <p:tgtEl>
+                                          <p:spTgt spid="6"/>
+                                        </p:tgtEl>
+                                        <p:attrNameLst>
+                                          <p:attrName>r</p:attrName>
+                                        </p:attrNameLst>
+                                      </p:cBhvr>
+                                    </p:animRot>
+                                    <p:animRot by="240000">
+                                      <p:cBhvr>
+                                        <p:cTn id="24" dur="400" fill="hold">
+                                          <p:stCondLst>
+                                            <p:cond delay="800"/>
+                                          </p:stCondLst>
+                                        </p:cTn>
+                                        <p:tgtEl>
+                                          <p:spTgt spid="6"/>
+                                        </p:tgtEl>
+                                        <p:attrNameLst>
+                                          <p:attrName>r</p:attrName>
+                                        </p:attrNameLst>
+                                      </p:cBhvr>
+                                    </p:animRot>
+                                    <p:animRot by="-240000">
+                                      <p:cBhvr>
+                                        <p:cTn id="25" dur="400" fill="hold">
+                                          <p:stCondLst>
+                                            <p:cond delay="1200"/>
+                                          </p:stCondLst>
+                                        </p:cTn>
+                                        <p:tgtEl>
+                                          <p:spTgt spid="6"/>
+                                        </p:tgtEl>
+                                        <p:attrNameLst>
+                                          <p:attrName>r</p:attrName>
+                                        </p:attrNameLst>
+                                      </p:cBhvr>
+                                    </p:animRot>
+                                    <p:animRot by="120000">
+                                      <p:cBhvr>
+                                        <p:cTn id="26" dur="400" fill="hold">
+                                          <p:stCondLst>
+                                            <p:cond delay="1600"/>
+                                          </p:stCondLst>
+                                        </p:cTn>
+                                        <p:tgtEl>
+                                          <p:spTgt spid="6"/>
+                                        </p:tgtEl>
+                                        <p:attrNameLst>
+                                          <p:attrName>r</p:attrName>
+                                        </p:attrNameLst>
+                                      </p:cBhvr>
+                                    </p:animRot>
+                                  </p:childTnLst>
+                                </p:cTn>
+                              </p:par>
+                            </p:childTnLst>
+                          </p:cTn>
+                        </p:par>
+                      </p:childTnLst>
+                    </p:cTn>
+                  </p:par>
+                </p:childTnLst>
+              </p:cTn>
+              <p:prevCondLst>
+                <p:cond evt="onPrev" delay="0">
+                  <p:tgtEl>
+                    <p:sldTgt/>
+                  </p:tgtEl>
+                </p:cond>
+              </p:prevCondLst>
+              <p:nextCondLst>
+                <p:cond evt="onNext" delay="0">
+                  <p:tgtEl>
+                    <p:sldTgt/>
+                  </p:tgtEl>
+                </p:cond>
+              </p:nextCondLst>
+            </p:seq>
+          </p:childTnLst>
+        </p:cTn>
+      </p:par>
+    </p:tnLst>
+  </p:timing>
+</p:sld>
+</file>
+
+<file path=ppt/slides/slide4.xml><?xml version="1.0" encoding="utf-8"?>
+<p:sld xmlns:a="http://schemas.openxmlformats.org/drawingml/2006/main" xmlns:r="http://schemas.openxmlformats.org/officeDocument/2006/relationships" xmlns:p="http://schemas.openxmlformats.org/presentationml/2006/main">
+  <p:cSld>
+    <p:bg>
+      <p:bgPr>
+        <a:solidFill>
+          <a:schemeClr val="accent5">
+            <a:lumMod val="60000"/>
+            <a:lumOff val="40000"/>
+          </a:schemeClr>
+        </a:solidFill>
+        <a:effectLst/>
+      </p:bgPr>
+    </p:bg>
+    <p:spTree>
+      <p:nvGrpSpPr>
+        <p:cNvPr id="1" name=""/>
+        <p:cNvGrpSpPr/>
+        <p:nvPr/>
+      </p:nvGrpSpPr>
+      <p:grpSpPr>
+        <a:xfrm>
+          <a:off x="0" y="0"/>
+          <a:ext cx="0" cy="0"/>
+          <a:chOff x="0" y="0"/>
+          <a:chExt cx="0" cy="0"/>
+        </a:xfrm>
+      </p:grpSpPr>
+      <p:pic>
+        <p:nvPicPr>
+          <p:cNvPr id="131" name="Image 130">
+            <a:extLst>
+              <a:ext uri="{FF2B5EF4-FFF2-40B4-BE49-F238E27FC236}">
+                <a16:creationId xmlns:a16="http://schemas.microsoft.com/office/drawing/2014/main" id="{C8626D58-5EE2-C246-A548-BCE2358EC544}"/>
+              </a:ext>
+            </a:extLst>
+          </p:cNvPr>
+          <p:cNvPicPr>
+            <a:picLocks noChangeAspect="1"/>
+          </p:cNvPicPr>
+          <p:nvPr/>
+        </p:nvPicPr>
+        <p:blipFill>
+          <a:blip r:embed="rId2">
+            <a:extLst>
+              <a:ext uri="{28A0092B-C50C-407E-A947-70E740481C1C}">
+                <a14:useLocalDpi xmlns:a14="http://schemas.microsoft.com/office/drawing/2010/main" val="0"/>
+              </a:ext>
+            </a:extLst>
+          </a:blip>
+          <a:stretch>
+            <a:fillRect/>
+          </a:stretch>
+        </p:blipFill>
+        <p:spPr>
+          <a:xfrm>
+            <a:off x="613104" y="675891"/>
+            <a:ext cx="4382112" cy="5506218"/>
+          </a:xfrm>
+          <a:prstGeom prst="rect">
+            <a:avLst/>
+          </a:prstGeom>
+        </p:spPr>
+      </p:pic>
+      <p:sp>
+        <p:nvSpPr>
+          <p:cNvPr id="132" name="ZoneTexte 131">
+            <a:extLst>
+              <a:ext uri="{FF2B5EF4-FFF2-40B4-BE49-F238E27FC236}">
+                <a16:creationId xmlns:a16="http://schemas.microsoft.com/office/drawing/2014/main" id="{B64A3E1F-AFA4-92B3-229B-B1F1E9BC9C5E}"/>
+              </a:ext>
+            </a:extLst>
+          </p:cNvPr>
+          <p:cNvSpPr txBox="1"/>
+          <p:nvPr/>
+        </p:nvSpPr>
+        <p:spPr>
+          <a:xfrm>
+            <a:off x="5354320" y="406400"/>
+            <a:ext cx="6634480" cy="3139321"/>
+          </a:xfrm>
+          <a:prstGeom prst="rect">
+            <a:avLst/>
+          </a:prstGeom>
+          <a:noFill/>
+        </p:spPr>
+        <p:txBody>
+          <a:bodyPr wrap="square" rtlCol="0">
+            <a:spAutoFit/>
+          </a:bodyPr>
+          <a:lstStyle/>
+          <a:p>
+            <a:pPr marL="285750" indent="-285750">
+              <a:buFont typeface="Arial" panose="020B0604020202020204" pitchFamily="34" charset="0"/>
+              <a:buChar char="•"/>
+            </a:pPr>
+            <a:r>
+              <a:rPr lang="fr-FR" dirty="0"/>
+              <a:t>Initialisé avec </a:t>
+            </a:r>
+            <a:r>
+              <a:rPr lang="fr-FR" dirty="0" err="1"/>
+              <a:t>npm</a:t>
+            </a:r>
+            <a:r>
+              <a:rPr lang="fr-FR" dirty="0"/>
+              <a:t> init</a:t>
+            </a:r>
+          </a:p>
+          <a:p>
+            <a:pPr marL="285750" indent="-285750">
+              <a:buFont typeface="Arial" panose="020B0604020202020204" pitchFamily="34" charset="0"/>
+              <a:buChar char="•"/>
+            </a:pPr>
+            <a:r>
+              <a:rPr lang="fr-FR" dirty="0"/>
+              <a:t>Fichier JSON pour configurer le </a:t>
+            </a:r>
+            <a:r>
+              <a:rPr lang="fr-FR" dirty="0" err="1"/>
+              <a:t>project</a:t>
+            </a:r>
+            <a:r>
+              <a:rPr lang="fr-FR" dirty="0"/>
+              <a:t> en référant les packages importés et en configurant des commandes exécutables via le terminal</a:t>
+            </a:r>
+          </a:p>
+          <a:p>
+            <a:pPr marL="285750" indent="-285750">
+              <a:buFont typeface="Arial" panose="020B0604020202020204" pitchFamily="34" charset="0"/>
+              <a:buChar char="•"/>
+            </a:pPr>
+            <a:r>
+              <a:rPr lang="fr-FR" dirty="0" err="1"/>
+              <a:t>Nodemon</a:t>
+            </a:r>
+            <a:r>
+              <a:rPr lang="fr-FR" dirty="0"/>
+              <a:t> : commande pour mettre à jour en temps réel les fichiers à chaque sauvegarde même quand le port est en pleine lecture</a:t>
+            </a:r>
+          </a:p>
+          <a:p>
+            <a:pPr marL="285750" indent="-285750">
+              <a:buFont typeface="Arial" panose="020B0604020202020204" pitchFamily="34" charset="0"/>
+              <a:buChar char="•"/>
+            </a:pPr>
+            <a:r>
+              <a:rPr lang="fr-FR" dirty="0" err="1"/>
+              <a:t>Concurrently</a:t>
+            </a:r>
+            <a:r>
+              <a:rPr lang="fr-FR" dirty="0"/>
+              <a:t> : un package pour exécuter plusieurs commandes en même temps</a:t>
+            </a:r>
+          </a:p>
+          <a:p>
+            <a:pPr marL="285750" indent="-285750">
+              <a:buFont typeface="Arial" panose="020B0604020202020204" pitchFamily="34" charset="0"/>
+              <a:buChar char="•"/>
+            </a:pPr>
+            <a:r>
+              <a:rPr lang="fr-FR" dirty="0" err="1"/>
+              <a:t>Concurrently</a:t>
+            </a:r>
+            <a:r>
+              <a:rPr lang="fr-FR" dirty="0"/>
+              <a:t> -–</a:t>
+            </a:r>
+            <a:r>
+              <a:rPr lang="fr-FR" dirty="0" err="1"/>
+              <a:t>kill-others</a:t>
+            </a:r>
+            <a:r>
+              <a:rPr lang="fr-FR" dirty="0"/>
+              <a:t> \’</a:t>
+            </a:r>
+            <a:r>
+              <a:rPr lang="fr-FR" dirty="0" err="1"/>
+              <a:t>nodemon</a:t>
+            </a:r>
+            <a:r>
+              <a:rPr lang="fr-FR" dirty="0"/>
+              <a:t> backend/server\’ \’commande start par </a:t>
+            </a:r>
+            <a:r>
+              <a:rPr lang="fr-FR" dirty="0" err="1"/>
+              <a:t>défault</a:t>
+            </a:r>
+            <a:r>
+              <a:rPr lang="fr-FR" dirty="0"/>
+              <a:t>\’</a:t>
+            </a:r>
+          </a:p>
+        </p:txBody>
+      </p:sp>
+    </p:spTree>
+    <p:extLst>
+      <p:ext uri="{BB962C8B-B14F-4D97-AF65-F5344CB8AC3E}">
+        <p14:creationId xmlns:p14="http://schemas.microsoft.com/office/powerpoint/2010/main" val="1880286093"/>
+      </p:ext>
+    </p:extLst>
+  </p:cSld>
+  <p:clrMapOvr>
+    <a:masterClrMapping/>
+  </p:clrMapOvr>
+</p:sld>
+</file>
+
+<file path=ppt/slides/slide5.xml><?xml version="1.0" encoding="utf-8"?>
+<p:sld xmlns:a="http://schemas.openxmlformats.org/drawingml/2006/main" xmlns:r="http://schemas.openxmlformats.org/officeDocument/2006/relationships" xmlns:p="http://schemas.openxmlformats.org/presentationml/2006/main">
+  <p:cSld>
+    <p:bg>
+      <p:bgPr>
+        <a:solidFill>
+          <a:schemeClr val="accent5">
+            <a:lumMod val="60000"/>
+            <a:lumOff val="40000"/>
+          </a:schemeClr>
+        </a:solidFill>
+        <a:effectLst/>
+      </p:bgPr>
+    </p:bg>
+    <p:spTree>
+      <p:nvGrpSpPr>
+        <p:cNvPr id="1" name=""/>
+        <p:cNvGrpSpPr/>
+        <p:nvPr/>
+      </p:nvGrpSpPr>
+      <p:grpSpPr>
+        <a:xfrm>
+          <a:off x="0" y="0"/>
+          <a:ext cx="0" cy="0"/>
+          <a:chOff x="0" y="0"/>
+          <a:chExt cx="0" cy="0"/>
+        </a:xfrm>
+      </p:grpSpPr>
+      <p:pic>
+        <p:nvPicPr>
+          <p:cNvPr id="5" name="Image 4">
+            <a:extLst>
+              <a:ext uri="{FF2B5EF4-FFF2-40B4-BE49-F238E27FC236}">
+                <a16:creationId xmlns:a16="http://schemas.microsoft.com/office/drawing/2014/main" id="{F4590D13-9BC4-58E2-979E-B7D6D54075AC}"/>
+              </a:ext>
+            </a:extLst>
+          </p:cNvPr>
+          <p:cNvPicPr>
+            <a:picLocks noChangeAspect="1"/>
+          </p:cNvPicPr>
+          <p:nvPr/>
+        </p:nvPicPr>
+        <p:blipFill>
+          <a:blip r:embed="rId2">
+            <a:extLst>
+              <a:ext uri="{28A0092B-C50C-407E-A947-70E740481C1C}">
+                <a14:useLocalDpi xmlns:a14="http://schemas.microsoft.com/office/drawing/2010/main" val="0"/>
+              </a:ext>
+            </a:extLst>
+          </a:blip>
+          <a:stretch>
+            <a:fillRect/>
+          </a:stretch>
+        </p:blipFill>
+        <p:spPr>
+          <a:xfrm>
+            <a:off x="2676045" y="1799819"/>
+            <a:ext cx="6839905" cy="1267002"/>
+          </a:xfrm>
+          <a:prstGeom prst="rect">
+            <a:avLst/>
+          </a:prstGeom>
+        </p:spPr>
+      </p:pic>
+      <p:sp>
+        <p:nvSpPr>
+          <p:cNvPr id="6" name="ZoneTexte 5">
+            <a:extLst>
+              <a:ext uri="{FF2B5EF4-FFF2-40B4-BE49-F238E27FC236}">
+                <a16:creationId xmlns:a16="http://schemas.microsoft.com/office/drawing/2014/main" id="{094DD8F9-DE0D-30A8-E820-FA2C5F3BD846}"/>
+              </a:ext>
+            </a:extLst>
+          </p:cNvPr>
+          <p:cNvSpPr txBox="1"/>
+          <p:nvPr/>
+        </p:nvSpPr>
+        <p:spPr>
+          <a:xfrm>
+            <a:off x="5147662" y="457200"/>
+            <a:ext cx="1896673" cy="1015663"/>
+          </a:xfrm>
+          <a:prstGeom prst="rect">
+            <a:avLst/>
+          </a:prstGeom>
+          <a:noFill/>
+        </p:spPr>
+        <p:txBody>
+          <a:bodyPr wrap="none" rtlCol="0">
+            <a:spAutoFit/>
+          </a:bodyPr>
+          <a:lstStyle/>
+          <a:p>
+            <a:r>
+              <a:rPr lang="fr-FR" sz="6000" dirty="0">
+                <a:solidFill>
+                  <a:srgbClr val="FF0000"/>
+                </a:solidFill>
+              </a:rPr>
+              <a:t>Init.js</a:t>
+            </a:r>
+          </a:p>
+        </p:txBody>
+      </p:sp>
+      <p:sp>
+        <p:nvSpPr>
+          <p:cNvPr id="7" name="ZoneTexte 6">
+            <a:extLst>
+              <a:ext uri="{FF2B5EF4-FFF2-40B4-BE49-F238E27FC236}">
+                <a16:creationId xmlns:a16="http://schemas.microsoft.com/office/drawing/2014/main" id="{B66F1A71-79E0-DC8B-2990-00D1A4CF7854}"/>
+              </a:ext>
+            </a:extLst>
+          </p:cNvPr>
+          <p:cNvSpPr txBox="1"/>
+          <p:nvPr/>
+        </p:nvSpPr>
+        <p:spPr>
+          <a:xfrm>
+            <a:off x="833120" y="3429000"/>
+            <a:ext cx="10861040" cy="1200329"/>
+          </a:xfrm>
+          <a:prstGeom prst="rect">
+            <a:avLst/>
+          </a:prstGeom>
+          <a:noFill/>
+        </p:spPr>
+        <p:txBody>
+          <a:bodyPr wrap="square" rtlCol="0">
+            <a:spAutoFit/>
+          </a:bodyPr>
+          <a:lstStyle/>
+          <a:p>
+            <a:pPr marL="285750" indent="-285750">
+              <a:buFont typeface="Arial" panose="020B0604020202020204" pitchFamily="34" charset="0"/>
+              <a:buChar char="•"/>
+            </a:pPr>
+            <a:r>
+              <a:rPr lang="fr-FR" dirty="0"/>
+              <a:t>Sequelize : ORM (Object-</a:t>
+            </a:r>
+            <a:r>
+              <a:rPr lang="fr-FR" dirty="0" err="1"/>
+              <a:t>Relating</a:t>
+            </a:r>
+            <a:r>
+              <a:rPr lang="fr-FR" dirty="0"/>
+              <a:t> Mapping, programme qui va manipuler la base de données tel un objet JSON</a:t>
+            </a:r>
+          </a:p>
+          <a:p>
+            <a:pPr marL="285750" indent="-285750">
+              <a:buFont typeface="Arial" panose="020B0604020202020204" pitchFamily="34" charset="0"/>
+              <a:buChar char="•"/>
+            </a:pPr>
+            <a:r>
+              <a:rPr lang="fr-FR" dirty="0"/>
+              <a:t>Importer deux variables importantes pour le backend depuis Sequelize.</a:t>
+            </a:r>
+          </a:p>
+          <a:p>
+            <a:pPr marL="285750" indent="-285750">
+              <a:buFont typeface="Arial" panose="020B0604020202020204" pitchFamily="34" charset="0"/>
+              <a:buChar char="•"/>
+            </a:pPr>
+            <a:r>
+              <a:rPr lang="fr-FR" dirty="0"/>
+              <a:t>Initialiser une nouvelle variable qui va servir à configurer la connexion à notre base de données</a:t>
+            </a:r>
+          </a:p>
+          <a:p>
+            <a:pPr marL="285750" indent="-285750">
+              <a:buFont typeface="Arial" panose="020B0604020202020204" pitchFamily="34" charset="0"/>
+              <a:buChar char="•"/>
+            </a:pPr>
+            <a:r>
+              <a:rPr lang="fr-FR" dirty="0"/>
+              <a:t>Exporter la nouvelle variable + </a:t>
+            </a:r>
+            <a:r>
+              <a:rPr lang="fr-FR" dirty="0" err="1"/>
+              <a:t>DataTypes</a:t>
+            </a:r>
+            <a:r>
+              <a:rPr lang="fr-FR" dirty="0"/>
+              <a:t> qui nous servira pour les modèles.</a:t>
+            </a:r>
+          </a:p>
+        </p:txBody>
+      </p:sp>
+    </p:spTree>
+    <p:extLst>
+      <p:ext uri="{BB962C8B-B14F-4D97-AF65-F5344CB8AC3E}">
+        <p14:creationId xmlns:p14="http://schemas.microsoft.com/office/powerpoint/2010/main" val="1517632847"/>
+      </p:ext>
+    </p:extLst>
+  </p:cSld>
+  <p:clrMapOvr>
+    <a:masterClrMapping/>
+  </p:clrMapOvr>
+</p:sld>
+</file>
+
+<file path=ppt/slides/slide6.xml><?xml version="1.0" encoding="utf-8"?>
+<p:sld xmlns:a="http://schemas.openxmlformats.org/drawingml/2006/main" xmlns:r="http://schemas.openxmlformats.org/officeDocument/2006/relationships" xmlns:p="http://schemas.openxmlformats.org/presentationml/2006/main">
+  <p:cSld>
+    <p:bg>
+      <p:bgPr>
+        <a:solidFill>
+          <a:schemeClr val="accent5">
+            <a:lumMod val="60000"/>
+            <a:lumOff val="40000"/>
+          </a:schemeClr>
+        </a:solidFill>
+        <a:effectLst/>
+      </p:bgPr>
+    </p:bg>
+    <p:spTree>
+      <p:nvGrpSpPr>
+        <p:cNvPr id="1" name=""/>
+        <p:cNvGrpSpPr/>
+        <p:nvPr/>
+      </p:nvGrpSpPr>
+      <p:grpSpPr>
+        <a:xfrm>
+          <a:off x="0" y="0"/>
+          <a:ext cx="0" cy="0"/>
+          <a:chOff x="0" y="0"/>
+          <a:chExt cx="0" cy="0"/>
+        </a:xfrm>
+      </p:grpSpPr>
+      <p:sp>
+        <p:nvSpPr>
+          <p:cNvPr id="2" name="Titre 1">
+            <a:extLst>
+              <a:ext uri="{FF2B5EF4-FFF2-40B4-BE49-F238E27FC236}">
+                <a16:creationId xmlns:a16="http://schemas.microsoft.com/office/drawing/2014/main" id="{0A7C513E-969B-B69E-0F9F-71AA44DEC79A}"/>
+              </a:ext>
+            </a:extLst>
+          </p:cNvPr>
+          <p:cNvSpPr>
+            <a:spLocks noGrp="1"/>
+          </p:cNvSpPr>
+          <p:nvPr>
+            <p:ph type="title"/>
+          </p:nvPr>
+        </p:nvSpPr>
+        <p:spPr>
+          <a:xfrm>
+            <a:off x="838200" y="0"/>
+            <a:ext cx="10515600" cy="1325563"/>
+          </a:xfrm>
+        </p:spPr>
+        <p:txBody>
+          <a:bodyPr/>
+          <a:lstStyle/>
+          <a:p>
+            <a:pPr algn="ctr"/>
+            <a:r>
+              <a:rPr lang="fr-FR" b="1" dirty="0">
+                <a:solidFill>
+                  <a:srgbClr val="FF0000"/>
+                </a:solidFill>
+              </a:rPr>
+              <a:t>App.js</a:t>
+            </a:r>
+          </a:p>
+        </p:txBody>
+      </p:sp>
+      <p:pic>
+        <p:nvPicPr>
+          <p:cNvPr id="5" name="Image 4">
+            <a:extLst>
+              <a:ext uri="{FF2B5EF4-FFF2-40B4-BE49-F238E27FC236}">
+                <a16:creationId xmlns:a16="http://schemas.microsoft.com/office/drawing/2014/main" id="{12254652-D70D-3336-4E13-8C150DCCFE97}"/>
+              </a:ext>
+            </a:extLst>
+          </p:cNvPr>
+          <p:cNvPicPr>
+            <a:picLocks noChangeAspect="1"/>
+          </p:cNvPicPr>
+          <p:nvPr/>
+        </p:nvPicPr>
+        <p:blipFill>
+          <a:blip r:embed="rId2">
+            <a:extLst>
+              <a:ext uri="{28A0092B-C50C-407E-A947-70E740481C1C}">
+                <a14:useLocalDpi xmlns:a14="http://schemas.microsoft.com/office/drawing/2010/main" val="0"/>
+              </a:ext>
+            </a:extLst>
+          </a:blip>
+          <a:stretch>
+            <a:fillRect/>
+          </a:stretch>
+        </p:blipFill>
+        <p:spPr>
+          <a:xfrm>
+            <a:off x="289702" y="1108135"/>
+            <a:ext cx="11612596" cy="3686689"/>
+          </a:xfrm>
+          <a:prstGeom prst="rect">
+            <a:avLst/>
+          </a:prstGeom>
+        </p:spPr>
+      </p:pic>
+      <p:sp>
+        <p:nvSpPr>
+          <p:cNvPr id="6" name="ZoneTexte 5">
+            <a:extLst>
+              <a:ext uri="{FF2B5EF4-FFF2-40B4-BE49-F238E27FC236}">
+                <a16:creationId xmlns:a16="http://schemas.microsoft.com/office/drawing/2014/main" id="{A3562145-2887-ED36-96DF-C6DD8E98D8FE}"/>
+              </a:ext>
+            </a:extLst>
+          </p:cNvPr>
+          <p:cNvSpPr txBox="1"/>
+          <p:nvPr/>
+        </p:nvSpPr>
+        <p:spPr>
+          <a:xfrm>
+            <a:off x="289702" y="5100320"/>
+            <a:ext cx="11560409" cy="369332"/>
+          </a:xfrm>
+          <a:prstGeom prst="rect">
+            <a:avLst/>
+          </a:prstGeom>
+          <a:noFill/>
+        </p:spPr>
+        <p:txBody>
+          <a:bodyPr wrap="none" rtlCol="0">
+            <a:spAutoFit/>
+          </a:bodyPr>
+          <a:lstStyle/>
+          <a:p>
+            <a:pPr marL="285750" indent="-285750">
+              <a:buFont typeface="Arial" panose="020B0604020202020204" pitchFamily="34" charset="0"/>
+              <a:buChar char="•"/>
+            </a:pPr>
+            <a:r>
+              <a:rPr lang="fr-FR" dirty="0"/>
+              <a:t>Express: Framework web utilisable sur </a:t>
+            </a:r>
+            <a:r>
+              <a:rPr lang="fr-FR" dirty="0" err="1"/>
+              <a:t>Nodejs</a:t>
+            </a:r>
+            <a:r>
+              <a:rPr lang="fr-FR" dirty="0"/>
+              <a:t> dans le but de se connecter au serveur et d’effectuer des requêtes HTTP.</a:t>
+            </a:r>
+          </a:p>
+        </p:txBody>
+      </p:sp>
+    </p:spTree>
+    <p:extLst>
+      <p:ext uri="{BB962C8B-B14F-4D97-AF65-F5344CB8AC3E}">
+        <p14:creationId xmlns:p14="http://schemas.microsoft.com/office/powerpoint/2010/main" val="1509280971"/>
       </p:ext>
     </p:extLst>
   </p:cSld>

--- a/documentation/Dossier Projet/Projet Slides.pptx
+++ b/documentation/Dossier Projet/Projet Slides.pptx
@@ -11,6 +11,13 @@
     <p:sldId id="259" r:id="rId5"/>
     <p:sldId id="260" r:id="rId6"/>
     <p:sldId id="261" r:id="rId7"/>
+    <p:sldId id="262" r:id="rId8"/>
+    <p:sldId id="263" r:id="rId9"/>
+    <p:sldId id="264" r:id="rId10"/>
+    <p:sldId id="265" r:id="rId11"/>
+    <p:sldId id="266" r:id="rId12"/>
+    <p:sldId id="268" r:id="rId13"/>
+    <p:sldId id="267" r:id="rId14"/>
   </p:sldIdLst>
   <p:sldSz cx="12192000" cy="6858000"/>
   <p:notesSz cx="6858000" cy="9144000"/>
@@ -264,7 +271,7 @@
           <a:p>
             <a:fld id="{DF1A0E04-5AF4-4F96-88E1-84AD98B488C9}" type="datetimeFigureOut">
               <a:rPr lang="fr-FR" smtClean="0"/>
-              <a:t>29/11/2024</a:t>
+              <a:t>04/12/2024</a:t>
             </a:fld>
             <a:endParaRPr lang="fr-FR"/>
           </a:p>
@@ -462,7 +469,7 @@
           <a:p>
             <a:fld id="{DF1A0E04-5AF4-4F96-88E1-84AD98B488C9}" type="datetimeFigureOut">
               <a:rPr lang="fr-FR" smtClean="0"/>
-              <a:t>29/11/2024</a:t>
+              <a:t>04/12/2024</a:t>
             </a:fld>
             <a:endParaRPr lang="fr-FR"/>
           </a:p>
@@ -670,7 +677,7 @@
           <a:p>
             <a:fld id="{DF1A0E04-5AF4-4F96-88E1-84AD98B488C9}" type="datetimeFigureOut">
               <a:rPr lang="fr-FR" smtClean="0"/>
-              <a:t>29/11/2024</a:t>
+              <a:t>04/12/2024</a:t>
             </a:fld>
             <a:endParaRPr lang="fr-FR"/>
           </a:p>
@@ -868,7 +875,7 @@
           <a:p>
             <a:fld id="{DF1A0E04-5AF4-4F96-88E1-84AD98B488C9}" type="datetimeFigureOut">
               <a:rPr lang="fr-FR" smtClean="0"/>
-              <a:t>29/11/2024</a:t>
+              <a:t>04/12/2024</a:t>
             </a:fld>
             <a:endParaRPr lang="fr-FR"/>
           </a:p>
@@ -1143,7 +1150,7 @@
           <a:p>
             <a:fld id="{DF1A0E04-5AF4-4F96-88E1-84AD98B488C9}" type="datetimeFigureOut">
               <a:rPr lang="fr-FR" smtClean="0"/>
-              <a:t>29/11/2024</a:t>
+              <a:t>04/12/2024</a:t>
             </a:fld>
             <a:endParaRPr lang="fr-FR"/>
           </a:p>
@@ -1408,7 +1415,7 @@
           <a:p>
             <a:fld id="{DF1A0E04-5AF4-4F96-88E1-84AD98B488C9}" type="datetimeFigureOut">
               <a:rPr lang="fr-FR" smtClean="0"/>
-              <a:t>29/11/2024</a:t>
+              <a:t>04/12/2024</a:t>
             </a:fld>
             <a:endParaRPr lang="fr-FR"/>
           </a:p>
@@ -1820,7 +1827,7 @@
           <a:p>
             <a:fld id="{DF1A0E04-5AF4-4F96-88E1-84AD98B488C9}" type="datetimeFigureOut">
               <a:rPr lang="fr-FR" smtClean="0"/>
-              <a:t>29/11/2024</a:t>
+              <a:t>04/12/2024</a:t>
             </a:fld>
             <a:endParaRPr lang="fr-FR"/>
           </a:p>
@@ -1961,7 +1968,7 @@
           <a:p>
             <a:fld id="{DF1A0E04-5AF4-4F96-88E1-84AD98B488C9}" type="datetimeFigureOut">
               <a:rPr lang="fr-FR" smtClean="0"/>
-              <a:t>29/11/2024</a:t>
+              <a:t>04/12/2024</a:t>
             </a:fld>
             <a:endParaRPr lang="fr-FR"/>
           </a:p>
@@ -2074,7 +2081,7 @@
           <a:p>
             <a:fld id="{DF1A0E04-5AF4-4F96-88E1-84AD98B488C9}" type="datetimeFigureOut">
               <a:rPr lang="fr-FR" smtClean="0"/>
-              <a:t>29/11/2024</a:t>
+              <a:t>04/12/2024</a:t>
             </a:fld>
             <a:endParaRPr lang="fr-FR"/>
           </a:p>
@@ -2385,7 +2392,7 @@
           <a:p>
             <a:fld id="{DF1A0E04-5AF4-4F96-88E1-84AD98B488C9}" type="datetimeFigureOut">
               <a:rPr lang="fr-FR" smtClean="0"/>
-              <a:t>29/11/2024</a:t>
+              <a:t>04/12/2024</a:t>
             </a:fld>
             <a:endParaRPr lang="fr-FR"/>
           </a:p>
@@ -2673,7 +2680,7 @@
           <a:p>
             <a:fld id="{DF1A0E04-5AF4-4F96-88E1-84AD98B488C9}" type="datetimeFigureOut">
               <a:rPr lang="fr-FR" smtClean="0"/>
-              <a:t>29/11/2024</a:t>
+              <a:t>04/12/2024</a:t>
             </a:fld>
             <a:endParaRPr lang="fr-FR"/>
           </a:p>
@@ -2914,7 +2921,7 @@
           <a:p>
             <a:fld id="{DF1A0E04-5AF4-4F96-88E1-84AD98B488C9}" type="datetimeFigureOut">
               <a:rPr lang="fr-FR" smtClean="0"/>
-              <a:t>29/11/2024</a:t>
+              <a:t>04/12/2024</a:t>
             </a:fld>
             <a:endParaRPr lang="fr-FR"/>
           </a:p>
@@ -3832,6 +3839,747 @@
     <p:bldLst>
       <p:bldP spid="2" grpId="0"/>
     </p:bldLst>
+  </p:timing>
+</p:sld>
+</file>
+
+<file path=ppt/slides/slide10.xml><?xml version="1.0" encoding="utf-8"?>
+<p:sld xmlns:a="http://schemas.openxmlformats.org/drawingml/2006/main" xmlns:r="http://schemas.openxmlformats.org/officeDocument/2006/relationships" xmlns:p="http://schemas.openxmlformats.org/presentationml/2006/main">
+  <p:cSld>
+    <p:bg>
+      <p:bgPr>
+        <a:solidFill>
+          <a:schemeClr val="accent5">
+            <a:lumMod val="60000"/>
+            <a:lumOff val="40000"/>
+          </a:schemeClr>
+        </a:solidFill>
+        <a:effectLst/>
+      </p:bgPr>
+    </p:bg>
+    <p:spTree>
+      <p:nvGrpSpPr>
+        <p:cNvPr id="1" name=""/>
+        <p:cNvGrpSpPr/>
+        <p:nvPr/>
+      </p:nvGrpSpPr>
+      <p:grpSpPr>
+        <a:xfrm>
+          <a:off x="0" y="0"/>
+          <a:ext cx="0" cy="0"/>
+          <a:chOff x="0" y="0"/>
+          <a:chExt cx="0" cy="0"/>
+        </a:xfrm>
+      </p:grpSpPr>
+      <p:sp>
+        <p:nvSpPr>
+          <p:cNvPr id="2" name="Titre 1">
+            <a:extLst>
+              <a:ext uri="{FF2B5EF4-FFF2-40B4-BE49-F238E27FC236}">
+                <a16:creationId xmlns:a16="http://schemas.microsoft.com/office/drawing/2014/main" id="{2C4794E6-B3F3-A361-2A8D-49AC6DB3D4D0}"/>
+              </a:ext>
+            </a:extLst>
+          </p:cNvPr>
+          <p:cNvSpPr>
+            <a:spLocks noGrp="1"/>
+          </p:cNvSpPr>
+          <p:nvPr>
+            <p:ph type="title"/>
+          </p:nvPr>
+        </p:nvSpPr>
+        <p:spPr/>
+        <p:txBody>
+          <a:bodyPr/>
+          <a:lstStyle/>
+          <a:p>
+            <a:pPr algn="ctr"/>
+            <a:r>
+              <a:rPr lang="fr-FR" b="1" dirty="0">
+                <a:solidFill>
+                  <a:srgbClr val="FF0000"/>
+                </a:solidFill>
+              </a:rPr>
+              <a:t>Modèle table utilisateurs</a:t>
+            </a:r>
+          </a:p>
+        </p:txBody>
+      </p:sp>
+      <p:pic>
+        <p:nvPicPr>
+          <p:cNvPr id="5" name="Image 4">
+            <a:extLst>
+              <a:ext uri="{FF2B5EF4-FFF2-40B4-BE49-F238E27FC236}">
+                <a16:creationId xmlns:a16="http://schemas.microsoft.com/office/drawing/2014/main" id="{49FEC68E-80B3-251C-1161-086D1074537C}"/>
+              </a:ext>
+            </a:extLst>
+          </p:cNvPr>
+          <p:cNvPicPr>
+            <a:picLocks noChangeAspect="1"/>
+          </p:cNvPicPr>
+          <p:nvPr/>
+        </p:nvPicPr>
+        <p:blipFill>
+          <a:blip r:embed="rId2">
+            <a:extLst>
+              <a:ext uri="{28A0092B-C50C-407E-A947-70E740481C1C}">
+                <a14:useLocalDpi xmlns:a14="http://schemas.microsoft.com/office/drawing/2010/main" val="0"/>
+              </a:ext>
+            </a:extLst>
+          </a:blip>
+          <a:srcRect/>
+          <a:stretch/>
+        </p:blipFill>
+        <p:spPr>
+          <a:xfrm>
+            <a:off x="386486" y="1432559"/>
+            <a:ext cx="5046492" cy="5160013"/>
+          </a:xfrm>
+          <a:prstGeom prst="rect">
+            <a:avLst/>
+          </a:prstGeom>
+        </p:spPr>
+      </p:pic>
+    </p:spTree>
+    <p:extLst>
+      <p:ext uri="{BB962C8B-B14F-4D97-AF65-F5344CB8AC3E}">
+        <p14:creationId xmlns:p14="http://schemas.microsoft.com/office/powerpoint/2010/main" val="2027756881"/>
+      </p:ext>
+    </p:extLst>
+  </p:cSld>
+  <p:clrMapOvr>
+    <a:masterClrMapping/>
+  </p:clrMapOvr>
+  <p:timing>
+    <p:tnLst>
+      <p:par>
+        <p:cTn id="1" dur="indefinite" restart="never" nodeType="tmRoot">
+          <p:childTnLst>
+            <p:seq concurrent="1" nextAc="seek">
+              <p:cTn id="2" dur="indefinite" nodeType="mainSeq">
+                <p:childTnLst>
+                  <p:par>
+                    <p:cTn id="3" fill="hold">
+                      <p:stCondLst>
+                        <p:cond delay="indefinite"/>
+                      </p:stCondLst>
+                      <p:childTnLst>
+                        <p:par>
+                          <p:cTn id="4" fill="hold">
+                            <p:stCondLst>
+                              <p:cond delay="0"/>
+                            </p:stCondLst>
+                            <p:childTnLst>
+                              <p:par>
+                                <p:cTn id="5" presetID="16" presetClass="entr" presetSubtype="21" fill="hold" nodeType="clickEffect">
+                                  <p:stCondLst>
+                                    <p:cond delay="0"/>
+                                  </p:stCondLst>
+                                  <p:childTnLst>
+                                    <p:set>
+                                      <p:cBhvr>
+                                        <p:cTn id="6" dur="1" fill="hold">
+                                          <p:stCondLst>
+                                            <p:cond delay="0"/>
+                                          </p:stCondLst>
+                                        </p:cTn>
+                                        <p:tgtEl>
+                                          <p:spTgt spid="5"/>
+                                        </p:tgtEl>
+                                        <p:attrNameLst>
+                                          <p:attrName>style.visibility</p:attrName>
+                                        </p:attrNameLst>
+                                      </p:cBhvr>
+                                      <p:to>
+                                        <p:strVal val="visible"/>
+                                      </p:to>
+                                    </p:set>
+                                    <p:animEffect transition="in" filter="barn(inVertical)">
+                                      <p:cBhvr>
+                                        <p:cTn id="7" dur="1000"/>
+                                        <p:tgtEl>
+                                          <p:spTgt spid="5"/>
+                                        </p:tgtEl>
+                                      </p:cBhvr>
+                                    </p:animEffect>
+                                  </p:childTnLst>
+                                </p:cTn>
+                              </p:par>
+                            </p:childTnLst>
+                          </p:cTn>
+                        </p:par>
+                      </p:childTnLst>
+                    </p:cTn>
+                  </p:par>
+                </p:childTnLst>
+              </p:cTn>
+              <p:prevCondLst>
+                <p:cond evt="onPrev" delay="0">
+                  <p:tgtEl>
+                    <p:sldTgt/>
+                  </p:tgtEl>
+                </p:cond>
+              </p:prevCondLst>
+              <p:nextCondLst>
+                <p:cond evt="onNext" delay="0">
+                  <p:tgtEl>
+                    <p:sldTgt/>
+                  </p:tgtEl>
+                </p:cond>
+              </p:nextCondLst>
+            </p:seq>
+          </p:childTnLst>
+        </p:cTn>
+      </p:par>
+    </p:tnLst>
+  </p:timing>
+</p:sld>
+</file>
+
+<file path=ppt/slides/slide11.xml><?xml version="1.0" encoding="utf-8"?>
+<p:sld xmlns:a="http://schemas.openxmlformats.org/drawingml/2006/main" xmlns:r="http://schemas.openxmlformats.org/officeDocument/2006/relationships" xmlns:p="http://schemas.openxmlformats.org/presentationml/2006/main">
+  <p:cSld>
+    <p:bg>
+      <p:bgPr>
+        <a:solidFill>
+          <a:schemeClr val="accent5">
+            <a:lumMod val="60000"/>
+            <a:lumOff val="40000"/>
+          </a:schemeClr>
+        </a:solidFill>
+        <a:effectLst/>
+      </p:bgPr>
+    </p:bg>
+    <p:spTree>
+      <p:nvGrpSpPr>
+        <p:cNvPr id="1" name="">
+          <a:extLst>
+            <a:ext uri="{FF2B5EF4-FFF2-40B4-BE49-F238E27FC236}">
+              <a16:creationId xmlns:a16="http://schemas.microsoft.com/office/drawing/2014/main" id="{154C21DF-B90E-40C4-3037-FD13A1455900}"/>
+            </a:ext>
+          </a:extLst>
+        </p:cNvPr>
+        <p:cNvGrpSpPr/>
+        <p:nvPr/>
+      </p:nvGrpSpPr>
+      <p:grpSpPr>
+        <a:xfrm>
+          <a:off x="0" y="0"/>
+          <a:ext cx="0" cy="0"/>
+          <a:chOff x="0" y="0"/>
+          <a:chExt cx="0" cy="0"/>
+        </a:xfrm>
+      </p:grpSpPr>
+      <p:sp>
+        <p:nvSpPr>
+          <p:cNvPr id="2" name="Titre 1">
+            <a:extLst>
+              <a:ext uri="{FF2B5EF4-FFF2-40B4-BE49-F238E27FC236}">
+                <a16:creationId xmlns:a16="http://schemas.microsoft.com/office/drawing/2014/main" id="{894D139A-CD1F-79C1-162F-8111EDE81214}"/>
+              </a:ext>
+            </a:extLst>
+          </p:cNvPr>
+          <p:cNvSpPr>
+            <a:spLocks noGrp="1"/>
+          </p:cNvSpPr>
+          <p:nvPr>
+            <p:ph type="title"/>
+          </p:nvPr>
+        </p:nvSpPr>
+        <p:spPr/>
+        <p:txBody>
+          <a:bodyPr/>
+          <a:lstStyle/>
+          <a:p>
+            <a:pPr algn="ctr"/>
+            <a:r>
+              <a:rPr lang="fr-FR" b="1" dirty="0">
+                <a:solidFill>
+                  <a:srgbClr val="FF0000"/>
+                </a:solidFill>
+              </a:rPr>
+              <a:t>Modèle table </a:t>
+            </a:r>
+            <a:r>
+              <a:rPr lang="fr-FR" b="1" dirty="0" err="1">
+                <a:solidFill>
+                  <a:srgbClr val="FF0000"/>
+                </a:solidFill>
+              </a:rPr>
+              <a:t>posts</a:t>
+            </a:r>
+            <a:endParaRPr lang="fr-FR" b="1" dirty="0">
+              <a:solidFill>
+                <a:srgbClr val="FF0000"/>
+              </a:solidFill>
+            </a:endParaRPr>
+          </a:p>
+        </p:txBody>
+      </p:sp>
+      <p:pic>
+        <p:nvPicPr>
+          <p:cNvPr id="5" name="Image 4">
+            <a:extLst>
+              <a:ext uri="{FF2B5EF4-FFF2-40B4-BE49-F238E27FC236}">
+                <a16:creationId xmlns:a16="http://schemas.microsoft.com/office/drawing/2014/main" id="{7B170947-5AB6-E827-EB28-A7E618356B43}"/>
+              </a:ext>
+            </a:extLst>
+          </p:cNvPr>
+          <p:cNvPicPr>
+            <a:picLocks noChangeAspect="1"/>
+          </p:cNvPicPr>
+          <p:nvPr/>
+        </p:nvPicPr>
+        <p:blipFill>
+          <a:blip r:embed="rId2">
+            <a:extLst>
+              <a:ext uri="{28A0092B-C50C-407E-A947-70E740481C1C}">
+                <a14:useLocalDpi xmlns:a14="http://schemas.microsoft.com/office/drawing/2010/main" val="0"/>
+              </a:ext>
+            </a:extLst>
+          </a:blip>
+          <a:srcRect/>
+          <a:stretch/>
+        </p:blipFill>
+        <p:spPr>
+          <a:xfrm>
+            <a:off x="587249" y="1432559"/>
+            <a:ext cx="4644965" cy="5160013"/>
+          </a:xfrm>
+          <a:prstGeom prst="rect">
+            <a:avLst/>
+          </a:prstGeom>
+        </p:spPr>
+      </p:pic>
+      <p:sp>
+        <p:nvSpPr>
+          <p:cNvPr id="3" name="ZoneTexte 2">
+            <a:extLst>
+              <a:ext uri="{FF2B5EF4-FFF2-40B4-BE49-F238E27FC236}">
+                <a16:creationId xmlns:a16="http://schemas.microsoft.com/office/drawing/2014/main" id="{A414C7A1-AA75-7453-4239-0DD0CB2616B1}"/>
+              </a:ext>
+            </a:extLst>
+          </p:cNvPr>
+          <p:cNvSpPr txBox="1"/>
+          <p:nvPr/>
+        </p:nvSpPr>
+        <p:spPr>
+          <a:xfrm>
+            <a:off x="5486400" y="1690688"/>
+            <a:ext cx="6471920" cy="1200329"/>
+          </a:xfrm>
+          <a:prstGeom prst="rect">
+            <a:avLst/>
+          </a:prstGeom>
+          <a:noFill/>
+        </p:spPr>
+        <p:txBody>
+          <a:bodyPr wrap="square" rtlCol="0">
+            <a:spAutoFit/>
+          </a:bodyPr>
+          <a:lstStyle/>
+          <a:p>
+            <a:pPr marL="285750" indent="-285750">
+              <a:buFont typeface="Arial" panose="020B0604020202020204" pitchFamily="34" charset="0"/>
+              <a:buChar char="•"/>
+            </a:pPr>
+            <a:r>
+              <a:rPr lang="fr-FR" dirty="0"/>
+              <a:t>Les dates seront écrites sous forme de texte sous le format AAAA-MM-JJ</a:t>
+            </a:r>
+          </a:p>
+          <a:p>
+            <a:pPr marL="285750" indent="-285750">
+              <a:buFont typeface="Arial" panose="020B0604020202020204" pitchFamily="34" charset="0"/>
+              <a:buChar char="•"/>
+            </a:pPr>
+            <a:r>
+              <a:rPr lang="fr-FR" dirty="0"/>
+              <a:t>La chaîne de caractères a une limite de 255 caractères alors que le texte peut stocker jusqu’à 30000 caractères.</a:t>
+            </a:r>
+          </a:p>
+        </p:txBody>
+      </p:sp>
+    </p:spTree>
+    <p:extLst>
+      <p:ext uri="{BB962C8B-B14F-4D97-AF65-F5344CB8AC3E}">
+        <p14:creationId xmlns:p14="http://schemas.microsoft.com/office/powerpoint/2010/main" val="615063686"/>
+      </p:ext>
+    </p:extLst>
+  </p:cSld>
+  <p:clrMapOvr>
+    <a:masterClrMapping/>
+  </p:clrMapOvr>
+  <p:timing>
+    <p:tnLst>
+      <p:par>
+        <p:cTn id="1" dur="indefinite" restart="never" nodeType="tmRoot">
+          <p:childTnLst>
+            <p:seq concurrent="1" nextAc="seek">
+              <p:cTn id="2" dur="indefinite" nodeType="mainSeq">
+                <p:childTnLst>
+                  <p:par>
+                    <p:cTn id="3" fill="hold">
+                      <p:stCondLst>
+                        <p:cond delay="indefinite"/>
+                      </p:stCondLst>
+                      <p:childTnLst>
+                        <p:par>
+                          <p:cTn id="4" fill="hold">
+                            <p:stCondLst>
+                              <p:cond delay="0"/>
+                            </p:stCondLst>
+                            <p:childTnLst>
+                              <p:par>
+                                <p:cTn id="5" presetID="16" presetClass="entr" presetSubtype="21" fill="hold" nodeType="clickEffect">
+                                  <p:stCondLst>
+                                    <p:cond delay="0"/>
+                                  </p:stCondLst>
+                                  <p:childTnLst>
+                                    <p:set>
+                                      <p:cBhvr>
+                                        <p:cTn id="6" dur="1" fill="hold">
+                                          <p:stCondLst>
+                                            <p:cond delay="0"/>
+                                          </p:stCondLst>
+                                        </p:cTn>
+                                        <p:tgtEl>
+                                          <p:spTgt spid="5"/>
+                                        </p:tgtEl>
+                                        <p:attrNameLst>
+                                          <p:attrName>style.visibility</p:attrName>
+                                        </p:attrNameLst>
+                                      </p:cBhvr>
+                                      <p:to>
+                                        <p:strVal val="visible"/>
+                                      </p:to>
+                                    </p:set>
+                                    <p:animEffect transition="in" filter="barn(inVertical)">
+                                      <p:cBhvr>
+                                        <p:cTn id="7" dur="1000"/>
+                                        <p:tgtEl>
+                                          <p:spTgt spid="5"/>
+                                        </p:tgtEl>
+                                      </p:cBhvr>
+                                    </p:animEffect>
+                                  </p:childTnLst>
+                                </p:cTn>
+                              </p:par>
+                            </p:childTnLst>
+                          </p:cTn>
+                        </p:par>
+                      </p:childTnLst>
+                    </p:cTn>
+                  </p:par>
+                </p:childTnLst>
+              </p:cTn>
+              <p:prevCondLst>
+                <p:cond evt="onPrev" delay="0">
+                  <p:tgtEl>
+                    <p:sldTgt/>
+                  </p:tgtEl>
+                </p:cond>
+              </p:prevCondLst>
+              <p:nextCondLst>
+                <p:cond evt="onNext" delay="0">
+                  <p:tgtEl>
+                    <p:sldTgt/>
+                  </p:tgtEl>
+                </p:cond>
+              </p:nextCondLst>
+            </p:seq>
+          </p:childTnLst>
+        </p:cTn>
+      </p:par>
+    </p:tnLst>
+  </p:timing>
+</p:sld>
+</file>
+
+<file path=ppt/slides/slide12.xml><?xml version="1.0" encoding="utf-8"?>
+<p:sld xmlns:a="http://schemas.openxmlformats.org/drawingml/2006/main" xmlns:r="http://schemas.openxmlformats.org/officeDocument/2006/relationships" xmlns:p="http://schemas.openxmlformats.org/presentationml/2006/main">
+  <p:cSld>
+    <p:bg>
+      <p:bgPr>
+        <a:solidFill>
+          <a:schemeClr val="accent5">
+            <a:lumMod val="60000"/>
+            <a:lumOff val="40000"/>
+          </a:schemeClr>
+        </a:solidFill>
+        <a:effectLst/>
+      </p:bgPr>
+    </p:bg>
+    <p:spTree>
+      <p:nvGrpSpPr>
+        <p:cNvPr id="1" name=""/>
+        <p:cNvGrpSpPr/>
+        <p:nvPr/>
+      </p:nvGrpSpPr>
+      <p:grpSpPr>
+        <a:xfrm>
+          <a:off x="0" y="0"/>
+          <a:ext cx="0" cy="0"/>
+          <a:chOff x="0" y="0"/>
+          <a:chExt cx="0" cy="0"/>
+        </a:xfrm>
+      </p:grpSpPr>
+      <p:sp>
+        <p:nvSpPr>
+          <p:cNvPr id="2" name="Titre 1">
+            <a:extLst>
+              <a:ext uri="{FF2B5EF4-FFF2-40B4-BE49-F238E27FC236}">
+                <a16:creationId xmlns:a16="http://schemas.microsoft.com/office/drawing/2014/main" id="{4FC83FF5-B841-C4E6-FB94-8F692DF03EE4}"/>
+              </a:ext>
+            </a:extLst>
+          </p:cNvPr>
+          <p:cNvSpPr>
+            <a:spLocks noGrp="1"/>
+          </p:cNvSpPr>
+          <p:nvPr>
+            <p:ph type="title"/>
+          </p:nvPr>
+        </p:nvSpPr>
+        <p:spPr/>
+        <p:txBody>
+          <a:bodyPr/>
+          <a:lstStyle/>
+          <a:p>
+            <a:endParaRPr lang="fr-FR"/>
+          </a:p>
+        </p:txBody>
+      </p:sp>
+      <p:sp>
+        <p:nvSpPr>
+          <p:cNvPr id="3" name="Espace réservé du contenu 2">
+            <a:extLst>
+              <a:ext uri="{FF2B5EF4-FFF2-40B4-BE49-F238E27FC236}">
+                <a16:creationId xmlns:a16="http://schemas.microsoft.com/office/drawing/2014/main" id="{75A143C7-1135-ECFC-D8F8-BE930DA169C7}"/>
+              </a:ext>
+            </a:extLst>
+          </p:cNvPr>
+          <p:cNvSpPr>
+            <a:spLocks noGrp="1"/>
+          </p:cNvSpPr>
+          <p:nvPr>
+            <p:ph idx="1"/>
+          </p:nvPr>
+        </p:nvSpPr>
+        <p:spPr/>
+        <p:txBody>
+          <a:bodyPr/>
+          <a:lstStyle/>
+          <a:p>
+            <a:endParaRPr lang="fr-FR"/>
+          </a:p>
+        </p:txBody>
+      </p:sp>
+    </p:spTree>
+    <p:extLst>
+      <p:ext uri="{BB962C8B-B14F-4D97-AF65-F5344CB8AC3E}">
+        <p14:creationId xmlns:p14="http://schemas.microsoft.com/office/powerpoint/2010/main" val="1804627258"/>
+      </p:ext>
+    </p:extLst>
+  </p:cSld>
+  <p:clrMapOvr>
+    <a:masterClrMapping/>
+  </p:clrMapOvr>
+</p:sld>
+</file>
+
+<file path=ppt/slides/slide13.xml><?xml version="1.0" encoding="utf-8"?>
+<p:sld xmlns:a="http://schemas.openxmlformats.org/drawingml/2006/main" xmlns:r="http://schemas.openxmlformats.org/officeDocument/2006/relationships" xmlns:p="http://schemas.openxmlformats.org/presentationml/2006/main">
+  <p:cSld>
+    <p:bg>
+      <p:bgPr>
+        <a:solidFill>
+          <a:schemeClr val="accent5">
+            <a:lumMod val="60000"/>
+            <a:lumOff val="40000"/>
+          </a:schemeClr>
+        </a:solidFill>
+        <a:effectLst/>
+      </p:bgPr>
+    </p:bg>
+    <p:spTree>
+      <p:nvGrpSpPr>
+        <p:cNvPr id="1" name="">
+          <a:extLst>
+            <a:ext uri="{FF2B5EF4-FFF2-40B4-BE49-F238E27FC236}">
+              <a16:creationId xmlns:a16="http://schemas.microsoft.com/office/drawing/2014/main" id="{9D307FF6-05D1-06AC-C1FA-C39A412A10BF}"/>
+            </a:ext>
+          </a:extLst>
+        </p:cNvPr>
+        <p:cNvGrpSpPr/>
+        <p:nvPr/>
+      </p:nvGrpSpPr>
+      <p:grpSpPr>
+        <a:xfrm>
+          <a:off x="0" y="0"/>
+          <a:ext cx="0" cy="0"/>
+          <a:chOff x="0" y="0"/>
+          <a:chExt cx="0" cy="0"/>
+        </a:xfrm>
+      </p:grpSpPr>
+      <p:sp>
+        <p:nvSpPr>
+          <p:cNvPr id="2" name="Titre 1">
+            <a:extLst>
+              <a:ext uri="{FF2B5EF4-FFF2-40B4-BE49-F238E27FC236}">
+                <a16:creationId xmlns:a16="http://schemas.microsoft.com/office/drawing/2014/main" id="{8D55B5E2-F90C-F714-C43F-327F6E9878D8}"/>
+              </a:ext>
+            </a:extLst>
+          </p:cNvPr>
+          <p:cNvSpPr>
+            <a:spLocks noGrp="1"/>
+          </p:cNvSpPr>
+          <p:nvPr>
+            <p:ph type="title"/>
+          </p:nvPr>
+        </p:nvSpPr>
+        <p:spPr/>
+        <p:txBody>
+          <a:bodyPr/>
+          <a:lstStyle/>
+          <a:p>
+            <a:pPr algn="ctr"/>
+            <a:r>
+              <a:rPr lang="fr-FR" b="1" dirty="0">
+                <a:solidFill>
+                  <a:srgbClr val="FF0000"/>
+                </a:solidFill>
+              </a:rPr>
+              <a:t>Modèle table commentaires</a:t>
+            </a:r>
+          </a:p>
+        </p:txBody>
+      </p:sp>
+      <p:pic>
+        <p:nvPicPr>
+          <p:cNvPr id="5" name="Image 4">
+            <a:extLst>
+              <a:ext uri="{FF2B5EF4-FFF2-40B4-BE49-F238E27FC236}">
+                <a16:creationId xmlns:a16="http://schemas.microsoft.com/office/drawing/2014/main" id="{7C20D302-6359-4940-15FB-50C42095C635}"/>
+              </a:ext>
+            </a:extLst>
+          </p:cNvPr>
+          <p:cNvPicPr>
+            <a:picLocks noChangeAspect="1"/>
+          </p:cNvPicPr>
+          <p:nvPr/>
+        </p:nvPicPr>
+        <p:blipFill>
+          <a:blip r:embed="rId2">
+            <a:extLst>
+              <a:ext uri="{28A0092B-C50C-407E-A947-70E740481C1C}">
+                <a14:useLocalDpi xmlns:a14="http://schemas.microsoft.com/office/drawing/2010/main" val="0"/>
+              </a:ext>
+            </a:extLst>
+          </a:blip>
+          <a:srcRect/>
+          <a:stretch/>
+        </p:blipFill>
+        <p:spPr>
+          <a:xfrm>
+            <a:off x="386486" y="1432559"/>
+            <a:ext cx="5046492" cy="5160013"/>
+          </a:xfrm>
+          <a:prstGeom prst="rect">
+            <a:avLst/>
+          </a:prstGeom>
+        </p:spPr>
+      </p:pic>
+    </p:spTree>
+    <p:extLst>
+      <p:ext uri="{BB962C8B-B14F-4D97-AF65-F5344CB8AC3E}">
+        <p14:creationId xmlns:p14="http://schemas.microsoft.com/office/powerpoint/2010/main" val="1090884531"/>
+      </p:ext>
+    </p:extLst>
+  </p:cSld>
+  <p:clrMapOvr>
+    <a:masterClrMapping/>
+  </p:clrMapOvr>
+  <p:timing>
+    <p:tnLst>
+      <p:par>
+        <p:cTn id="1" dur="indefinite" restart="never" nodeType="tmRoot">
+          <p:childTnLst>
+            <p:seq concurrent="1" nextAc="seek">
+              <p:cTn id="2" dur="indefinite" nodeType="mainSeq">
+                <p:childTnLst>
+                  <p:par>
+                    <p:cTn id="3" fill="hold">
+                      <p:stCondLst>
+                        <p:cond delay="indefinite"/>
+                      </p:stCondLst>
+                      <p:childTnLst>
+                        <p:par>
+                          <p:cTn id="4" fill="hold">
+                            <p:stCondLst>
+                              <p:cond delay="0"/>
+                            </p:stCondLst>
+                            <p:childTnLst>
+                              <p:par>
+                                <p:cTn id="5" presetID="16" presetClass="entr" presetSubtype="21" fill="hold" nodeType="clickEffect">
+                                  <p:stCondLst>
+                                    <p:cond delay="0"/>
+                                  </p:stCondLst>
+                                  <p:childTnLst>
+                                    <p:set>
+                                      <p:cBhvr>
+                                        <p:cTn id="6" dur="1" fill="hold">
+                                          <p:stCondLst>
+                                            <p:cond delay="0"/>
+                                          </p:stCondLst>
+                                        </p:cTn>
+                                        <p:tgtEl>
+                                          <p:spTgt spid="5"/>
+                                        </p:tgtEl>
+                                        <p:attrNameLst>
+                                          <p:attrName>style.visibility</p:attrName>
+                                        </p:attrNameLst>
+                                      </p:cBhvr>
+                                      <p:to>
+                                        <p:strVal val="visible"/>
+                                      </p:to>
+                                    </p:set>
+                                    <p:animEffect transition="in" filter="barn(inVertical)">
+                                      <p:cBhvr>
+                                        <p:cTn id="7" dur="1000"/>
+                                        <p:tgtEl>
+                                          <p:spTgt spid="5"/>
+                                        </p:tgtEl>
+                                      </p:cBhvr>
+                                    </p:animEffect>
+                                  </p:childTnLst>
+                                </p:cTn>
+                              </p:par>
+                            </p:childTnLst>
+                          </p:cTn>
+                        </p:par>
+                      </p:childTnLst>
+                    </p:cTn>
+                  </p:par>
+                </p:childTnLst>
+              </p:cTn>
+              <p:prevCondLst>
+                <p:cond evt="onPrev" delay="0">
+                  <p:tgtEl>
+                    <p:sldTgt/>
+                  </p:tgtEl>
+                </p:cond>
+              </p:prevCondLst>
+              <p:nextCondLst>
+                <p:cond evt="onNext" delay="0">
+                  <p:tgtEl>
+                    <p:sldTgt/>
+                  </p:tgtEl>
+                </p:cond>
+              </p:nextCondLst>
+            </p:seq>
+          </p:childTnLst>
+        </p:cTn>
+      </p:par>
+    </p:tnLst>
   </p:timing>
 </p:sld>
 </file>
@@ -4899,7 +5647,7 @@
             </a:r>
             <a:r>
               <a:rPr lang="fr-FR" dirty="0"/>
-              <a:t> Mapping, programme qui va manipuler la base de données tel un objet JSON</a:t>
+              <a:t> Mapping, programme qui va manipuler la base de données tel un objet JSON)</a:t>
             </a:r>
           </a:p>
           <a:p>
@@ -5072,7 +5820,7 @@
         <p:spPr>
           <a:xfrm>
             <a:off x="289702" y="5100320"/>
-            <a:ext cx="11560409" cy="369332"/>
+            <a:ext cx="11588685" cy="1477328"/>
           </a:xfrm>
           <a:prstGeom prst="rect">
             <a:avLst/>
@@ -5100,6 +5848,54 @@
             <a:r>
               <a:rPr lang="fr-FR" dirty="0"/>
               <a:t> dans le but de se connecter au serveur et d’effectuer des requêtes HTTP.</a:t>
+            </a:r>
+          </a:p>
+          <a:p>
+            <a:pPr marL="285750" indent="-285750">
+              <a:buFont typeface="Arial" panose="020B0604020202020204" pitchFamily="34" charset="0"/>
+              <a:buChar char="•"/>
+            </a:pPr>
+            <a:r>
+              <a:rPr lang="fr-FR" dirty="0"/>
+              <a:t>Cors : Framework annulant l’interdiction CORS</a:t>
+            </a:r>
+          </a:p>
+          <a:p>
+            <a:pPr marL="285750" indent="-285750">
+              <a:buFont typeface="Arial" panose="020B0604020202020204" pitchFamily="34" charset="0"/>
+              <a:buChar char="•"/>
+            </a:pPr>
+            <a:r>
+              <a:rPr lang="fr-FR" dirty="0"/>
+              <a:t>Routeurs importés via le dossier des routes</a:t>
+            </a:r>
+          </a:p>
+          <a:p>
+            <a:pPr marL="285750" indent="-285750">
+              <a:buFont typeface="Arial" panose="020B0604020202020204" pitchFamily="34" charset="0"/>
+              <a:buChar char="•"/>
+            </a:pPr>
+            <a:r>
+              <a:rPr lang="fr-FR" dirty="0" err="1"/>
+              <a:t>setHeader</a:t>
+            </a:r>
+            <a:r>
+              <a:rPr lang="fr-FR" dirty="0"/>
+              <a:t> : configurer les paramètres des requêtes à l’en-tête, notamment pour les méthodes et les origines…</a:t>
+            </a:r>
+          </a:p>
+          <a:p>
+            <a:pPr marL="285750" indent="-285750">
+              <a:buFont typeface="Arial" panose="020B0604020202020204" pitchFamily="34" charset="0"/>
+              <a:buChar char="•"/>
+            </a:pPr>
+            <a:r>
+              <a:rPr lang="fr-FR" dirty="0" err="1"/>
+              <a:t>Express.json</a:t>
+            </a:r>
+            <a:r>
+              <a:rPr lang="fr-FR" dirty="0"/>
+              <a:t> : Convertir les requêtes et réponses en JSON.</a:t>
             </a:r>
           </a:p>
         </p:txBody>
@@ -5114,6 +5910,713 @@
   <p:clrMapOvr>
     <a:masterClrMapping/>
   </p:clrMapOvr>
+</p:sld>
+</file>
+
+<file path=ppt/slides/slide7.xml><?xml version="1.0" encoding="utf-8"?>
+<p:sld xmlns:a="http://schemas.openxmlformats.org/drawingml/2006/main" xmlns:r="http://schemas.openxmlformats.org/officeDocument/2006/relationships" xmlns:p="http://schemas.openxmlformats.org/presentationml/2006/main">
+  <p:cSld>
+    <p:bg>
+      <p:bgPr>
+        <a:solidFill>
+          <a:schemeClr val="accent5">
+            <a:lumMod val="60000"/>
+            <a:lumOff val="40000"/>
+          </a:schemeClr>
+        </a:solidFill>
+        <a:effectLst/>
+      </p:bgPr>
+    </p:bg>
+    <p:spTree>
+      <p:nvGrpSpPr>
+        <p:cNvPr id="1" name=""/>
+        <p:cNvGrpSpPr/>
+        <p:nvPr/>
+      </p:nvGrpSpPr>
+      <p:grpSpPr>
+        <a:xfrm>
+          <a:off x="0" y="0"/>
+          <a:ext cx="0" cy="0"/>
+          <a:chOff x="0" y="0"/>
+          <a:chExt cx="0" cy="0"/>
+        </a:xfrm>
+      </p:grpSpPr>
+      <p:pic>
+        <p:nvPicPr>
+          <p:cNvPr id="5" name="Image 4">
+            <a:extLst>
+              <a:ext uri="{FF2B5EF4-FFF2-40B4-BE49-F238E27FC236}">
+                <a16:creationId xmlns:a16="http://schemas.microsoft.com/office/drawing/2014/main" id="{95D576E7-314E-4D29-3F24-53F91518FE7D}"/>
+              </a:ext>
+            </a:extLst>
+          </p:cNvPr>
+          <p:cNvPicPr>
+            <a:picLocks noChangeAspect="1"/>
+          </p:cNvPicPr>
+          <p:nvPr/>
+        </p:nvPicPr>
+        <p:blipFill>
+          <a:blip r:embed="rId2">
+            <a:extLst>
+              <a:ext uri="{28A0092B-C50C-407E-A947-70E740481C1C}">
+                <a14:useLocalDpi xmlns:a14="http://schemas.microsoft.com/office/drawing/2010/main" val="0"/>
+              </a:ext>
+            </a:extLst>
+          </a:blip>
+          <a:stretch>
+            <a:fillRect/>
+          </a:stretch>
+        </p:blipFill>
+        <p:spPr>
+          <a:xfrm>
+            <a:off x="162419" y="157858"/>
+            <a:ext cx="6563641" cy="3677163"/>
+          </a:xfrm>
+          <a:prstGeom prst="rect">
+            <a:avLst/>
+          </a:prstGeom>
+        </p:spPr>
+      </p:pic>
+      <p:sp>
+        <p:nvSpPr>
+          <p:cNvPr id="6" name="ZoneTexte 5">
+            <a:extLst>
+              <a:ext uri="{FF2B5EF4-FFF2-40B4-BE49-F238E27FC236}">
+                <a16:creationId xmlns:a16="http://schemas.microsoft.com/office/drawing/2014/main" id="{C9A4A936-9818-6BCC-6C3E-276DB315FA0B}"/>
+              </a:ext>
+            </a:extLst>
+          </p:cNvPr>
+          <p:cNvSpPr txBox="1"/>
+          <p:nvPr/>
+        </p:nvSpPr>
+        <p:spPr>
+          <a:xfrm>
+            <a:off x="6847840" y="157858"/>
+            <a:ext cx="5181741" cy="1477328"/>
+          </a:xfrm>
+          <a:prstGeom prst="rect">
+            <a:avLst/>
+          </a:prstGeom>
+          <a:noFill/>
+        </p:spPr>
+        <p:txBody>
+          <a:bodyPr wrap="square" rtlCol="0">
+            <a:spAutoFit/>
+          </a:bodyPr>
+          <a:lstStyle/>
+          <a:p>
+            <a:pPr marL="285750" indent="-285750">
+              <a:buFont typeface="Arial" panose="020B0604020202020204" pitchFamily="34" charset="0"/>
+              <a:buChar char="•"/>
+            </a:pPr>
+            <a:r>
+              <a:rPr lang="fr-FR" dirty="0"/>
+              <a:t>Connecter la variable app aux routeurs via la fonction use</a:t>
+            </a:r>
+          </a:p>
+          <a:p>
+            <a:pPr marL="285750" indent="-285750">
+              <a:buFont typeface="Arial" panose="020B0604020202020204" pitchFamily="34" charset="0"/>
+              <a:buChar char="•"/>
+            </a:pPr>
+            <a:r>
+              <a:rPr lang="fr-FR" dirty="0" err="1"/>
+              <a:t>Connect</a:t>
+            </a:r>
+            <a:r>
+              <a:rPr lang="fr-FR" dirty="0"/>
+              <a:t> : s’authentifier à la base de données via l’ORM Sequelize</a:t>
+            </a:r>
+          </a:p>
+          <a:p>
+            <a:pPr marL="285750" indent="-285750">
+              <a:buFont typeface="Arial" panose="020B0604020202020204" pitchFamily="34" charset="0"/>
+              <a:buChar char="•"/>
+            </a:pPr>
+            <a:r>
+              <a:rPr lang="fr-FR" dirty="0"/>
+              <a:t>Se synchroniser et exporter la variable app</a:t>
+            </a:r>
+          </a:p>
+        </p:txBody>
+      </p:sp>
+    </p:spTree>
+    <p:extLst>
+      <p:ext uri="{BB962C8B-B14F-4D97-AF65-F5344CB8AC3E}">
+        <p14:creationId xmlns:p14="http://schemas.microsoft.com/office/powerpoint/2010/main" val="3852611444"/>
+      </p:ext>
+    </p:extLst>
+  </p:cSld>
+  <p:clrMapOvr>
+    <a:masterClrMapping/>
+  </p:clrMapOvr>
+</p:sld>
+</file>
+
+<file path=ppt/slides/slide8.xml><?xml version="1.0" encoding="utf-8"?>
+<p:sld xmlns:a="http://schemas.openxmlformats.org/drawingml/2006/main" xmlns:r="http://schemas.openxmlformats.org/officeDocument/2006/relationships" xmlns:p="http://schemas.openxmlformats.org/presentationml/2006/main">
+  <p:cSld>
+    <p:bg>
+      <p:bgPr>
+        <a:solidFill>
+          <a:schemeClr val="accent5">
+            <a:lumMod val="60000"/>
+            <a:lumOff val="40000"/>
+          </a:schemeClr>
+        </a:solidFill>
+        <a:effectLst/>
+      </p:bgPr>
+    </p:bg>
+    <p:spTree>
+      <p:nvGrpSpPr>
+        <p:cNvPr id="1" name=""/>
+        <p:cNvGrpSpPr/>
+        <p:nvPr/>
+      </p:nvGrpSpPr>
+      <p:grpSpPr>
+        <a:xfrm>
+          <a:off x="0" y="0"/>
+          <a:ext cx="0" cy="0"/>
+          <a:chOff x="0" y="0"/>
+          <a:chExt cx="0" cy="0"/>
+        </a:xfrm>
+      </p:grpSpPr>
+      <p:sp>
+        <p:nvSpPr>
+          <p:cNvPr id="2" name="Titre 1">
+            <a:extLst>
+              <a:ext uri="{FF2B5EF4-FFF2-40B4-BE49-F238E27FC236}">
+                <a16:creationId xmlns:a16="http://schemas.microsoft.com/office/drawing/2014/main" id="{84BCF607-79B4-F393-FAAD-7F347769831C}"/>
+              </a:ext>
+            </a:extLst>
+          </p:cNvPr>
+          <p:cNvSpPr>
+            <a:spLocks noGrp="1"/>
+          </p:cNvSpPr>
+          <p:nvPr>
+            <p:ph type="title"/>
+          </p:nvPr>
+        </p:nvSpPr>
+        <p:spPr/>
+        <p:txBody>
+          <a:bodyPr/>
+          <a:lstStyle/>
+          <a:p>
+            <a:pPr algn="ctr"/>
+            <a:r>
+              <a:rPr lang="fr-FR" b="1" dirty="0">
+                <a:solidFill>
+                  <a:srgbClr val="FF0000"/>
+                </a:solidFill>
+              </a:rPr>
+              <a:t>Server.js</a:t>
+            </a:r>
+          </a:p>
+        </p:txBody>
+      </p:sp>
+      <p:pic>
+        <p:nvPicPr>
+          <p:cNvPr id="5" name="Image 4">
+            <a:extLst>
+              <a:ext uri="{FF2B5EF4-FFF2-40B4-BE49-F238E27FC236}">
+                <a16:creationId xmlns:a16="http://schemas.microsoft.com/office/drawing/2014/main" id="{061EEB6A-1F20-2F69-1A00-57F81FD69C95}"/>
+              </a:ext>
+            </a:extLst>
+          </p:cNvPr>
+          <p:cNvPicPr>
+            <a:picLocks noChangeAspect="1"/>
+          </p:cNvPicPr>
+          <p:nvPr/>
+        </p:nvPicPr>
+        <p:blipFill>
+          <a:blip r:embed="rId2">
+            <a:extLst>
+              <a:ext uri="{28A0092B-C50C-407E-A947-70E740481C1C}">
+                <a14:useLocalDpi xmlns:a14="http://schemas.microsoft.com/office/drawing/2010/main" val="0"/>
+              </a:ext>
+            </a:extLst>
+          </a:blip>
+          <a:stretch>
+            <a:fillRect/>
+          </a:stretch>
+        </p:blipFill>
+        <p:spPr>
+          <a:xfrm>
+            <a:off x="342046" y="1428228"/>
+            <a:ext cx="7687748" cy="2924583"/>
+          </a:xfrm>
+          <a:prstGeom prst="rect">
+            <a:avLst/>
+          </a:prstGeom>
+        </p:spPr>
+      </p:pic>
+      <p:sp>
+        <p:nvSpPr>
+          <p:cNvPr id="6" name="ZoneTexte 5">
+            <a:extLst>
+              <a:ext uri="{FF2B5EF4-FFF2-40B4-BE49-F238E27FC236}">
+                <a16:creationId xmlns:a16="http://schemas.microsoft.com/office/drawing/2014/main" id="{DD5352D4-7532-F681-4053-9BCD1A6C8F70}"/>
+              </a:ext>
+            </a:extLst>
+          </p:cNvPr>
+          <p:cNvSpPr txBox="1"/>
+          <p:nvPr/>
+        </p:nvSpPr>
+        <p:spPr>
+          <a:xfrm>
+            <a:off x="342046" y="4531360"/>
+            <a:ext cx="11595954" cy="923330"/>
+          </a:xfrm>
+          <a:prstGeom prst="rect">
+            <a:avLst/>
+          </a:prstGeom>
+          <a:noFill/>
+        </p:spPr>
+        <p:txBody>
+          <a:bodyPr wrap="square" rtlCol="0">
+            <a:spAutoFit/>
+          </a:bodyPr>
+          <a:lstStyle/>
+          <a:p>
+            <a:pPr marL="285750" indent="-285750">
+              <a:buFont typeface="Arial" panose="020B0604020202020204" pitchFamily="34" charset="0"/>
+              <a:buChar char="•"/>
+            </a:pPr>
+            <a:r>
+              <a:rPr lang="fr-FR" dirty="0" err="1"/>
+              <a:t>Dotenv</a:t>
+            </a:r>
+            <a:r>
+              <a:rPr lang="fr-FR" dirty="0"/>
+              <a:t> : Informe le backend que le fichier .</a:t>
+            </a:r>
+            <a:r>
+              <a:rPr lang="fr-FR" dirty="0" err="1"/>
+              <a:t>env</a:t>
+            </a:r>
+            <a:r>
+              <a:rPr lang="fr-FR" dirty="0"/>
+              <a:t> existe et peut être utilisée avec </a:t>
+            </a:r>
+            <a:r>
+              <a:rPr lang="fr-FR" dirty="0" err="1"/>
+              <a:t>process.env</a:t>
+            </a:r>
+            <a:r>
+              <a:rPr lang="fr-FR" dirty="0"/>
+              <a:t>.</a:t>
+            </a:r>
+          </a:p>
+          <a:p>
+            <a:pPr marL="285750" indent="-285750">
+              <a:buFont typeface="Arial" panose="020B0604020202020204" pitchFamily="34" charset="0"/>
+              <a:buChar char="•"/>
+            </a:pPr>
+            <a:r>
+              <a:rPr lang="fr-FR" dirty="0"/>
+              <a:t>http : Permet de configurer le serveur avec les paramètres renseignés par app (notamment les paramètres de l’en-tête)</a:t>
+            </a:r>
+          </a:p>
+          <a:p>
+            <a:pPr marL="285750" indent="-285750">
+              <a:buFont typeface="Arial" panose="020B0604020202020204" pitchFamily="34" charset="0"/>
+              <a:buChar char="•"/>
+            </a:pPr>
+            <a:r>
+              <a:rPr lang="fr-FR" dirty="0"/>
+              <a:t>Le serveur tente de lire le port ensuite déclenche une fonction qui envoie un message au développeur.</a:t>
+            </a:r>
+          </a:p>
+        </p:txBody>
+      </p:sp>
+    </p:spTree>
+    <p:extLst>
+      <p:ext uri="{BB962C8B-B14F-4D97-AF65-F5344CB8AC3E}">
+        <p14:creationId xmlns:p14="http://schemas.microsoft.com/office/powerpoint/2010/main" val="20848285"/>
+      </p:ext>
+    </p:extLst>
+  </p:cSld>
+  <p:clrMapOvr>
+    <a:masterClrMapping/>
+  </p:clrMapOvr>
+</p:sld>
+</file>
+
+<file path=ppt/slides/slide9.xml><?xml version="1.0" encoding="utf-8"?>
+<p:sld xmlns:a="http://schemas.openxmlformats.org/drawingml/2006/main" xmlns:r="http://schemas.openxmlformats.org/officeDocument/2006/relationships" xmlns:p="http://schemas.openxmlformats.org/presentationml/2006/main">
+  <p:cSld>
+    <p:bg>
+      <p:bgPr>
+        <a:solidFill>
+          <a:schemeClr val="accent5">
+            <a:lumMod val="60000"/>
+            <a:lumOff val="40000"/>
+          </a:schemeClr>
+        </a:solidFill>
+        <a:effectLst/>
+      </p:bgPr>
+    </p:bg>
+    <p:spTree>
+      <p:nvGrpSpPr>
+        <p:cNvPr id="1" name=""/>
+        <p:cNvGrpSpPr/>
+        <p:nvPr/>
+      </p:nvGrpSpPr>
+      <p:grpSpPr>
+        <a:xfrm>
+          <a:off x="0" y="0"/>
+          <a:ext cx="0" cy="0"/>
+          <a:chOff x="0" y="0"/>
+          <a:chExt cx="0" cy="0"/>
+        </a:xfrm>
+      </p:grpSpPr>
+      <p:sp>
+        <p:nvSpPr>
+          <p:cNvPr id="2" name="Titre 1">
+            <a:extLst>
+              <a:ext uri="{FF2B5EF4-FFF2-40B4-BE49-F238E27FC236}">
+                <a16:creationId xmlns:a16="http://schemas.microsoft.com/office/drawing/2014/main" id="{17A0C54A-8A2F-7769-B771-A67C27227177}"/>
+              </a:ext>
+            </a:extLst>
+          </p:cNvPr>
+          <p:cNvSpPr>
+            <a:spLocks noGrp="1"/>
+          </p:cNvSpPr>
+          <p:nvPr>
+            <p:ph type="title"/>
+          </p:nvPr>
+        </p:nvSpPr>
+        <p:spPr/>
+        <p:txBody>
+          <a:bodyPr/>
+          <a:lstStyle/>
+          <a:p>
+            <a:pPr algn="ctr"/>
+            <a:r>
+              <a:rPr lang="fr-FR" b="1" dirty="0">
+                <a:solidFill>
+                  <a:srgbClr val="FF0000"/>
+                </a:solidFill>
+              </a:rPr>
+              <a:t>Graphique base de données</a:t>
+            </a:r>
+          </a:p>
+        </p:txBody>
+      </p:sp>
+      <p:pic>
+        <p:nvPicPr>
+          <p:cNvPr id="5" name="Image 4">
+            <a:extLst>
+              <a:ext uri="{FF2B5EF4-FFF2-40B4-BE49-F238E27FC236}">
+                <a16:creationId xmlns:a16="http://schemas.microsoft.com/office/drawing/2014/main" id="{B3CF22B8-3B1E-5671-1F55-0D1216D80927}"/>
+              </a:ext>
+            </a:extLst>
+          </p:cNvPr>
+          <p:cNvPicPr>
+            <a:picLocks noChangeAspect="1"/>
+          </p:cNvPicPr>
+          <p:nvPr/>
+        </p:nvPicPr>
+        <p:blipFill>
+          <a:blip r:embed="rId2">
+            <a:extLst>
+              <a:ext uri="{28A0092B-C50C-407E-A947-70E740481C1C}">
+                <a14:useLocalDpi xmlns:a14="http://schemas.microsoft.com/office/drawing/2010/main" val="0"/>
+              </a:ext>
+            </a:extLst>
+          </a:blip>
+          <a:stretch>
+            <a:fillRect/>
+          </a:stretch>
+        </p:blipFill>
+        <p:spPr>
+          <a:xfrm>
+            <a:off x="184556" y="1310639"/>
+            <a:ext cx="6914824" cy="5360459"/>
+          </a:xfrm>
+          <a:prstGeom prst="rect">
+            <a:avLst/>
+          </a:prstGeom>
+        </p:spPr>
+      </p:pic>
+      <p:sp>
+        <p:nvSpPr>
+          <p:cNvPr id="6" name="ZoneTexte 5">
+            <a:extLst>
+              <a:ext uri="{FF2B5EF4-FFF2-40B4-BE49-F238E27FC236}">
+                <a16:creationId xmlns:a16="http://schemas.microsoft.com/office/drawing/2014/main" id="{22D6DE0F-FDCD-8D6B-713B-846954EF6F31}"/>
+              </a:ext>
+            </a:extLst>
+          </p:cNvPr>
+          <p:cNvSpPr txBox="1"/>
+          <p:nvPr/>
+        </p:nvSpPr>
+        <p:spPr>
+          <a:xfrm>
+            <a:off x="7223760" y="1513840"/>
+            <a:ext cx="4783684" cy="2308324"/>
+          </a:xfrm>
+          <a:prstGeom prst="rect">
+            <a:avLst/>
+          </a:prstGeom>
+          <a:noFill/>
+        </p:spPr>
+        <p:txBody>
+          <a:bodyPr wrap="square" rtlCol="0">
+            <a:spAutoFit/>
+          </a:bodyPr>
+          <a:lstStyle/>
+          <a:p>
+            <a:pPr marL="285750" indent="-285750">
+              <a:buFont typeface="Arial" panose="020B0604020202020204" pitchFamily="34" charset="0"/>
+              <a:buChar char="•"/>
+            </a:pPr>
+            <a:r>
+              <a:rPr lang="fr-FR" dirty="0"/>
+              <a:t>L’utilisateur envoie des </a:t>
+            </a:r>
+            <a:r>
+              <a:rPr lang="fr-FR" dirty="0" err="1"/>
+              <a:t>posts</a:t>
+            </a:r>
+            <a:endParaRPr lang="fr-FR" dirty="0"/>
+          </a:p>
+          <a:p>
+            <a:pPr marL="285750" indent="-285750">
+              <a:buFont typeface="Arial" panose="020B0604020202020204" pitchFamily="34" charset="0"/>
+              <a:buChar char="•"/>
+            </a:pPr>
+            <a:r>
+              <a:rPr lang="fr-FR" dirty="0"/>
+              <a:t>Les </a:t>
+            </a:r>
+            <a:r>
+              <a:rPr lang="fr-FR" dirty="0" err="1"/>
+              <a:t>posts</a:t>
+            </a:r>
+            <a:r>
+              <a:rPr lang="fr-FR" dirty="0"/>
+              <a:t> ne peuvent provenir que d’un seul utilisateur</a:t>
+            </a:r>
+          </a:p>
+          <a:p>
+            <a:pPr marL="285750" indent="-285750">
+              <a:buFont typeface="Arial" panose="020B0604020202020204" pitchFamily="34" charset="0"/>
+              <a:buChar char="•"/>
+            </a:pPr>
+            <a:r>
+              <a:rPr lang="fr-FR" dirty="0"/>
+              <a:t>L’utilisateur envoie des commentaires</a:t>
+            </a:r>
+          </a:p>
+          <a:p>
+            <a:pPr marL="285750" indent="-285750">
+              <a:buFont typeface="Arial" panose="020B0604020202020204" pitchFamily="34" charset="0"/>
+              <a:buChar char="•"/>
+            </a:pPr>
+            <a:r>
+              <a:rPr lang="fr-FR" dirty="0"/>
+              <a:t>Les commentaires ne sont pas uniques mais ne sont envoyés que par un seul utilisateur et vers un seul post.</a:t>
+            </a:r>
+          </a:p>
+          <a:p>
+            <a:pPr marL="285750" indent="-285750">
+              <a:buFont typeface="Arial" panose="020B0604020202020204" pitchFamily="34" charset="0"/>
+              <a:buChar char="•"/>
+            </a:pPr>
+            <a:r>
+              <a:rPr lang="fr-FR" dirty="0"/>
+              <a:t>Un post reçoit plusieurs commentaires</a:t>
+            </a:r>
+          </a:p>
+        </p:txBody>
+      </p:sp>
+    </p:spTree>
+    <p:extLst>
+      <p:ext uri="{BB962C8B-B14F-4D97-AF65-F5344CB8AC3E}">
+        <p14:creationId xmlns:p14="http://schemas.microsoft.com/office/powerpoint/2010/main" val="1303239706"/>
+      </p:ext>
+    </p:extLst>
+  </p:cSld>
+  <p:clrMapOvr>
+    <a:masterClrMapping/>
+  </p:clrMapOvr>
+  <p:timing>
+    <p:tnLst>
+      <p:par>
+        <p:cTn id="1" dur="indefinite" restart="never" nodeType="tmRoot">
+          <p:childTnLst>
+            <p:seq concurrent="1" nextAc="seek">
+              <p:cTn id="2" dur="indefinite" nodeType="mainSeq">
+                <p:childTnLst>
+                  <p:par>
+                    <p:cTn id="3" fill="hold">
+                      <p:stCondLst>
+                        <p:cond delay="indefinite"/>
+                      </p:stCondLst>
+                      <p:childTnLst>
+                        <p:par>
+                          <p:cTn id="4" fill="hold">
+                            <p:stCondLst>
+                              <p:cond delay="0"/>
+                            </p:stCondLst>
+                            <p:childTnLst>
+                              <p:par>
+                                <p:cTn id="5" presetID="10" presetClass="entr" presetSubtype="0" fill="hold" nodeType="clickEffect">
+                                  <p:stCondLst>
+                                    <p:cond delay="0"/>
+                                  </p:stCondLst>
+                                  <p:childTnLst>
+                                    <p:set>
+                                      <p:cBhvr>
+                                        <p:cTn id="6" dur="1" fill="hold">
+                                          <p:stCondLst>
+                                            <p:cond delay="0"/>
+                                          </p:stCondLst>
+                                        </p:cTn>
+                                        <p:tgtEl>
+                                          <p:spTgt spid="5"/>
+                                        </p:tgtEl>
+                                        <p:attrNameLst>
+                                          <p:attrName>style.visibility</p:attrName>
+                                        </p:attrNameLst>
+                                      </p:cBhvr>
+                                      <p:to>
+                                        <p:strVal val="visible"/>
+                                      </p:to>
+                                    </p:set>
+                                    <p:animEffect transition="in" filter="fade">
+                                      <p:cBhvr>
+                                        <p:cTn id="7" dur="1000"/>
+                                        <p:tgtEl>
+                                          <p:spTgt spid="5"/>
+                                        </p:tgtEl>
+                                      </p:cBhvr>
+                                    </p:animEffect>
+                                  </p:childTnLst>
+                                </p:cTn>
+                              </p:par>
+                            </p:childTnLst>
+                          </p:cTn>
+                        </p:par>
+                        <p:par>
+                          <p:cTn id="8" fill="hold">
+                            <p:stCondLst>
+                              <p:cond delay="1000"/>
+                            </p:stCondLst>
+                            <p:childTnLst>
+                              <p:par>
+                                <p:cTn id="9" presetID="42" presetClass="entr" presetSubtype="0" fill="hold" grpId="0" nodeType="afterEffect">
+                                  <p:stCondLst>
+                                    <p:cond delay="3000"/>
+                                  </p:stCondLst>
+                                  <p:childTnLst>
+                                    <p:set>
+                                      <p:cBhvr>
+                                        <p:cTn id="10" dur="1" fill="hold">
+                                          <p:stCondLst>
+                                            <p:cond delay="0"/>
+                                          </p:stCondLst>
+                                        </p:cTn>
+                                        <p:tgtEl>
+                                          <p:spTgt spid="6"/>
+                                        </p:tgtEl>
+                                        <p:attrNameLst>
+                                          <p:attrName>style.visibility</p:attrName>
+                                        </p:attrNameLst>
+                                      </p:cBhvr>
+                                      <p:to>
+                                        <p:strVal val="visible"/>
+                                      </p:to>
+                                    </p:set>
+                                    <p:animEffect transition="in" filter="fade">
+                                      <p:cBhvr>
+                                        <p:cTn id="11" dur="1000"/>
+                                        <p:tgtEl>
+                                          <p:spTgt spid="6"/>
+                                        </p:tgtEl>
+                                      </p:cBhvr>
+                                    </p:animEffect>
+                                    <p:anim calcmode="lin" valueType="num">
+                                      <p:cBhvr>
+                                        <p:cTn id="12" dur="1000" fill="hold"/>
+                                        <p:tgtEl>
+                                          <p:spTgt spid="6"/>
+                                        </p:tgtEl>
+                                        <p:attrNameLst>
+                                          <p:attrName>ppt_x</p:attrName>
+                                        </p:attrNameLst>
+                                      </p:cBhvr>
+                                      <p:tavLst>
+                                        <p:tav tm="0">
+                                          <p:val>
+                                            <p:strVal val="#ppt_x"/>
+                                          </p:val>
+                                        </p:tav>
+                                        <p:tav tm="100000">
+                                          <p:val>
+                                            <p:strVal val="#ppt_x"/>
+                                          </p:val>
+                                        </p:tav>
+                                      </p:tavLst>
+                                    </p:anim>
+                                    <p:anim calcmode="lin" valueType="num">
+                                      <p:cBhvr>
+                                        <p:cTn id="13" dur="1000" fill="hold"/>
+                                        <p:tgtEl>
+                                          <p:spTgt spid="6"/>
+                                        </p:tgtEl>
+                                        <p:attrNameLst>
+                                          <p:attrName>ppt_y</p:attrName>
+                                        </p:attrNameLst>
+                                      </p:cBhvr>
+                                      <p:tavLst>
+                                        <p:tav tm="0">
+                                          <p:val>
+                                            <p:strVal val="#ppt_y+.1"/>
+                                          </p:val>
+                                        </p:tav>
+                                        <p:tav tm="100000">
+                                          <p:val>
+                                            <p:strVal val="#ppt_y"/>
+                                          </p:val>
+                                        </p:tav>
+                                      </p:tavLst>
+                                    </p:anim>
+                                  </p:childTnLst>
+                                </p:cTn>
+                              </p:par>
+                            </p:childTnLst>
+                          </p:cTn>
+                        </p:par>
+                      </p:childTnLst>
+                    </p:cTn>
+                  </p:par>
+                </p:childTnLst>
+              </p:cTn>
+              <p:prevCondLst>
+                <p:cond evt="onPrev" delay="0">
+                  <p:tgtEl>
+                    <p:sldTgt/>
+                  </p:tgtEl>
+                </p:cond>
+              </p:prevCondLst>
+              <p:nextCondLst>
+                <p:cond evt="onNext" delay="0">
+                  <p:tgtEl>
+                    <p:sldTgt/>
+                  </p:tgtEl>
+                </p:cond>
+              </p:nextCondLst>
+            </p:seq>
+          </p:childTnLst>
+        </p:cTn>
+      </p:par>
+    </p:tnLst>
+    <p:bldLst>
+      <p:bldP spid="6" grpId="0"/>
+    </p:bldLst>
+  </p:timing>
 </p:sld>
 </file>
 

--- a/documentation/Dossier Projet/Projet Slides.pptx
+++ b/documentation/Dossier Projet/Projet Slides.pptx
@@ -4344,7 +4344,15 @@
           <a:bodyPr/>
           <a:lstStyle/>
           <a:p>
-            <a:endParaRPr lang="fr-FR"/>
+            <a:pPr algn="ctr"/>
+            <a:r>
+              <a:rPr lang="fr-FR" b="1" dirty="0">
+                <a:solidFill>
+                  <a:srgbClr val="FF0000"/>
+                </a:solidFill>
+              </a:rPr>
+              <a:t>Relations tables Sequelize</a:t>
+            </a:r>
           </a:p>
         </p:txBody>
       </p:sp>
@@ -4369,7 +4377,154 @@
           <a:bodyPr/>
           <a:lstStyle/>
           <a:p>
-            <a:endParaRPr lang="fr-FR"/>
+            <a:r>
+              <a:rPr lang="fr-FR" dirty="0">
+                <a:solidFill>
+                  <a:srgbClr val="FF0000"/>
+                </a:solidFill>
+              </a:rPr>
+              <a:t>One-to-One (sécurité sociale), One-to-</a:t>
+            </a:r>
+            <a:r>
+              <a:rPr lang="fr-FR" dirty="0" err="1">
+                <a:solidFill>
+                  <a:srgbClr val="FF0000"/>
+                </a:solidFill>
+              </a:rPr>
+              <a:t>Many</a:t>
+            </a:r>
+            <a:r>
+              <a:rPr lang="fr-FR" dirty="0">
+                <a:solidFill>
+                  <a:srgbClr val="FF0000"/>
+                </a:solidFill>
+              </a:rPr>
+              <a:t> (pays et villes) and </a:t>
+            </a:r>
+            <a:r>
+              <a:rPr lang="fr-FR" dirty="0" err="1">
+                <a:solidFill>
+                  <a:srgbClr val="FF0000"/>
+                </a:solidFill>
+              </a:rPr>
+              <a:t>Many</a:t>
+            </a:r>
+            <a:r>
+              <a:rPr lang="fr-FR" dirty="0">
+                <a:solidFill>
+                  <a:srgbClr val="FF0000"/>
+                </a:solidFill>
+              </a:rPr>
+              <a:t>-to-</a:t>
+            </a:r>
+            <a:r>
+              <a:rPr lang="fr-FR" dirty="0" err="1">
+                <a:solidFill>
+                  <a:srgbClr val="FF0000"/>
+                </a:solidFill>
+              </a:rPr>
+              <a:t>Many</a:t>
+            </a:r>
+            <a:r>
+              <a:rPr lang="fr-FR" dirty="0">
+                <a:solidFill>
+                  <a:srgbClr val="FF0000"/>
+                </a:solidFill>
+              </a:rPr>
+              <a:t> (étudiants et cours)</a:t>
+            </a:r>
+          </a:p>
+          <a:p>
+            <a:r>
+              <a:rPr lang="fr-FR" dirty="0" err="1">
+                <a:solidFill>
+                  <a:srgbClr val="FF0000"/>
+                </a:solidFill>
+              </a:rPr>
+              <a:t>hasOne</a:t>
+            </a:r>
+            <a:r>
+              <a:rPr lang="fr-FR" dirty="0"/>
+              <a:t> (1-to-1) </a:t>
+            </a:r>
+            <a:r>
+              <a:rPr lang="fr-FR" dirty="0" err="1"/>
+              <a:t>A.hasOne</a:t>
+            </a:r>
+            <a:r>
+              <a:rPr lang="fr-FR" dirty="0"/>
+              <a:t>(B) ajoute une clé étrangère à B pour la clé primaire de A</a:t>
+            </a:r>
+          </a:p>
+          <a:p>
+            <a:r>
+              <a:rPr lang="fr-FR" dirty="0" err="1">
+                <a:solidFill>
+                  <a:srgbClr val="FF0000"/>
+                </a:solidFill>
+              </a:rPr>
+              <a:t>hasMany</a:t>
+            </a:r>
+            <a:r>
+              <a:rPr lang="fr-FR" dirty="0"/>
+              <a:t> (1-to-M). </a:t>
+            </a:r>
+            <a:r>
+              <a:rPr lang="fr-FR" dirty="0" err="1"/>
+              <a:t>A.hasMany</a:t>
+            </a:r>
+            <a:r>
+              <a:rPr lang="fr-FR" dirty="0"/>
+              <a:t>(B) va créer une table où chaque A peut avoir plusieurs B. Pour inclure l’inverse, on ajoute </a:t>
+            </a:r>
+            <a:r>
+              <a:rPr lang="fr-FR" dirty="0" err="1"/>
+              <a:t>B.hasMany</a:t>
+            </a:r>
+            <a:r>
+              <a:rPr lang="fr-FR" dirty="0"/>
+              <a:t>(A).</a:t>
+            </a:r>
+          </a:p>
+          <a:p>
+            <a:r>
+              <a:rPr lang="fr-FR" dirty="0" err="1">
+                <a:solidFill>
+                  <a:srgbClr val="FF0000"/>
+                </a:solidFill>
+              </a:rPr>
+              <a:t>belongsToMany</a:t>
+            </a:r>
+            <a:r>
+              <a:rPr lang="fr-FR" dirty="0"/>
+              <a:t> (M-to-M)</a:t>
+            </a:r>
+          </a:p>
+          <a:p>
+            <a:r>
+              <a:rPr lang="fr-FR" dirty="0" err="1">
+                <a:solidFill>
+                  <a:srgbClr val="FF0000"/>
+                </a:solidFill>
+              </a:rPr>
+              <a:t>belongsTo</a:t>
+            </a:r>
+            <a:r>
+              <a:rPr lang="fr-FR"/>
+              <a:t> (1-to-1): </a:t>
+            </a:r>
+            <a:r>
+              <a:rPr lang="fr-FR" dirty="0"/>
+              <a:t>Celui que j’utilise le plus; </a:t>
+            </a:r>
+            <a:r>
+              <a:rPr lang="fr-FR" dirty="0" err="1"/>
+              <a:t>A.belongsTo</a:t>
+            </a:r>
+            <a:r>
+              <a:rPr lang="fr-FR" dirty="0"/>
+              <a:t>(B) permet d’ajouter une clé étrangère à A renvoyant à la clé primaire de B</a:t>
+            </a:r>
           </a:p>
         </p:txBody>
       </p:sp>

--- a/documentation/Dossier Projet/Projet Slides.pptx
+++ b/documentation/Dossier Projet/Projet Slides.pptx
@@ -18,6 +18,17 @@
     <p:sldId id="266" r:id="rId12"/>
     <p:sldId id="268" r:id="rId13"/>
     <p:sldId id="267" r:id="rId14"/>
+    <p:sldId id="269" r:id="rId15"/>
+    <p:sldId id="270" r:id="rId16"/>
+    <p:sldId id="271" r:id="rId17"/>
+    <p:sldId id="272" r:id="rId18"/>
+    <p:sldId id="273" r:id="rId19"/>
+    <p:sldId id="274" r:id="rId20"/>
+    <p:sldId id="275" r:id="rId21"/>
+    <p:sldId id="276" r:id="rId22"/>
+    <p:sldId id="277" r:id="rId23"/>
+    <p:sldId id="278" r:id="rId24"/>
+    <p:sldId id="279" r:id="rId25"/>
   </p:sldIdLst>
   <p:sldSz cx="12192000" cy="6858000"/>
   <p:notesSz cx="6858000" cy="9144000"/>
@@ -4635,8 +4646,8 @@
         </p:blipFill>
         <p:spPr>
           <a:xfrm>
-            <a:off x="386486" y="1432559"/>
-            <a:ext cx="5046492" cy="5160013"/>
+            <a:off x="3493480" y="1928494"/>
+            <a:ext cx="5046492" cy="3381563"/>
           </a:xfrm>
           <a:prstGeom prst="rect">
             <a:avLst/>
@@ -4739,6 +4750,751 @@
 </p:sld>
 </file>
 
+<file path=ppt/slides/slide14.xml><?xml version="1.0" encoding="utf-8"?>
+<p:sld xmlns:a="http://schemas.openxmlformats.org/drawingml/2006/main" xmlns:r="http://schemas.openxmlformats.org/officeDocument/2006/relationships" xmlns:p="http://schemas.openxmlformats.org/presentationml/2006/main">
+  <p:cSld>
+    <p:bg>
+      <p:bgPr>
+        <a:solidFill>
+          <a:schemeClr val="accent5">
+            <a:lumMod val="60000"/>
+            <a:lumOff val="40000"/>
+          </a:schemeClr>
+        </a:solidFill>
+        <a:effectLst/>
+      </p:bgPr>
+    </p:bg>
+    <p:spTree>
+      <p:nvGrpSpPr>
+        <p:cNvPr id="1" name=""/>
+        <p:cNvGrpSpPr/>
+        <p:nvPr/>
+      </p:nvGrpSpPr>
+      <p:grpSpPr>
+        <a:xfrm>
+          <a:off x="0" y="0"/>
+          <a:ext cx="0" cy="0"/>
+          <a:chOff x="0" y="0"/>
+          <a:chExt cx="0" cy="0"/>
+        </a:xfrm>
+      </p:grpSpPr>
+      <p:sp>
+        <p:nvSpPr>
+          <p:cNvPr id="2" name="Titre 1">
+            <a:extLst>
+              <a:ext uri="{FF2B5EF4-FFF2-40B4-BE49-F238E27FC236}">
+                <a16:creationId xmlns:a16="http://schemas.microsoft.com/office/drawing/2014/main" id="{10D73892-98F3-E59F-87A3-073EFBF299B4}"/>
+              </a:ext>
+            </a:extLst>
+          </p:cNvPr>
+          <p:cNvSpPr>
+            <a:spLocks noGrp="1"/>
+          </p:cNvSpPr>
+          <p:nvPr>
+            <p:ph type="title"/>
+          </p:nvPr>
+        </p:nvSpPr>
+        <p:spPr>
+          <a:xfrm>
+            <a:off x="838200" y="0"/>
+            <a:ext cx="10515600" cy="1325563"/>
+          </a:xfrm>
+        </p:spPr>
+        <p:txBody>
+          <a:bodyPr/>
+          <a:lstStyle/>
+          <a:p>
+            <a:pPr algn="ctr"/>
+            <a:r>
+              <a:rPr lang="fr-FR" b="1" dirty="0">
+                <a:solidFill>
+                  <a:srgbClr val="FF0000"/>
+                </a:solidFill>
+              </a:rPr>
+              <a:t>Contrôleur utilisateurs</a:t>
+            </a:r>
+          </a:p>
+        </p:txBody>
+      </p:sp>
+      <p:pic>
+        <p:nvPicPr>
+          <p:cNvPr id="5" name="Image 4">
+            <a:extLst>
+              <a:ext uri="{FF2B5EF4-FFF2-40B4-BE49-F238E27FC236}">
+                <a16:creationId xmlns:a16="http://schemas.microsoft.com/office/drawing/2014/main" id="{6BAD71B8-0786-64F4-867B-77A0B0B81C2B}"/>
+              </a:ext>
+            </a:extLst>
+          </p:cNvPr>
+          <p:cNvPicPr>
+            <a:picLocks noChangeAspect="1"/>
+          </p:cNvPicPr>
+          <p:nvPr/>
+        </p:nvPicPr>
+        <p:blipFill>
+          <a:blip r:embed="rId2">
+            <a:extLst>
+              <a:ext uri="{28A0092B-C50C-407E-A947-70E740481C1C}">
+                <a14:useLocalDpi xmlns:a14="http://schemas.microsoft.com/office/drawing/2010/main" val="0"/>
+              </a:ext>
+            </a:extLst>
+          </a:blip>
+          <a:srcRect/>
+          <a:stretch/>
+        </p:blipFill>
+        <p:spPr>
+          <a:xfrm>
+            <a:off x="269341" y="849963"/>
+            <a:ext cx="4133943" cy="3799512"/>
+          </a:xfrm>
+          <a:prstGeom prst="rect">
+            <a:avLst/>
+          </a:prstGeom>
+        </p:spPr>
+      </p:pic>
+      <p:pic>
+        <p:nvPicPr>
+          <p:cNvPr id="6" name="Image 5">
+            <a:extLst>
+              <a:ext uri="{FF2B5EF4-FFF2-40B4-BE49-F238E27FC236}">
+                <a16:creationId xmlns:a16="http://schemas.microsoft.com/office/drawing/2014/main" id="{96BCB88B-3AC1-8F0F-FD7D-D466A78D8D9A}"/>
+              </a:ext>
+            </a:extLst>
+          </p:cNvPr>
+          <p:cNvPicPr>
+            <a:picLocks noChangeAspect="1"/>
+          </p:cNvPicPr>
+          <p:nvPr/>
+        </p:nvPicPr>
+        <p:blipFill>
+          <a:blip r:embed="rId3">
+            <a:extLst>
+              <a:ext uri="{28A0092B-C50C-407E-A947-70E740481C1C}">
+                <a14:useLocalDpi xmlns:a14="http://schemas.microsoft.com/office/drawing/2010/main" val="0"/>
+              </a:ext>
+            </a:extLst>
+          </a:blip>
+          <a:srcRect/>
+          <a:stretch/>
+        </p:blipFill>
+        <p:spPr>
+          <a:xfrm>
+            <a:off x="7406640" y="1454708"/>
+            <a:ext cx="4268174" cy="2590022"/>
+          </a:xfrm>
+          <a:prstGeom prst="rect">
+            <a:avLst/>
+          </a:prstGeom>
+        </p:spPr>
+      </p:pic>
+    </p:spTree>
+    <p:extLst>
+      <p:ext uri="{BB962C8B-B14F-4D97-AF65-F5344CB8AC3E}">
+        <p14:creationId xmlns:p14="http://schemas.microsoft.com/office/powerpoint/2010/main" val="1908929952"/>
+      </p:ext>
+    </p:extLst>
+  </p:cSld>
+  <p:clrMapOvr>
+    <a:masterClrMapping/>
+  </p:clrMapOvr>
+</p:sld>
+</file>
+
+<file path=ppt/slides/slide15.xml><?xml version="1.0" encoding="utf-8"?>
+<p:sld xmlns:a="http://schemas.openxmlformats.org/drawingml/2006/main" xmlns:r="http://schemas.openxmlformats.org/officeDocument/2006/relationships" xmlns:p="http://schemas.openxmlformats.org/presentationml/2006/main">
+  <p:cSld>
+    <p:bg>
+      <p:bgPr>
+        <a:solidFill>
+          <a:schemeClr val="accent5">
+            <a:lumMod val="60000"/>
+            <a:lumOff val="40000"/>
+          </a:schemeClr>
+        </a:solidFill>
+        <a:effectLst/>
+      </p:bgPr>
+    </p:bg>
+    <p:spTree>
+      <p:nvGrpSpPr>
+        <p:cNvPr id="1" name="">
+          <a:extLst>
+            <a:ext uri="{FF2B5EF4-FFF2-40B4-BE49-F238E27FC236}">
+              <a16:creationId xmlns:a16="http://schemas.microsoft.com/office/drawing/2014/main" id="{EA7C822A-DA5A-AAFE-E3BE-8B528932DFBD}"/>
+            </a:ext>
+          </a:extLst>
+        </p:cNvPr>
+        <p:cNvGrpSpPr/>
+        <p:nvPr/>
+      </p:nvGrpSpPr>
+      <p:grpSpPr>
+        <a:xfrm>
+          <a:off x="0" y="0"/>
+          <a:ext cx="0" cy="0"/>
+          <a:chOff x="0" y="0"/>
+          <a:chExt cx="0" cy="0"/>
+        </a:xfrm>
+      </p:grpSpPr>
+      <p:pic>
+        <p:nvPicPr>
+          <p:cNvPr id="5" name="Image 4">
+            <a:extLst>
+              <a:ext uri="{FF2B5EF4-FFF2-40B4-BE49-F238E27FC236}">
+                <a16:creationId xmlns:a16="http://schemas.microsoft.com/office/drawing/2014/main" id="{CD973580-DF4B-2654-8685-EB44DA4DD530}"/>
+              </a:ext>
+            </a:extLst>
+          </p:cNvPr>
+          <p:cNvPicPr>
+            <a:picLocks noChangeAspect="1"/>
+          </p:cNvPicPr>
+          <p:nvPr/>
+        </p:nvPicPr>
+        <p:blipFill>
+          <a:blip r:embed="rId2">
+            <a:extLst>
+              <a:ext uri="{28A0092B-C50C-407E-A947-70E740481C1C}">
+                <a14:useLocalDpi xmlns:a14="http://schemas.microsoft.com/office/drawing/2010/main" val="0"/>
+              </a:ext>
+            </a:extLst>
+          </a:blip>
+          <a:srcRect/>
+          <a:stretch/>
+        </p:blipFill>
+        <p:spPr>
+          <a:xfrm>
+            <a:off x="0" y="1533554"/>
+            <a:ext cx="8711767" cy="5476845"/>
+          </a:xfrm>
+          <a:prstGeom prst="rect">
+            <a:avLst/>
+          </a:prstGeom>
+        </p:spPr>
+      </p:pic>
+      <p:pic>
+        <p:nvPicPr>
+          <p:cNvPr id="8" name="Image 7">
+            <a:extLst>
+              <a:ext uri="{FF2B5EF4-FFF2-40B4-BE49-F238E27FC236}">
+                <a16:creationId xmlns:a16="http://schemas.microsoft.com/office/drawing/2014/main" id="{FE98821D-C395-3A6D-5E9D-9CB75D781A0C}"/>
+              </a:ext>
+            </a:extLst>
+          </p:cNvPr>
+          <p:cNvPicPr>
+            <a:picLocks noChangeAspect="1"/>
+          </p:cNvPicPr>
+          <p:nvPr/>
+        </p:nvPicPr>
+        <p:blipFill>
+          <a:blip r:embed="rId3">
+            <a:extLst>
+              <a:ext uri="{28A0092B-C50C-407E-A947-70E740481C1C}">
+                <a14:useLocalDpi xmlns:a14="http://schemas.microsoft.com/office/drawing/2010/main" val="0"/>
+              </a:ext>
+            </a:extLst>
+          </a:blip>
+          <a:srcRect/>
+          <a:stretch/>
+        </p:blipFill>
+        <p:spPr>
+          <a:xfrm>
+            <a:off x="6269246" y="0"/>
+            <a:ext cx="5922754" cy="3011570"/>
+          </a:xfrm>
+          <a:prstGeom prst="rect">
+            <a:avLst/>
+          </a:prstGeom>
+        </p:spPr>
+      </p:pic>
+    </p:spTree>
+    <p:extLst>
+      <p:ext uri="{BB962C8B-B14F-4D97-AF65-F5344CB8AC3E}">
+        <p14:creationId xmlns:p14="http://schemas.microsoft.com/office/powerpoint/2010/main" val="4178701541"/>
+      </p:ext>
+    </p:extLst>
+  </p:cSld>
+  <p:clrMapOvr>
+    <a:masterClrMapping/>
+  </p:clrMapOvr>
+</p:sld>
+</file>
+
+<file path=ppt/slides/slide16.xml><?xml version="1.0" encoding="utf-8"?>
+<p:sld xmlns:a="http://schemas.openxmlformats.org/drawingml/2006/main" xmlns:r="http://schemas.openxmlformats.org/officeDocument/2006/relationships" xmlns:p="http://schemas.openxmlformats.org/presentationml/2006/main">
+  <p:cSld>
+    <p:bg>
+      <p:bgPr>
+        <a:solidFill>
+          <a:schemeClr val="accent5">
+            <a:lumMod val="60000"/>
+            <a:lumOff val="40000"/>
+          </a:schemeClr>
+        </a:solidFill>
+        <a:effectLst/>
+      </p:bgPr>
+    </p:bg>
+    <p:spTree>
+      <p:nvGrpSpPr>
+        <p:cNvPr id="1" name="">
+          <a:extLst>
+            <a:ext uri="{FF2B5EF4-FFF2-40B4-BE49-F238E27FC236}">
+              <a16:creationId xmlns:a16="http://schemas.microsoft.com/office/drawing/2014/main" id="{AA8FCD22-F9F7-984E-BD83-AD8579B39793}"/>
+            </a:ext>
+          </a:extLst>
+        </p:cNvPr>
+        <p:cNvGrpSpPr/>
+        <p:nvPr/>
+      </p:nvGrpSpPr>
+      <p:grpSpPr>
+        <a:xfrm>
+          <a:off x="0" y="0"/>
+          <a:ext cx="0" cy="0"/>
+          <a:chOff x="0" y="0"/>
+          <a:chExt cx="0" cy="0"/>
+        </a:xfrm>
+      </p:grpSpPr>
+      <p:pic>
+        <p:nvPicPr>
+          <p:cNvPr id="8" name="Image 7">
+            <a:extLst>
+              <a:ext uri="{FF2B5EF4-FFF2-40B4-BE49-F238E27FC236}">
+                <a16:creationId xmlns:a16="http://schemas.microsoft.com/office/drawing/2014/main" id="{E894A17D-4C51-075C-0230-63F47AB19F7D}"/>
+              </a:ext>
+            </a:extLst>
+          </p:cNvPr>
+          <p:cNvPicPr>
+            <a:picLocks noChangeAspect="1"/>
+          </p:cNvPicPr>
+          <p:nvPr/>
+        </p:nvPicPr>
+        <p:blipFill>
+          <a:blip r:embed="rId2">
+            <a:extLst>
+              <a:ext uri="{28A0092B-C50C-407E-A947-70E740481C1C}">
+                <a14:useLocalDpi xmlns:a14="http://schemas.microsoft.com/office/drawing/2010/main" val="0"/>
+              </a:ext>
+            </a:extLst>
+          </a:blip>
+          <a:srcRect/>
+          <a:stretch/>
+        </p:blipFill>
+        <p:spPr>
+          <a:xfrm>
+            <a:off x="1912137" y="1493520"/>
+            <a:ext cx="8367726" cy="3429000"/>
+          </a:xfrm>
+          <a:prstGeom prst="rect">
+            <a:avLst/>
+          </a:prstGeom>
+        </p:spPr>
+      </p:pic>
+    </p:spTree>
+    <p:extLst>
+      <p:ext uri="{BB962C8B-B14F-4D97-AF65-F5344CB8AC3E}">
+        <p14:creationId xmlns:p14="http://schemas.microsoft.com/office/powerpoint/2010/main" val="2491063199"/>
+      </p:ext>
+    </p:extLst>
+  </p:cSld>
+  <p:clrMapOvr>
+    <a:masterClrMapping/>
+  </p:clrMapOvr>
+</p:sld>
+</file>
+
+<file path=ppt/slides/slide17.xml><?xml version="1.0" encoding="utf-8"?>
+<p:sld xmlns:a="http://schemas.openxmlformats.org/drawingml/2006/main" xmlns:r="http://schemas.openxmlformats.org/officeDocument/2006/relationships" xmlns:p="http://schemas.openxmlformats.org/presentationml/2006/main">
+  <p:cSld>
+    <p:bg>
+      <p:bgPr>
+        <a:solidFill>
+          <a:schemeClr val="accent5">
+            <a:lumMod val="60000"/>
+            <a:lumOff val="40000"/>
+          </a:schemeClr>
+        </a:solidFill>
+        <a:effectLst/>
+      </p:bgPr>
+    </p:bg>
+    <p:spTree>
+      <p:nvGrpSpPr>
+        <p:cNvPr id="1" name="">
+          <a:extLst>
+            <a:ext uri="{FF2B5EF4-FFF2-40B4-BE49-F238E27FC236}">
+              <a16:creationId xmlns:a16="http://schemas.microsoft.com/office/drawing/2014/main" id="{3677D343-C5C0-C650-B2FF-69DF6CDE6EBF}"/>
+            </a:ext>
+          </a:extLst>
+        </p:cNvPr>
+        <p:cNvGrpSpPr/>
+        <p:nvPr/>
+      </p:nvGrpSpPr>
+      <p:grpSpPr>
+        <a:xfrm>
+          <a:off x="0" y="0"/>
+          <a:ext cx="0" cy="0"/>
+          <a:chOff x="0" y="0"/>
+          <a:chExt cx="0" cy="0"/>
+        </a:xfrm>
+      </p:grpSpPr>
+      <p:pic>
+        <p:nvPicPr>
+          <p:cNvPr id="8" name="Image 7">
+            <a:extLst>
+              <a:ext uri="{FF2B5EF4-FFF2-40B4-BE49-F238E27FC236}">
+                <a16:creationId xmlns:a16="http://schemas.microsoft.com/office/drawing/2014/main" id="{1BD5B43E-0A41-8AA9-3F18-72A4D9198919}"/>
+              </a:ext>
+            </a:extLst>
+          </p:cNvPr>
+          <p:cNvPicPr>
+            <a:picLocks noChangeAspect="1"/>
+          </p:cNvPicPr>
+          <p:nvPr/>
+        </p:nvPicPr>
+        <p:blipFill>
+          <a:blip r:embed="rId2">
+            <a:extLst>
+              <a:ext uri="{28A0092B-C50C-407E-A947-70E740481C1C}">
+                <a14:useLocalDpi xmlns:a14="http://schemas.microsoft.com/office/drawing/2010/main" val="0"/>
+              </a:ext>
+            </a:extLst>
+          </a:blip>
+          <a:srcRect/>
+          <a:stretch/>
+        </p:blipFill>
+        <p:spPr>
+          <a:xfrm>
+            <a:off x="0" y="0"/>
+            <a:ext cx="5618480" cy="5291190"/>
+          </a:xfrm>
+          <a:prstGeom prst="rect">
+            <a:avLst/>
+          </a:prstGeom>
+        </p:spPr>
+      </p:pic>
+      <p:pic>
+        <p:nvPicPr>
+          <p:cNvPr id="2" name="Image 1">
+            <a:extLst>
+              <a:ext uri="{FF2B5EF4-FFF2-40B4-BE49-F238E27FC236}">
+                <a16:creationId xmlns:a16="http://schemas.microsoft.com/office/drawing/2014/main" id="{21BC44B7-7B93-8B98-D546-58B7BA55D6BD}"/>
+              </a:ext>
+            </a:extLst>
+          </p:cNvPr>
+          <p:cNvPicPr>
+            <a:picLocks noChangeAspect="1"/>
+          </p:cNvPicPr>
+          <p:nvPr/>
+        </p:nvPicPr>
+        <p:blipFill>
+          <a:blip r:embed="rId3">
+            <a:extLst>
+              <a:ext uri="{28A0092B-C50C-407E-A947-70E740481C1C}">
+                <a14:useLocalDpi xmlns:a14="http://schemas.microsoft.com/office/drawing/2010/main" val="0"/>
+              </a:ext>
+            </a:extLst>
+          </a:blip>
+          <a:srcRect/>
+          <a:stretch/>
+        </p:blipFill>
+        <p:spPr>
+          <a:xfrm>
+            <a:off x="5618480" y="0"/>
+            <a:ext cx="5618480" cy="2142373"/>
+          </a:xfrm>
+          <a:prstGeom prst="rect">
+            <a:avLst/>
+          </a:prstGeom>
+        </p:spPr>
+      </p:pic>
+      <p:pic>
+        <p:nvPicPr>
+          <p:cNvPr id="3" name="Image 2">
+            <a:extLst>
+              <a:ext uri="{FF2B5EF4-FFF2-40B4-BE49-F238E27FC236}">
+                <a16:creationId xmlns:a16="http://schemas.microsoft.com/office/drawing/2014/main" id="{D3E63C46-CDCA-AA0D-4B12-938F3AF157B6}"/>
+              </a:ext>
+            </a:extLst>
+          </p:cNvPr>
+          <p:cNvPicPr>
+            <a:picLocks noChangeAspect="1"/>
+          </p:cNvPicPr>
+          <p:nvPr/>
+        </p:nvPicPr>
+        <p:blipFill>
+          <a:blip r:embed="rId4">
+            <a:extLst>
+              <a:ext uri="{28A0092B-C50C-407E-A947-70E740481C1C}">
+                <a14:useLocalDpi xmlns:a14="http://schemas.microsoft.com/office/drawing/2010/main" val="0"/>
+              </a:ext>
+            </a:extLst>
+          </a:blip>
+          <a:srcRect/>
+          <a:stretch/>
+        </p:blipFill>
+        <p:spPr>
+          <a:xfrm>
+            <a:off x="1946818" y="5899637"/>
+            <a:ext cx="8298364" cy="292883"/>
+          </a:xfrm>
+          <a:prstGeom prst="rect">
+            <a:avLst/>
+          </a:prstGeom>
+        </p:spPr>
+      </p:pic>
+    </p:spTree>
+    <p:extLst>
+      <p:ext uri="{BB962C8B-B14F-4D97-AF65-F5344CB8AC3E}">
+        <p14:creationId xmlns:p14="http://schemas.microsoft.com/office/powerpoint/2010/main" val="2602626486"/>
+      </p:ext>
+    </p:extLst>
+  </p:cSld>
+  <p:clrMapOvr>
+    <a:masterClrMapping/>
+  </p:clrMapOvr>
+</p:sld>
+</file>
+
+<file path=ppt/slides/slide18.xml><?xml version="1.0" encoding="utf-8"?>
+<p:sld xmlns:a="http://schemas.openxmlformats.org/drawingml/2006/main" xmlns:r="http://schemas.openxmlformats.org/officeDocument/2006/relationships" xmlns:p="http://schemas.openxmlformats.org/presentationml/2006/main">
+  <p:cSld>
+    <p:bg>
+      <p:bgPr>
+        <a:solidFill>
+          <a:schemeClr val="accent5">
+            <a:lumMod val="60000"/>
+            <a:lumOff val="40000"/>
+          </a:schemeClr>
+        </a:solidFill>
+        <a:effectLst/>
+      </p:bgPr>
+    </p:bg>
+    <p:spTree>
+      <p:nvGrpSpPr>
+        <p:cNvPr id="1" name=""/>
+        <p:cNvGrpSpPr/>
+        <p:nvPr/>
+      </p:nvGrpSpPr>
+      <p:grpSpPr>
+        <a:xfrm>
+          <a:off x="0" y="0"/>
+          <a:ext cx="0" cy="0"/>
+          <a:chOff x="0" y="0"/>
+          <a:chExt cx="0" cy="0"/>
+        </a:xfrm>
+      </p:grpSpPr>
+      <p:sp>
+        <p:nvSpPr>
+          <p:cNvPr id="2" name="Titre 1">
+            <a:extLst>
+              <a:ext uri="{FF2B5EF4-FFF2-40B4-BE49-F238E27FC236}">
+                <a16:creationId xmlns:a16="http://schemas.microsoft.com/office/drawing/2014/main" id="{3C328CCC-A510-8B64-1049-AA4C1F143241}"/>
+              </a:ext>
+            </a:extLst>
+          </p:cNvPr>
+          <p:cNvSpPr>
+            <a:spLocks noGrp="1"/>
+          </p:cNvSpPr>
+          <p:nvPr>
+            <p:ph type="title"/>
+          </p:nvPr>
+        </p:nvSpPr>
+        <p:spPr>
+          <a:xfrm>
+            <a:off x="838200" y="0"/>
+            <a:ext cx="10515600" cy="1325563"/>
+          </a:xfrm>
+        </p:spPr>
+        <p:txBody>
+          <a:bodyPr/>
+          <a:lstStyle/>
+          <a:p>
+            <a:pPr algn="ctr"/>
+            <a:r>
+              <a:rPr lang="fr-FR" b="1" dirty="0">
+                <a:solidFill>
+                  <a:srgbClr val="FF0000"/>
+                </a:solidFill>
+              </a:rPr>
+              <a:t>Contrôleur </a:t>
+            </a:r>
+            <a:r>
+              <a:rPr lang="fr-FR" b="1" dirty="0" err="1">
+                <a:solidFill>
+                  <a:srgbClr val="FF0000"/>
+                </a:solidFill>
+              </a:rPr>
+              <a:t>posts</a:t>
+            </a:r>
+            <a:endParaRPr lang="fr-FR" b="1" dirty="0">
+              <a:solidFill>
+                <a:srgbClr val="FF0000"/>
+              </a:solidFill>
+            </a:endParaRPr>
+          </a:p>
+        </p:txBody>
+      </p:sp>
+      <p:pic>
+        <p:nvPicPr>
+          <p:cNvPr id="5" name="Image 4">
+            <a:extLst>
+              <a:ext uri="{FF2B5EF4-FFF2-40B4-BE49-F238E27FC236}">
+                <a16:creationId xmlns:a16="http://schemas.microsoft.com/office/drawing/2014/main" id="{C4F16862-29C6-4478-221A-AF24FF297640}"/>
+              </a:ext>
+            </a:extLst>
+          </p:cNvPr>
+          <p:cNvPicPr>
+            <a:picLocks noChangeAspect="1"/>
+          </p:cNvPicPr>
+          <p:nvPr/>
+        </p:nvPicPr>
+        <p:blipFill>
+          <a:blip r:embed="rId2">
+            <a:extLst>
+              <a:ext uri="{28A0092B-C50C-407E-A947-70E740481C1C}">
+                <a14:useLocalDpi xmlns:a14="http://schemas.microsoft.com/office/drawing/2010/main" val="0"/>
+              </a:ext>
+            </a:extLst>
+          </a:blip>
+          <a:stretch>
+            <a:fillRect/>
+          </a:stretch>
+        </p:blipFill>
+        <p:spPr>
+          <a:xfrm>
+            <a:off x="0" y="966835"/>
+            <a:ext cx="7611537" cy="3867690"/>
+          </a:xfrm>
+          <a:prstGeom prst="rect">
+            <a:avLst/>
+          </a:prstGeom>
+        </p:spPr>
+      </p:pic>
+      <p:pic>
+        <p:nvPicPr>
+          <p:cNvPr id="6" name="Image 5">
+            <a:extLst>
+              <a:ext uri="{FF2B5EF4-FFF2-40B4-BE49-F238E27FC236}">
+                <a16:creationId xmlns:a16="http://schemas.microsoft.com/office/drawing/2014/main" id="{23AA963A-FD3F-0865-598C-A8B53472F516}"/>
+              </a:ext>
+            </a:extLst>
+          </p:cNvPr>
+          <p:cNvPicPr>
+            <a:picLocks noChangeAspect="1"/>
+          </p:cNvPicPr>
+          <p:nvPr/>
+        </p:nvPicPr>
+        <p:blipFill>
+          <a:blip r:embed="rId3">
+            <a:extLst>
+              <a:ext uri="{28A0092B-C50C-407E-A947-70E740481C1C}">
+                <a14:useLocalDpi xmlns:a14="http://schemas.microsoft.com/office/drawing/2010/main" val="0"/>
+              </a:ext>
+            </a:extLst>
+          </a:blip>
+          <a:srcRect/>
+          <a:stretch/>
+        </p:blipFill>
+        <p:spPr>
+          <a:xfrm>
+            <a:off x="7584872" y="966835"/>
+            <a:ext cx="4607128" cy="2812685"/>
+          </a:xfrm>
+          <a:prstGeom prst="rect">
+            <a:avLst/>
+          </a:prstGeom>
+        </p:spPr>
+      </p:pic>
+    </p:spTree>
+    <p:extLst>
+      <p:ext uri="{BB962C8B-B14F-4D97-AF65-F5344CB8AC3E}">
+        <p14:creationId xmlns:p14="http://schemas.microsoft.com/office/powerpoint/2010/main" val="1409485998"/>
+      </p:ext>
+    </p:extLst>
+  </p:cSld>
+  <p:clrMapOvr>
+    <a:masterClrMapping/>
+  </p:clrMapOvr>
+</p:sld>
+</file>
+
+<file path=ppt/slides/slide19.xml><?xml version="1.0" encoding="utf-8"?>
+<p:sld xmlns:a="http://schemas.openxmlformats.org/drawingml/2006/main" xmlns:r="http://schemas.openxmlformats.org/officeDocument/2006/relationships" xmlns:p="http://schemas.openxmlformats.org/presentationml/2006/main">
+  <p:cSld>
+    <p:bg>
+      <p:bgPr>
+        <a:solidFill>
+          <a:schemeClr val="accent5">
+            <a:lumMod val="60000"/>
+            <a:lumOff val="40000"/>
+          </a:schemeClr>
+        </a:solidFill>
+        <a:effectLst/>
+      </p:bgPr>
+    </p:bg>
+    <p:spTree>
+      <p:nvGrpSpPr>
+        <p:cNvPr id="1" name="">
+          <a:extLst>
+            <a:ext uri="{FF2B5EF4-FFF2-40B4-BE49-F238E27FC236}">
+              <a16:creationId xmlns:a16="http://schemas.microsoft.com/office/drawing/2014/main" id="{C50A51E6-0D40-86D7-55FE-EE85D296880C}"/>
+            </a:ext>
+          </a:extLst>
+        </p:cNvPr>
+        <p:cNvGrpSpPr/>
+        <p:nvPr/>
+      </p:nvGrpSpPr>
+      <p:grpSpPr>
+        <a:xfrm>
+          <a:off x="0" y="0"/>
+          <a:ext cx="0" cy="0"/>
+          <a:chOff x="0" y="0"/>
+          <a:chExt cx="0" cy="0"/>
+        </a:xfrm>
+      </p:grpSpPr>
+      <p:pic>
+        <p:nvPicPr>
+          <p:cNvPr id="5" name="Image 4">
+            <a:extLst>
+              <a:ext uri="{FF2B5EF4-FFF2-40B4-BE49-F238E27FC236}">
+                <a16:creationId xmlns:a16="http://schemas.microsoft.com/office/drawing/2014/main" id="{737C8281-FD82-80FC-33FE-304A1F67B69B}"/>
+              </a:ext>
+            </a:extLst>
+          </p:cNvPr>
+          <p:cNvPicPr>
+            <a:picLocks noChangeAspect="1"/>
+          </p:cNvPicPr>
+          <p:nvPr/>
+        </p:nvPicPr>
+        <p:blipFill>
+          <a:blip r:embed="rId2">
+            <a:extLst>
+              <a:ext uri="{28A0092B-C50C-407E-A947-70E740481C1C}">
+                <a14:useLocalDpi xmlns:a14="http://schemas.microsoft.com/office/drawing/2010/main" val="0"/>
+              </a:ext>
+            </a:extLst>
+          </a:blip>
+          <a:srcRect/>
+          <a:stretch/>
+        </p:blipFill>
+        <p:spPr>
+          <a:xfrm>
+            <a:off x="1712441" y="1808690"/>
+            <a:ext cx="8767117" cy="3240619"/>
+          </a:xfrm>
+          <a:prstGeom prst="rect">
+            <a:avLst/>
+          </a:prstGeom>
+        </p:spPr>
+      </p:pic>
+    </p:spTree>
+    <p:extLst>
+      <p:ext uri="{BB962C8B-B14F-4D97-AF65-F5344CB8AC3E}">
+        <p14:creationId xmlns:p14="http://schemas.microsoft.com/office/powerpoint/2010/main" val="369319827"/>
+      </p:ext>
+    </p:extLst>
+  </p:cSld>
+  <p:clrMapOvr>
+    <a:masterClrMapping/>
+  </p:clrMapOvr>
+</p:sld>
+</file>
+
 <file path=ppt/slides/slide2.xml><?xml version="1.0" encoding="utf-8"?>
 <p:sld xmlns:a="http://schemas.openxmlformats.org/drawingml/2006/main" xmlns:r="http://schemas.openxmlformats.org/officeDocument/2006/relationships" xmlns:p="http://schemas.openxmlformats.org/presentationml/2006/main">
   <p:cSld>
@@ -4807,6 +5563,679 @@
     <p:extLst>
       <p:ext uri="{BB962C8B-B14F-4D97-AF65-F5344CB8AC3E}">
         <p14:creationId xmlns:p14="http://schemas.microsoft.com/office/powerpoint/2010/main" val="2923672703"/>
+      </p:ext>
+    </p:extLst>
+  </p:cSld>
+  <p:clrMapOvr>
+    <a:masterClrMapping/>
+  </p:clrMapOvr>
+</p:sld>
+</file>
+
+<file path=ppt/slides/slide20.xml><?xml version="1.0" encoding="utf-8"?>
+<p:sld xmlns:a="http://schemas.openxmlformats.org/drawingml/2006/main" xmlns:r="http://schemas.openxmlformats.org/officeDocument/2006/relationships" xmlns:p="http://schemas.openxmlformats.org/presentationml/2006/main">
+  <p:cSld>
+    <p:bg>
+      <p:bgPr>
+        <a:solidFill>
+          <a:schemeClr val="accent5">
+            <a:lumMod val="60000"/>
+            <a:lumOff val="40000"/>
+          </a:schemeClr>
+        </a:solidFill>
+        <a:effectLst/>
+      </p:bgPr>
+    </p:bg>
+    <p:spTree>
+      <p:nvGrpSpPr>
+        <p:cNvPr id="1" name="">
+          <a:extLst>
+            <a:ext uri="{FF2B5EF4-FFF2-40B4-BE49-F238E27FC236}">
+              <a16:creationId xmlns:a16="http://schemas.microsoft.com/office/drawing/2014/main" id="{30B83B81-DF28-0146-D174-7D02D2AC38F0}"/>
+            </a:ext>
+          </a:extLst>
+        </p:cNvPr>
+        <p:cNvGrpSpPr/>
+        <p:nvPr/>
+      </p:nvGrpSpPr>
+      <p:grpSpPr>
+        <a:xfrm>
+          <a:off x="0" y="0"/>
+          <a:ext cx="0" cy="0"/>
+          <a:chOff x="0" y="0"/>
+          <a:chExt cx="0" cy="0"/>
+        </a:xfrm>
+      </p:grpSpPr>
+      <p:pic>
+        <p:nvPicPr>
+          <p:cNvPr id="5" name="Image 4">
+            <a:extLst>
+              <a:ext uri="{FF2B5EF4-FFF2-40B4-BE49-F238E27FC236}">
+                <a16:creationId xmlns:a16="http://schemas.microsoft.com/office/drawing/2014/main" id="{3CD352EF-650A-C0A8-5961-C69149150E84}"/>
+              </a:ext>
+            </a:extLst>
+          </p:cNvPr>
+          <p:cNvPicPr>
+            <a:picLocks noChangeAspect="1"/>
+          </p:cNvPicPr>
+          <p:nvPr/>
+        </p:nvPicPr>
+        <p:blipFill>
+          <a:blip r:embed="rId2">
+            <a:extLst>
+              <a:ext uri="{28A0092B-C50C-407E-A947-70E740481C1C}">
+                <a14:useLocalDpi xmlns:a14="http://schemas.microsoft.com/office/drawing/2010/main" val="0"/>
+              </a:ext>
+            </a:extLst>
+          </a:blip>
+          <a:srcRect/>
+          <a:stretch/>
+        </p:blipFill>
+        <p:spPr>
+          <a:xfrm>
+            <a:off x="0" y="0"/>
+            <a:ext cx="7976909" cy="3240619"/>
+          </a:xfrm>
+          <a:prstGeom prst="rect">
+            <a:avLst/>
+          </a:prstGeom>
+        </p:spPr>
+      </p:pic>
+      <p:pic>
+        <p:nvPicPr>
+          <p:cNvPr id="2" name="Image 1">
+            <a:extLst>
+              <a:ext uri="{FF2B5EF4-FFF2-40B4-BE49-F238E27FC236}">
+                <a16:creationId xmlns:a16="http://schemas.microsoft.com/office/drawing/2014/main" id="{BD187F6B-9F40-B775-6A33-D5F1B9057C5C}"/>
+              </a:ext>
+            </a:extLst>
+          </p:cNvPr>
+          <p:cNvPicPr>
+            <a:picLocks noChangeAspect="1"/>
+          </p:cNvPicPr>
+          <p:nvPr/>
+        </p:nvPicPr>
+        <p:blipFill>
+          <a:blip r:embed="rId3">
+            <a:extLst>
+              <a:ext uri="{28A0092B-C50C-407E-A947-70E740481C1C}">
+                <a14:useLocalDpi xmlns:a14="http://schemas.microsoft.com/office/drawing/2010/main" val="0"/>
+              </a:ext>
+            </a:extLst>
+          </a:blip>
+          <a:srcRect/>
+          <a:stretch/>
+        </p:blipFill>
+        <p:spPr>
+          <a:xfrm>
+            <a:off x="0" y="3278607"/>
+            <a:ext cx="7732143" cy="3579393"/>
+          </a:xfrm>
+          <a:prstGeom prst="rect">
+            <a:avLst/>
+          </a:prstGeom>
+        </p:spPr>
+      </p:pic>
+    </p:spTree>
+    <p:extLst>
+      <p:ext uri="{BB962C8B-B14F-4D97-AF65-F5344CB8AC3E}">
+        <p14:creationId xmlns:p14="http://schemas.microsoft.com/office/powerpoint/2010/main" val="3955180767"/>
+      </p:ext>
+    </p:extLst>
+  </p:cSld>
+  <p:clrMapOvr>
+    <a:masterClrMapping/>
+  </p:clrMapOvr>
+</p:sld>
+</file>
+
+<file path=ppt/slides/slide21.xml><?xml version="1.0" encoding="utf-8"?>
+<p:sld xmlns:a="http://schemas.openxmlformats.org/drawingml/2006/main" xmlns:r="http://schemas.openxmlformats.org/officeDocument/2006/relationships" xmlns:p="http://schemas.openxmlformats.org/presentationml/2006/main">
+  <p:cSld>
+    <p:bg>
+      <p:bgPr>
+        <a:solidFill>
+          <a:schemeClr val="accent5">
+            <a:lumMod val="60000"/>
+            <a:lumOff val="40000"/>
+          </a:schemeClr>
+        </a:solidFill>
+        <a:effectLst/>
+      </p:bgPr>
+    </p:bg>
+    <p:spTree>
+      <p:nvGrpSpPr>
+        <p:cNvPr id="1" name="">
+          <a:extLst>
+            <a:ext uri="{FF2B5EF4-FFF2-40B4-BE49-F238E27FC236}">
+              <a16:creationId xmlns:a16="http://schemas.microsoft.com/office/drawing/2014/main" id="{E82A6A16-FD0A-294A-6C06-66CCE39A73AA}"/>
+            </a:ext>
+          </a:extLst>
+        </p:cNvPr>
+        <p:cNvGrpSpPr/>
+        <p:nvPr/>
+      </p:nvGrpSpPr>
+      <p:grpSpPr>
+        <a:xfrm>
+          <a:off x="0" y="0"/>
+          <a:ext cx="0" cy="0"/>
+          <a:chOff x="0" y="0"/>
+          <a:chExt cx="0" cy="0"/>
+        </a:xfrm>
+      </p:grpSpPr>
+      <p:pic>
+        <p:nvPicPr>
+          <p:cNvPr id="5" name="Image 4">
+            <a:extLst>
+              <a:ext uri="{FF2B5EF4-FFF2-40B4-BE49-F238E27FC236}">
+                <a16:creationId xmlns:a16="http://schemas.microsoft.com/office/drawing/2014/main" id="{F5C52FC2-0829-7546-CF8B-4C3D7E5E028D}"/>
+              </a:ext>
+            </a:extLst>
+          </p:cNvPr>
+          <p:cNvPicPr>
+            <a:picLocks noChangeAspect="1"/>
+          </p:cNvPicPr>
+          <p:nvPr/>
+        </p:nvPicPr>
+        <p:blipFill>
+          <a:blip r:embed="rId2">
+            <a:extLst>
+              <a:ext uri="{28A0092B-C50C-407E-A947-70E740481C1C}">
+                <a14:useLocalDpi xmlns:a14="http://schemas.microsoft.com/office/drawing/2010/main" val="0"/>
+              </a:ext>
+            </a:extLst>
+          </a:blip>
+          <a:srcRect/>
+          <a:stretch/>
+        </p:blipFill>
+        <p:spPr>
+          <a:xfrm>
+            <a:off x="1605280" y="1618787"/>
+            <a:ext cx="8981440" cy="3620425"/>
+          </a:xfrm>
+          <a:prstGeom prst="rect">
+            <a:avLst/>
+          </a:prstGeom>
+        </p:spPr>
+      </p:pic>
+    </p:spTree>
+    <p:extLst>
+      <p:ext uri="{BB962C8B-B14F-4D97-AF65-F5344CB8AC3E}">
+        <p14:creationId xmlns:p14="http://schemas.microsoft.com/office/powerpoint/2010/main" val="2207707500"/>
+      </p:ext>
+    </p:extLst>
+  </p:cSld>
+  <p:clrMapOvr>
+    <a:masterClrMapping/>
+  </p:clrMapOvr>
+</p:sld>
+</file>
+
+<file path=ppt/slides/slide22.xml><?xml version="1.0" encoding="utf-8"?>
+<p:sld xmlns:a="http://schemas.openxmlformats.org/drawingml/2006/main" xmlns:r="http://schemas.openxmlformats.org/officeDocument/2006/relationships" xmlns:p="http://schemas.openxmlformats.org/presentationml/2006/main">
+  <p:cSld>
+    <p:bg>
+      <p:bgPr>
+        <a:solidFill>
+          <a:schemeClr val="accent5">
+            <a:lumMod val="60000"/>
+            <a:lumOff val="40000"/>
+          </a:schemeClr>
+        </a:solidFill>
+        <a:effectLst/>
+      </p:bgPr>
+    </p:bg>
+    <p:spTree>
+      <p:nvGrpSpPr>
+        <p:cNvPr id="1" name=""/>
+        <p:cNvGrpSpPr/>
+        <p:nvPr/>
+      </p:nvGrpSpPr>
+      <p:grpSpPr>
+        <a:xfrm>
+          <a:off x="0" y="0"/>
+          <a:ext cx="0" cy="0"/>
+          <a:chOff x="0" y="0"/>
+          <a:chExt cx="0" cy="0"/>
+        </a:xfrm>
+      </p:grpSpPr>
+      <p:sp>
+        <p:nvSpPr>
+          <p:cNvPr id="2" name="Titre 1">
+            <a:extLst>
+              <a:ext uri="{FF2B5EF4-FFF2-40B4-BE49-F238E27FC236}">
+                <a16:creationId xmlns:a16="http://schemas.microsoft.com/office/drawing/2014/main" id="{F996A333-2EAA-9628-953E-F64813E3DFC6}"/>
+              </a:ext>
+            </a:extLst>
+          </p:cNvPr>
+          <p:cNvSpPr>
+            <a:spLocks noGrp="1"/>
+          </p:cNvSpPr>
+          <p:nvPr>
+            <p:ph type="title"/>
+          </p:nvPr>
+        </p:nvSpPr>
+        <p:spPr>
+          <a:xfrm>
+            <a:off x="838200" y="0"/>
+            <a:ext cx="10515600" cy="1325563"/>
+          </a:xfrm>
+        </p:spPr>
+        <p:txBody>
+          <a:bodyPr/>
+          <a:lstStyle/>
+          <a:p>
+            <a:pPr algn="ctr"/>
+            <a:r>
+              <a:rPr lang="fr-FR" b="1" dirty="0">
+                <a:solidFill>
+                  <a:srgbClr val="FF0000"/>
+                </a:solidFill>
+              </a:rPr>
+              <a:t>Contrôleur commentaires</a:t>
+            </a:r>
+          </a:p>
+        </p:txBody>
+      </p:sp>
+      <p:pic>
+        <p:nvPicPr>
+          <p:cNvPr id="5" name="Image 4">
+            <a:extLst>
+              <a:ext uri="{FF2B5EF4-FFF2-40B4-BE49-F238E27FC236}">
+                <a16:creationId xmlns:a16="http://schemas.microsoft.com/office/drawing/2014/main" id="{6E2B1641-CF04-5527-6BE1-74EE2F9CE055}"/>
+              </a:ext>
+            </a:extLst>
+          </p:cNvPr>
+          <p:cNvPicPr>
+            <a:picLocks noChangeAspect="1"/>
+          </p:cNvPicPr>
+          <p:nvPr/>
+        </p:nvPicPr>
+        <p:blipFill>
+          <a:blip r:embed="rId2">
+            <a:extLst>
+              <a:ext uri="{28A0092B-C50C-407E-A947-70E740481C1C}">
+                <a14:useLocalDpi xmlns:a14="http://schemas.microsoft.com/office/drawing/2010/main" val="0"/>
+              </a:ext>
+            </a:extLst>
+          </a:blip>
+          <a:stretch>
+            <a:fillRect/>
+          </a:stretch>
+        </p:blipFill>
+        <p:spPr>
+          <a:xfrm>
+            <a:off x="0" y="1040796"/>
+            <a:ext cx="8754697" cy="4105848"/>
+          </a:xfrm>
+          <a:prstGeom prst="rect">
+            <a:avLst/>
+          </a:prstGeom>
+        </p:spPr>
+      </p:pic>
+      <p:pic>
+        <p:nvPicPr>
+          <p:cNvPr id="6" name="Image 5">
+            <a:extLst>
+              <a:ext uri="{FF2B5EF4-FFF2-40B4-BE49-F238E27FC236}">
+                <a16:creationId xmlns:a16="http://schemas.microsoft.com/office/drawing/2014/main" id="{42DB5DC7-5B7A-2A4E-31AD-024E38D2CD96}"/>
+              </a:ext>
+            </a:extLst>
+          </p:cNvPr>
+          <p:cNvPicPr>
+            <a:picLocks noChangeAspect="1"/>
+          </p:cNvPicPr>
+          <p:nvPr/>
+        </p:nvPicPr>
+        <p:blipFill>
+          <a:blip r:embed="rId3">
+            <a:extLst>
+              <a:ext uri="{28A0092B-C50C-407E-A947-70E740481C1C}">
+                <a14:useLocalDpi xmlns:a14="http://schemas.microsoft.com/office/drawing/2010/main" val="0"/>
+              </a:ext>
+            </a:extLst>
+          </a:blip>
+          <a:srcRect/>
+          <a:stretch/>
+        </p:blipFill>
+        <p:spPr>
+          <a:xfrm>
+            <a:off x="4307840" y="2986071"/>
+            <a:ext cx="6664960" cy="3871929"/>
+          </a:xfrm>
+          <a:prstGeom prst="rect">
+            <a:avLst/>
+          </a:prstGeom>
+        </p:spPr>
+      </p:pic>
+    </p:spTree>
+    <p:extLst>
+      <p:ext uri="{BB962C8B-B14F-4D97-AF65-F5344CB8AC3E}">
+        <p14:creationId xmlns:p14="http://schemas.microsoft.com/office/powerpoint/2010/main" val="3208444201"/>
+      </p:ext>
+    </p:extLst>
+  </p:cSld>
+  <p:clrMapOvr>
+    <a:masterClrMapping/>
+  </p:clrMapOvr>
+  <p:timing>
+    <p:tnLst>
+      <p:par>
+        <p:cTn id="1" dur="indefinite" restart="never" nodeType="tmRoot">
+          <p:childTnLst>
+            <p:seq concurrent="1" nextAc="seek">
+              <p:cTn id="2" dur="indefinite" nodeType="mainSeq">
+                <p:childTnLst>
+                  <p:par>
+                    <p:cTn id="3" fill="hold">
+                      <p:stCondLst>
+                        <p:cond delay="indefinite"/>
+                      </p:stCondLst>
+                      <p:childTnLst>
+                        <p:par>
+                          <p:cTn id="4" fill="hold">
+                            <p:stCondLst>
+                              <p:cond delay="0"/>
+                            </p:stCondLst>
+                            <p:childTnLst>
+                              <p:par>
+                                <p:cTn id="5" presetID="10" presetClass="entr" presetSubtype="0" fill="hold" nodeType="clickEffect">
+                                  <p:stCondLst>
+                                    <p:cond delay="0"/>
+                                  </p:stCondLst>
+                                  <p:childTnLst>
+                                    <p:set>
+                                      <p:cBhvr>
+                                        <p:cTn id="6" dur="1" fill="hold">
+                                          <p:stCondLst>
+                                            <p:cond delay="0"/>
+                                          </p:stCondLst>
+                                        </p:cTn>
+                                        <p:tgtEl>
+                                          <p:spTgt spid="6"/>
+                                        </p:tgtEl>
+                                        <p:attrNameLst>
+                                          <p:attrName>style.visibility</p:attrName>
+                                        </p:attrNameLst>
+                                      </p:cBhvr>
+                                      <p:to>
+                                        <p:strVal val="visible"/>
+                                      </p:to>
+                                    </p:set>
+                                    <p:animEffect transition="in" filter="fade">
+                                      <p:cBhvr>
+                                        <p:cTn id="7" dur="1000"/>
+                                        <p:tgtEl>
+                                          <p:spTgt spid="6"/>
+                                        </p:tgtEl>
+                                      </p:cBhvr>
+                                    </p:animEffect>
+                                  </p:childTnLst>
+                                </p:cTn>
+                              </p:par>
+                            </p:childTnLst>
+                          </p:cTn>
+                        </p:par>
+                      </p:childTnLst>
+                    </p:cTn>
+                  </p:par>
+                </p:childTnLst>
+              </p:cTn>
+              <p:prevCondLst>
+                <p:cond evt="onPrev" delay="0">
+                  <p:tgtEl>
+                    <p:sldTgt/>
+                  </p:tgtEl>
+                </p:cond>
+              </p:prevCondLst>
+              <p:nextCondLst>
+                <p:cond evt="onNext" delay="0">
+                  <p:tgtEl>
+                    <p:sldTgt/>
+                  </p:tgtEl>
+                </p:cond>
+              </p:nextCondLst>
+            </p:seq>
+          </p:childTnLst>
+        </p:cTn>
+      </p:par>
+    </p:tnLst>
+  </p:timing>
+</p:sld>
+</file>
+
+<file path=ppt/slides/slide23.xml><?xml version="1.0" encoding="utf-8"?>
+<p:sld xmlns:a="http://schemas.openxmlformats.org/drawingml/2006/main" xmlns:r="http://schemas.openxmlformats.org/officeDocument/2006/relationships" xmlns:p="http://schemas.openxmlformats.org/presentationml/2006/main">
+  <p:cSld>
+    <p:bg>
+      <p:bgPr>
+        <a:solidFill>
+          <a:schemeClr val="accent5">
+            <a:lumMod val="60000"/>
+            <a:lumOff val="40000"/>
+          </a:schemeClr>
+        </a:solidFill>
+        <a:effectLst/>
+      </p:bgPr>
+    </p:bg>
+    <p:spTree>
+      <p:nvGrpSpPr>
+        <p:cNvPr id="1" name="">
+          <a:extLst>
+            <a:ext uri="{FF2B5EF4-FFF2-40B4-BE49-F238E27FC236}">
+              <a16:creationId xmlns:a16="http://schemas.microsoft.com/office/drawing/2014/main" id="{231C9B05-1BB3-B4A8-72E6-0FA601F08511}"/>
+            </a:ext>
+          </a:extLst>
+        </p:cNvPr>
+        <p:cNvGrpSpPr/>
+        <p:nvPr/>
+      </p:nvGrpSpPr>
+      <p:grpSpPr>
+        <a:xfrm>
+          <a:off x="0" y="0"/>
+          <a:ext cx="0" cy="0"/>
+          <a:chOff x="0" y="0"/>
+          <a:chExt cx="0" cy="0"/>
+        </a:xfrm>
+      </p:grpSpPr>
+      <p:sp>
+        <p:nvSpPr>
+          <p:cNvPr id="2" name="Titre 1">
+            <a:extLst>
+              <a:ext uri="{FF2B5EF4-FFF2-40B4-BE49-F238E27FC236}">
+                <a16:creationId xmlns:a16="http://schemas.microsoft.com/office/drawing/2014/main" id="{C197170B-715A-8642-D225-7EE3D6A97504}"/>
+              </a:ext>
+            </a:extLst>
+          </p:cNvPr>
+          <p:cNvSpPr>
+            <a:spLocks noGrp="1"/>
+          </p:cNvSpPr>
+          <p:nvPr>
+            <p:ph type="title"/>
+          </p:nvPr>
+        </p:nvSpPr>
+        <p:spPr>
+          <a:xfrm>
+            <a:off x="838200" y="0"/>
+            <a:ext cx="10515600" cy="1325563"/>
+          </a:xfrm>
+        </p:spPr>
+        <p:txBody>
+          <a:bodyPr/>
+          <a:lstStyle/>
+          <a:p>
+            <a:pPr algn="ctr"/>
+            <a:r>
+              <a:rPr lang="fr-FR" b="1" dirty="0">
+                <a:solidFill>
+                  <a:srgbClr val="FF0000"/>
+                </a:solidFill>
+              </a:rPr>
+              <a:t>Routeurs</a:t>
+            </a:r>
+          </a:p>
+        </p:txBody>
+      </p:sp>
+      <p:pic>
+        <p:nvPicPr>
+          <p:cNvPr id="4" name="Image 3">
+            <a:extLst>
+              <a:ext uri="{FF2B5EF4-FFF2-40B4-BE49-F238E27FC236}">
+                <a16:creationId xmlns:a16="http://schemas.microsoft.com/office/drawing/2014/main" id="{64918765-FDF1-272A-4D43-8D7031FC0663}"/>
+              </a:ext>
+            </a:extLst>
+          </p:cNvPr>
+          <p:cNvPicPr>
+            <a:picLocks noChangeAspect="1"/>
+          </p:cNvPicPr>
+          <p:nvPr/>
+        </p:nvPicPr>
+        <p:blipFill>
+          <a:blip r:embed="rId2">
+            <a:extLst>
+              <a:ext uri="{28A0092B-C50C-407E-A947-70E740481C1C}">
+                <a14:useLocalDpi xmlns:a14="http://schemas.microsoft.com/office/drawing/2010/main" val="0"/>
+              </a:ext>
+            </a:extLst>
+          </a:blip>
+          <a:srcRect/>
+          <a:stretch/>
+        </p:blipFill>
+        <p:spPr>
+          <a:xfrm>
+            <a:off x="3455062" y="1661866"/>
+            <a:ext cx="5281875" cy="3534268"/>
+          </a:xfrm>
+          <a:prstGeom prst="rect">
+            <a:avLst/>
+          </a:prstGeom>
+        </p:spPr>
+      </p:pic>
+    </p:spTree>
+    <p:extLst>
+      <p:ext uri="{BB962C8B-B14F-4D97-AF65-F5344CB8AC3E}">
+        <p14:creationId xmlns:p14="http://schemas.microsoft.com/office/powerpoint/2010/main" val="4183487985"/>
+      </p:ext>
+    </p:extLst>
+  </p:cSld>
+  <p:clrMapOvr>
+    <a:masterClrMapping/>
+  </p:clrMapOvr>
+</p:sld>
+</file>
+
+<file path=ppt/slides/slide24.xml><?xml version="1.0" encoding="utf-8"?>
+<p:sld xmlns:a="http://schemas.openxmlformats.org/drawingml/2006/main" xmlns:r="http://schemas.openxmlformats.org/officeDocument/2006/relationships" xmlns:p="http://schemas.openxmlformats.org/presentationml/2006/main">
+  <p:cSld>
+    <p:bg>
+      <p:bgPr>
+        <a:solidFill>
+          <a:schemeClr val="accent5">
+            <a:lumMod val="60000"/>
+            <a:lumOff val="40000"/>
+          </a:schemeClr>
+        </a:solidFill>
+        <a:effectLst/>
+      </p:bgPr>
+    </p:bg>
+    <p:spTree>
+      <p:nvGrpSpPr>
+        <p:cNvPr id="1" name="">
+          <a:extLst>
+            <a:ext uri="{FF2B5EF4-FFF2-40B4-BE49-F238E27FC236}">
+              <a16:creationId xmlns:a16="http://schemas.microsoft.com/office/drawing/2014/main" id="{9E37C71E-F94B-F0DE-4F53-85C69B3F2ABA}"/>
+            </a:ext>
+          </a:extLst>
+        </p:cNvPr>
+        <p:cNvGrpSpPr/>
+        <p:nvPr/>
+      </p:nvGrpSpPr>
+      <p:grpSpPr>
+        <a:xfrm>
+          <a:off x="0" y="0"/>
+          <a:ext cx="0" cy="0"/>
+          <a:chOff x="0" y="0"/>
+          <a:chExt cx="0" cy="0"/>
+        </a:xfrm>
+      </p:grpSpPr>
+      <p:sp>
+        <p:nvSpPr>
+          <p:cNvPr id="2" name="Titre 1">
+            <a:extLst>
+              <a:ext uri="{FF2B5EF4-FFF2-40B4-BE49-F238E27FC236}">
+                <a16:creationId xmlns:a16="http://schemas.microsoft.com/office/drawing/2014/main" id="{9ABC54DB-E9B8-B09F-0D79-289C312CF169}"/>
+              </a:ext>
+            </a:extLst>
+          </p:cNvPr>
+          <p:cNvSpPr>
+            <a:spLocks noGrp="1"/>
+          </p:cNvSpPr>
+          <p:nvPr>
+            <p:ph type="title"/>
+          </p:nvPr>
+        </p:nvSpPr>
+        <p:spPr>
+          <a:xfrm>
+            <a:off x="838200" y="0"/>
+            <a:ext cx="10515600" cy="1325563"/>
+          </a:xfrm>
+        </p:spPr>
+        <p:txBody>
+          <a:bodyPr/>
+          <a:lstStyle/>
+          <a:p>
+            <a:pPr algn="ctr"/>
+            <a:r>
+              <a:rPr lang="fr-FR" b="1" dirty="0">
+                <a:solidFill>
+                  <a:srgbClr val="FF0000"/>
+                </a:solidFill>
+              </a:rPr>
+              <a:t>Routeur utilisateurs</a:t>
+            </a:r>
+          </a:p>
+        </p:txBody>
+      </p:sp>
+      <p:pic>
+        <p:nvPicPr>
+          <p:cNvPr id="5" name="Image 4">
+            <a:extLst>
+              <a:ext uri="{FF2B5EF4-FFF2-40B4-BE49-F238E27FC236}">
+                <a16:creationId xmlns:a16="http://schemas.microsoft.com/office/drawing/2014/main" id="{C1E6D5EE-C8D6-C025-B827-716522ADD3A1}"/>
+              </a:ext>
+            </a:extLst>
+          </p:cNvPr>
+          <p:cNvPicPr>
+            <a:picLocks noChangeAspect="1"/>
+          </p:cNvPicPr>
+          <p:nvPr/>
+        </p:nvPicPr>
+        <p:blipFill>
+          <a:blip r:embed="rId2">
+            <a:extLst>
+              <a:ext uri="{28A0092B-C50C-407E-A947-70E740481C1C}">
+                <a14:useLocalDpi xmlns:a14="http://schemas.microsoft.com/office/drawing/2010/main" val="0"/>
+              </a:ext>
+            </a:extLst>
+          </a:blip>
+          <a:stretch>
+            <a:fillRect/>
+          </a:stretch>
+        </p:blipFill>
+        <p:spPr>
+          <a:xfrm>
+            <a:off x="0" y="1040796"/>
+            <a:ext cx="8754697" cy="4105848"/>
+          </a:xfrm>
+          <a:prstGeom prst="rect">
+            <a:avLst/>
+          </a:prstGeom>
+        </p:spPr>
+      </p:pic>
+    </p:spTree>
+    <p:extLst>
+      <p:ext uri="{BB962C8B-B14F-4D97-AF65-F5344CB8AC3E}">
+        <p14:creationId xmlns:p14="http://schemas.microsoft.com/office/powerpoint/2010/main" val="617532394"/>
       </p:ext>
     </p:extLst>
   </p:cSld>

--- a/documentation/Dossier Projet/Projet Slides.pptx
+++ b/documentation/Dossier Projet/Projet Slides.pptx
@@ -29,6 +29,10 @@
     <p:sldId id="277" r:id="rId23"/>
     <p:sldId id="278" r:id="rId24"/>
     <p:sldId id="279" r:id="rId25"/>
+    <p:sldId id="280" r:id="rId26"/>
+    <p:sldId id="281" r:id="rId27"/>
+    <p:sldId id="282" r:id="rId28"/>
+    <p:sldId id="283" r:id="rId29"/>
   </p:sldIdLst>
   <p:sldSz cx="12192000" cy="6858000"/>
   <p:notesSz cx="6858000" cy="9144000"/>
@@ -6121,6 +6125,18 @@
   <p:clrMapOvr>
     <a:masterClrMapping/>
   </p:clrMapOvr>
+  <mc:AlternateContent xmlns:mc="http://schemas.openxmlformats.org/markup-compatibility/2006">
+    <mc:Choice xmlns:p14="http://schemas.microsoft.com/office/powerpoint/2010/main" Requires="p14">
+      <p:transition spd="slow" p14:dur="1200">
+        <p:dissolve/>
+      </p:transition>
+    </mc:Choice>
+    <mc:Fallback>
+      <p:transition spd="slow">
+        <p:dissolve/>
+      </p:transition>
+    </mc:Fallback>
+  </mc:AlternateContent>
 </p:sld>
 </file>
 
@@ -6218,14 +6234,13 @@
               </a:ext>
             </a:extLst>
           </a:blip>
-          <a:stretch>
-            <a:fillRect/>
-          </a:stretch>
+          <a:srcRect/>
+          <a:stretch/>
         </p:blipFill>
         <p:spPr>
           <a:xfrm>
-            <a:off x="0" y="1040796"/>
-            <a:ext cx="8754697" cy="4105848"/>
+            <a:off x="0" y="1001465"/>
+            <a:ext cx="12094900" cy="3353719"/>
           </a:xfrm>
           <a:prstGeom prst="rect">
             <a:avLst/>
@@ -6236,6 +6251,763 @@
     <p:extLst>
       <p:ext uri="{BB962C8B-B14F-4D97-AF65-F5344CB8AC3E}">
         <p14:creationId xmlns:p14="http://schemas.microsoft.com/office/powerpoint/2010/main" val="617532394"/>
+      </p:ext>
+    </p:extLst>
+  </p:cSld>
+  <p:clrMapOvr>
+    <a:masterClrMapping/>
+  </p:clrMapOvr>
+</p:sld>
+</file>
+
+<file path=ppt/slides/slide25.xml><?xml version="1.0" encoding="utf-8"?>
+<p:sld xmlns:a="http://schemas.openxmlformats.org/drawingml/2006/main" xmlns:r="http://schemas.openxmlformats.org/officeDocument/2006/relationships" xmlns:p="http://schemas.openxmlformats.org/presentationml/2006/main">
+  <p:cSld>
+    <p:bg>
+      <p:bgPr>
+        <a:solidFill>
+          <a:schemeClr val="accent5">
+            <a:lumMod val="60000"/>
+            <a:lumOff val="40000"/>
+          </a:schemeClr>
+        </a:solidFill>
+        <a:effectLst/>
+      </p:bgPr>
+    </p:bg>
+    <p:spTree>
+      <p:nvGrpSpPr>
+        <p:cNvPr id="1" name="">
+          <a:extLst>
+            <a:ext uri="{FF2B5EF4-FFF2-40B4-BE49-F238E27FC236}">
+              <a16:creationId xmlns:a16="http://schemas.microsoft.com/office/drawing/2014/main" id="{0B483755-4452-294E-97CE-0C4954C9FC42}"/>
+            </a:ext>
+          </a:extLst>
+        </p:cNvPr>
+        <p:cNvGrpSpPr/>
+        <p:nvPr/>
+      </p:nvGrpSpPr>
+      <p:grpSpPr>
+        <a:xfrm>
+          <a:off x="0" y="0"/>
+          <a:ext cx="0" cy="0"/>
+          <a:chOff x="0" y="0"/>
+          <a:chExt cx="0" cy="0"/>
+        </a:xfrm>
+      </p:grpSpPr>
+      <p:sp>
+        <p:nvSpPr>
+          <p:cNvPr id="2" name="Titre 1">
+            <a:extLst>
+              <a:ext uri="{FF2B5EF4-FFF2-40B4-BE49-F238E27FC236}">
+                <a16:creationId xmlns:a16="http://schemas.microsoft.com/office/drawing/2014/main" id="{5224D325-AB10-43BC-F67C-AB9BC858F5C9}"/>
+              </a:ext>
+            </a:extLst>
+          </p:cNvPr>
+          <p:cNvSpPr>
+            <a:spLocks noGrp="1"/>
+          </p:cNvSpPr>
+          <p:nvPr>
+            <p:ph type="title"/>
+          </p:nvPr>
+        </p:nvSpPr>
+        <p:spPr>
+          <a:xfrm>
+            <a:off x="838200" y="0"/>
+            <a:ext cx="10515600" cy="1325563"/>
+          </a:xfrm>
+        </p:spPr>
+        <p:txBody>
+          <a:bodyPr/>
+          <a:lstStyle/>
+          <a:p>
+            <a:pPr algn="ctr"/>
+            <a:r>
+              <a:rPr lang="fr-FR" b="1" dirty="0">
+                <a:solidFill>
+                  <a:srgbClr val="FF0000"/>
+                </a:solidFill>
+              </a:rPr>
+              <a:t>Routeur </a:t>
+            </a:r>
+            <a:r>
+              <a:rPr lang="fr-FR" b="1" dirty="0" err="1">
+                <a:solidFill>
+                  <a:srgbClr val="FF0000"/>
+                </a:solidFill>
+              </a:rPr>
+              <a:t>posts</a:t>
+            </a:r>
+            <a:endParaRPr lang="fr-FR" b="1" dirty="0">
+              <a:solidFill>
+                <a:srgbClr val="FF0000"/>
+              </a:solidFill>
+            </a:endParaRPr>
+          </a:p>
+        </p:txBody>
+      </p:sp>
+      <p:pic>
+        <p:nvPicPr>
+          <p:cNvPr id="5" name="Image 4">
+            <a:extLst>
+              <a:ext uri="{FF2B5EF4-FFF2-40B4-BE49-F238E27FC236}">
+                <a16:creationId xmlns:a16="http://schemas.microsoft.com/office/drawing/2014/main" id="{5AF4B9C0-5404-538D-966A-567AC2D568CC}"/>
+              </a:ext>
+            </a:extLst>
+          </p:cNvPr>
+          <p:cNvPicPr>
+            <a:picLocks noChangeAspect="1"/>
+          </p:cNvPicPr>
+          <p:nvPr/>
+        </p:nvPicPr>
+        <p:blipFill>
+          <a:blip r:embed="rId2">
+            <a:extLst>
+              <a:ext uri="{28A0092B-C50C-407E-A947-70E740481C1C}">
+                <a14:useLocalDpi xmlns:a14="http://schemas.microsoft.com/office/drawing/2010/main" val="0"/>
+              </a:ext>
+            </a:extLst>
+          </a:blip>
+          <a:srcRect/>
+          <a:stretch/>
+        </p:blipFill>
+        <p:spPr>
+          <a:xfrm>
+            <a:off x="0" y="1246422"/>
+            <a:ext cx="12094900" cy="2863804"/>
+          </a:xfrm>
+          <a:prstGeom prst="rect">
+            <a:avLst/>
+          </a:prstGeom>
+        </p:spPr>
+      </p:pic>
+    </p:spTree>
+    <p:extLst>
+      <p:ext uri="{BB962C8B-B14F-4D97-AF65-F5344CB8AC3E}">
+        <p14:creationId xmlns:p14="http://schemas.microsoft.com/office/powerpoint/2010/main" val="4135339840"/>
+      </p:ext>
+    </p:extLst>
+  </p:cSld>
+  <p:clrMapOvr>
+    <a:masterClrMapping/>
+  </p:clrMapOvr>
+</p:sld>
+</file>
+
+<file path=ppt/slides/slide26.xml><?xml version="1.0" encoding="utf-8"?>
+<p:sld xmlns:a="http://schemas.openxmlformats.org/drawingml/2006/main" xmlns:r="http://schemas.openxmlformats.org/officeDocument/2006/relationships" xmlns:p="http://schemas.openxmlformats.org/presentationml/2006/main">
+  <p:cSld>
+    <p:bg>
+      <p:bgPr>
+        <a:solidFill>
+          <a:schemeClr val="accent5">
+            <a:lumMod val="60000"/>
+            <a:lumOff val="40000"/>
+          </a:schemeClr>
+        </a:solidFill>
+        <a:effectLst/>
+      </p:bgPr>
+    </p:bg>
+    <p:spTree>
+      <p:nvGrpSpPr>
+        <p:cNvPr id="1" name="">
+          <a:extLst>
+            <a:ext uri="{FF2B5EF4-FFF2-40B4-BE49-F238E27FC236}">
+              <a16:creationId xmlns:a16="http://schemas.microsoft.com/office/drawing/2014/main" id="{6390A863-60A3-E1BD-54C6-9381EB093F40}"/>
+            </a:ext>
+          </a:extLst>
+        </p:cNvPr>
+        <p:cNvGrpSpPr/>
+        <p:nvPr/>
+      </p:nvGrpSpPr>
+      <p:grpSpPr>
+        <a:xfrm>
+          <a:off x="0" y="0"/>
+          <a:ext cx="0" cy="0"/>
+          <a:chOff x="0" y="0"/>
+          <a:chExt cx="0" cy="0"/>
+        </a:xfrm>
+      </p:grpSpPr>
+      <p:sp>
+        <p:nvSpPr>
+          <p:cNvPr id="2" name="Titre 1">
+            <a:extLst>
+              <a:ext uri="{FF2B5EF4-FFF2-40B4-BE49-F238E27FC236}">
+                <a16:creationId xmlns:a16="http://schemas.microsoft.com/office/drawing/2014/main" id="{6D9BF2FF-1970-FFBB-98A6-A9FBCB63B163}"/>
+              </a:ext>
+            </a:extLst>
+          </p:cNvPr>
+          <p:cNvSpPr>
+            <a:spLocks noGrp="1"/>
+          </p:cNvSpPr>
+          <p:nvPr>
+            <p:ph type="title"/>
+          </p:nvPr>
+        </p:nvSpPr>
+        <p:spPr>
+          <a:xfrm>
+            <a:off x="838200" y="0"/>
+            <a:ext cx="10515600" cy="1325563"/>
+          </a:xfrm>
+        </p:spPr>
+        <p:txBody>
+          <a:bodyPr/>
+          <a:lstStyle/>
+          <a:p>
+            <a:pPr algn="ctr"/>
+            <a:r>
+              <a:rPr lang="fr-FR" b="1" dirty="0">
+                <a:solidFill>
+                  <a:srgbClr val="FF0000"/>
+                </a:solidFill>
+              </a:rPr>
+              <a:t>Routeur commentaires</a:t>
+            </a:r>
+          </a:p>
+        </p:txBody>
+      </p:sp>
+      <p:pic>
+        <p:nvPicPr>
+          <p:cNvPr id="5" name="Image 4">
+            <a:extLst>
+              <a:ext uri="{FF2B5EF4-FFF2-40B4-BE49-F238E27FC236}">
+                <a16:creationId xmlns:a16="http://schemas.microsoft.com/office/drawing/2014/main" id="{365CED83-3C71-FC72-0FD1-58D68DE08D67}"/>
+              </a:ext>
+            </a:extLst>
+          </p:cNvPr>
+          <p:cNvPicPr>
+            <a:picLocks noChangeAspect="1"/>
+          </p:cNvPicPr>
+          <p:nvPr/>
+        </p:nvPicPr>
+        <p:blipFill>
+          <a:blip r:embed="rId2">
+            <a:extLst>
+              <a:ext uri="{28A0092B-C50C-407E-A947-70E740481C1C}">
+                <a14:useLocalDpi xmlns:a14="http://schemas.microsoft.com/office/drawing/2010/main" val="0"/>
+              </a:ext>
+            </a:extLst>
+          </a:blip>
+          <a:srcRect/>
+          <a:stretch/>
+        </p:blipFill>
+        <p:spPr>
+          <a:xfrm>
+            <a:off x="0" y="1206925"/>
+            <a:ext cx="12094900" cy="2942798"/>
+          </a:xfrm>
+          <a:prstGeom prst="rect">
+            <a:avLst/>
+          </a:prstGeom>
+        </p:spPr>
+      </p:pic>
+    </p:spTree>
+    <p:extLst>
+      <p:ext uri="{BB962C8B-B14F-4D97-AF65-F5344CB8AC3E}">
+        <p14:creationId xmlns:p14="http://schemas.microsoft.com/office/powerpoint/2010/main" val="276583562"/>
+      </p:ext>
+    </p:extLst>
+  </p:cSld>
+  <p:clrMapOvr>
+    <a:masterClrMapping/>
+  </p:clrMapOvr>
+</p:sld>
+</file>
+
+<file path=ppt/slides/slide27.xml><?xml version="1.0" encoding="utf-8"?>
+<p:sld xmlns:a="http://schemas.openxmlformats.org/drawingml/2006/main" xmlns:r="http://schemas.openxmlformats.org/officeDocument/2006/relationships" xmlns:p="http://schemas.openxmlformats.org/presentationml/2006/main">
+  <p:cSld>
+    <p:bg>
+      <p:bgPr>
+        <a:solidFill>
+          <a:schemeClr val="accent5">
+            <a:lumMod val="60000"/>
+            <a:lumOff val="40000"/>
+          </a:schemeClr>
+        </a:solidFill>
+        <a:effectLst/>
+      </p:bgPr>
+    </p:bg>
+    <p:spTree>
+      <p:nvGrpSpPr>
+        <p:cNvPr id="1" name=""/>
+        <p:cNvGrpSpPr/>
+        <p:nvPr/>
+      </p:nvGrpSpPr>
+      <p:grpSpPr>
+        <a:xfrm>
+          <a:off x="0" y="0"/>
+          <a:ext cx="0" cy="0"/>
+          <a:chOff x="0" y="0"/>
+          <a:chExt cx="0" cy="0"/>
+        </a:xfrm>
+      </p:grpSpPr>
+      <p:sp>
+        <p:nvSpPr>
+          <p:cNvPr id="2" name="Titre 1">
+            <a:extLst>
+              <a:ext uri="{FF2B5EF4-FFF2-40B4-BE49-F238E27FC236}">
+                <a16:creationId xmlns:a16="http://schemas.microsoft.com/office/drawing/2014/main" id="{6552C7E8-6A5B-B572-8055-A13C7BE6E66D}"/>
+              </a:ext>
+            </a:extLst>
+          </p:cNvPr>
+          <p:cNvSpPr>
+            <a:spLocks noGrp="1"/>
+          </p:cNvSpPr>
+          <p:nvPr>
+            <p:ph type="title"/>
+          </p:nvPr>
+        </p:nvSpPr>
+        <p:spPr>
+          <a:xfrm>
+            <a:off x="838200" y="2766218"/>
+            <a:ext cx="10515600" cy="1325563"/>
+          </a:xfrm>
+        </p:spPr>
+        <p:txBody>
+          <a:bodyPr>
+            <a:noAutofit/>
+          </a:bodyPr>
+          <a:lstStyle/>
+          <a:p>
+            <a:pPr algn="ctr"/>
+            <a:r>
+              <a:rPr lang="fr-FR" sz="9000" b="1" dirty="0">
+                <a:solidFill>
+                  <a:srgbClr val="FF0000"/>
+                </a:solidFill>
+              </a:rPr>
+              <a:t>FRONT-END</a:t>
+            </a:r>
+          </a:p>
+        </p:txBody>
+      </p:sp>
+      <p:pic>
+        <p:nvPicPr>
+          <p:cNvPr id="5" name="Image 4">
+            <a:extLst>
+              <a:ext uri="{FF2B5EF4-FFF2-40B4-BE49-F238E27FC236}">
+                <a16:creationId xmlns:a16="http://schemas.microsoft.com/office/drawing/2014/main" id="{13E2F25F-1D28-76C3-9471-944FB8AFF2E5}"/>
+              </a:ext>
+            </a:extLst>
+          </p:cNvPr>
+          <p:cNvPicPr>
+            <a:picLocks noChangeAspect="1"/>
+          </p:cNvPicPr>
+          <p:nvPr/>
+        </p:nvPicPr>
+        <p:blipFill>
+          <a:blip r:embed="rId2">
+            <a:extLst>
+              <a:ext uri="{28A0092B-C50C-407E-A947-70E740481C1C}">
+                <a14:useLocalDpi xmlns:a14="http://schemas.microsoft.com/office/drawing/2010/main" val="0"/>
+              </a:ext>
+              <a:ext uri="{837473B0-CC2E-450A-ABE3-18F120FF3D39}">
+                <a1611:picAttrSrcUrl xmlns:a1611="http://schemas.microsoft.com/office/drawing/2016/11/main" r:id="rId3"/>
+              </a:ext>
+            </a:extLst>
+          </a:blip>
+          <a:stretch>
+            <a:fillRect/>
+          </a:stretch>
+        </p:blipFill>
+        <p:spPr>
+          <a:xfrm>
+            <a:off x="625095" y="170437"/>
+            <a:ext cx="2356194" cy="2356194"/>
+          </a:xfrm>
+          <a:prstGeom prst="rect">
+            <a:avLst/>
+          </a:prstGeom>
+        </p:spPr>
+      </p:pic>
+      <p:pic>
+        <p:nvPicPr>
+          <p:cNvPr id="7" name="Image 6">
+            <a:extLst>
+              <a:ext uri="{FF2B5EF4-FFF2-40B4-BE49-F238E27FC236}">
+                <a16:creationId xmlns:a16="http://schemas.microsoft.com/office/drawing/2014/main" id="{A52DB40C-35EE-FC3F-25DE-E1E342358C60}"/>
+              </a:ext>
+            </a:extLst>
+          </p:cNvPr>
+          <p:cNvPicPr>
+            <a:picLocks noChangeAspect="1"/>
+          </p:cNvPicPr>
+          <p:nvPr/>
+        </p:nvPicPr>
+        <p:blipFill>
+          <a:blip r:embed="rId4">
+            <a:extLst>
+              <a:ext uri="{28A0092B-C50C-407E-A947-70E740481C1C}">
+                <a14:useLocalDpi xmlns:a14="http://schemas.microsoft.com/office/drawing/2010/main" val="0"/>
+              </a:ext>
+              <a:ext uri="{837473B0-CC2E-450A-ABE3-18F120FF3D39}">
+                <a1611:picAttrSrcUrl xmlns:a1611="http://schemas.microsoft.com/office/drawing/2016/11/main" r:id="rId5"/>
+              </a:ext>
+            </a:extLst>
+          </a:blip>
+          <a:srcRect/>
+          <a:stretch/>
+        </p:blipFill>
+        <p:spPr>
+          <a:xfrm>
+            <a:off x="9474455" y="285853"/>
+            <a:ext cx="2356194" cy="2356194"/>
+          </a:xfrm>
+          <a:prstGeom prst="rect">
+            <a:avLst/>
+          </a:prstGeom>
+        </p:spPr>
+      </p:pic>
+      <p:pic>
+        <p:nvPicPr>
+          <p:cNvPr id="8" name="Image 7">
+            <a:extLst>
+              <a:ext uri="{FF2B5EF4-FFF2-40B4-BE49-F238E27FC236}">
+                <a16:creationId xmlns:a16="http://schemas.microsoft.com/office/drawing/2014/main" id="{3B897D74-F390-C5CF-B67F-D0CC0DD1FC49}"/>
+              </a:ext>
+            </a:extLst>
+          </p:cNvPr>
+          <p:cNvPicPr>
+            <a:picLocks noChangeAspect="1"/>
+          </p:cNvPicPr>
+          <p:nvPr/>
+        </p:nvPicPr>
+        <p:blipFill>
+          <a:blip r:embed="rId6">
+            <a:extLst>
+              <a:ext uri="{28A0092B-C50C-407E-A947-70E740481C1C}">
+                <a14:useLocalDpi xmlns:a14="http://schemas.microsoft.com/office/drawing/2010/main" val="0"/>
+              </a:ext>
+              <a:ext uri="{837473B0-CC2E-450A-ABE3-18F120FF3D39}">
+                <a1611:picAttrSrcUrl xmlns:a1611="http://schemas.microsoft.com/office/drawing/2016/11/main" r:id="rId7"/>
+              </a:ext>
+            </a:extLst>
+          </a:blip>
+          <a:srcRect/>
+          <a:stretch/>
+        </p:blipFill>
+        <p:spPr>
+          <a:xfrm>
+            <a:off x="4917903" y="170437"/>
+            <a:ext cx="2356194" cy="2356194"/>
+          </a:xfrm>
+          <a:prstGeom prst="rect">
+            <a:avLst/>
+          </a:prstGeom>
+        </p:spPr>
+      </p:pic>
+    </p:spTree>
+    <p:extLst>
+      <p:ext uri="{BB962C8B-B14F-4D97-AF65-F5344CB8AC3E}">
+        <p14:creationId xmlns:p14="http://schemas.microsoft.com/office/powerpoint/2010/main" val="505755479"/>
+      </p:ext>
+    </p:extLst>
+  </p:cSld>
+  <p:clrMapOvr>
+    <a:masterClrMapping/>
+  </p:clrMapOvr>
+  <p:transition spd="slow">
+    <p:randomBar dir="vert"/>
+  </p:transition>
+  <p:timing>
+    <p:tnLst>
+      <p:par>
+        <p:cTn id="1" dur="indefinite" restart="never" nodeType="tmRoot">
+          <p:childTnLst>
+            <p:seq concurrent="1" nextAc="seek">
+              <p:cTn id="2" dur="indefinite" nodeType="mainSeq">
+                <p:childTnLst>
+                  <p:par>
+                    <p:cTn id="3" fill="hold">
+                      <p:stCondLst>
+                        <p:cond delay="indefinite"/>
+                        <p:cond evt="onBegin" delay="0">
+                          <p:tn val="2"/>
+                        </p:cond>
+                      </p:stCondLst>
+                      <p:childTnLst>
+                        <p:par>
+                          <p:cTn id="4" fill="hold">
+                            <p:stCondLst>
+                              <p:cond delay="0"/>
+                            </p:stCondLst>
+                            <p:childTnLst>
+                              <p:par>
+                                <p:cTn id="5" presetID="21" presetClass="entr" presetSubtype="1" fill="hold" grpId="0" nodeType="afterEffect">
+                                  <p:stCondLst>
+                                    <p:cond delay="0"/>
+                                  </p:stCondLst>
+                                  <p:iterate type="lt">
+                                    <p:tmPct val="0"/>
+                                  </p:iterate>
+                                  <p:childTnLst>
+                                    <p:set>
+                                      <p:cBhvr>
+                                        <p:cTn id="6" dur="1" fill="hold">
+                                          <p:stCondLst>
+                                            <p:cond delay="0"/>
+                                          </p:stCondLst>
+                                        </p:cTn>
+                                        <p:tgtEl>
+                                          <p:spTgt spid="2"/>
+                                        </p:tgtEl>
+                                        <p:attrNameLst>
+                                          <p:attrName>style.visibility</p:attrName>
+                                        </p:attrNameLst>
+                                      </p:cBhvr>
+                                      <p:to>
+                                        <p:strVal val="visible"/>
+                                      </p:to>
+                                    </p:set>
+                                    <p:animEffect transition="in" filter="wheel(1)">
+                                      <p:cBhvr>
+                                        <p:cTn id="7" dur="1500"/>
+                                        <p:tgtEl>
+                                          <p:spTgt spid="2"/>
+                                        </p:tgtEl>
+                                      </p:cBhvr>
+                                    </p:animEffect>
+                                  </p:childTnLst>
+                                </p:cTn>
+                              </p:par>
+                            </p:childTnLst>
+                          </p:cTn>
+                        </p:par>
+                        <p:par>
+                          <p:cTn id="8" fill="hold">
+                            <p:stCondLst>
+                              <p:cond delay="1500"/>
+                            </p:stCondLst>
+                            <p:childTnLst>
+                              <p:par>
+                                <p:cTn id="9" presetID="34" presetClass="emph" presetSubtype="0" fill="hold" grpId="1" nodeType="afterEffect">
+                                  <p:stCondLst>
+                                    <p:cond delay="0"/>
+                                  </p:stCondLst>
+                                  <p:iterate type="lt">
+                                    <p:tmPct val="10000"/>
+                                  </p:iterate>
+                                  <p:childTnLst>
+                                    <p:animMotion origin="layout" path="M 0.0 0.0 L 0.0 -0.07213" pathEditMode="relative" ptsTypes="">
+                                      <p:cBhvr>
+                                        <p:cTn id="10" dur="250" accel="50000" decel="50000" autoRev="1" fill="hold">
+                                          <p:stCondLst>
+                                            <p:cond delay="0"/>
+                                          </p:stCondLst>
+                                        </p:cTn>
+                                        <p:tgtEl>
+                                          <p:spTgt spid="2"/>
+                                        </p:tgtEl>
+                                        <p:attrNameLst>
+                                          <p:attrName>ppt_x</p:attrName>
+                                          <p:attrName>ppt_y</p:attrName>
+                                        </p:attrNameLst>
+                                      </p:cBhvr>
+                                    </p:animMotion>
+                                    <p:animRot by="1500000">
+                                      <p:cBhvr>
+                                        <p:cTn id="11" dur="125" fill="hold">
+                                          <p:stCondLst>
+                                            <p:cond delay="0"/>
+                                          </p:stCondLst>
+                                        </p:cTn>
+                                        <p:tgtEl>
+                                          <p:spTgt spid="2"/>
+                                        </p:tgtEl>
+                                        <p:attrNameLst>
+                                          <p:attrName>r</p:attrName>
+                                        </p:attrNameLst>
+                                      </p:cBhvr>
+                                    </p:animRot>
+                                    <p:animRot by="-1500000">
+                                      <p:cBhvr>
+                                        <p:cTn id="12" dur="125" fill="hold">
+                                          <p:stCondLst>
+                                            <p:cond delay="125"/>
+                                          </p:stCondLst>
+                                        </p:cTn>
+                                        <p:tgtEl>
+                                          <p:spTgt spid="2"/>
+                                        </p:tgtEl>
+                                        <p:attrNameLst>
+                                          <p:attrName>r</p:attrName>
+                                        </p:attrNameLst>
+                                      </p:cBhvr>
+                                    </p:animRot>
+                                    <p:animRot by="-1500000">
+                                      <p:cBhvr>
+                                        <p:cTn id="13" dur="125" fill="hold">
+                                          <p:stCondLst>
+                                            <p:cond delay="250"/>
+                                          </p:stCondLst>
+                                        </p:cTn>
+                                        <p:tgtEl>
+                                          <p:spTgt spid="2"/>
+                                        </p:tgtEl>
+                                        <p:attrNameLst>
+                                          <p:attrName>r</p:attrName>
+                                        </p:attrNameLst>
+                                      </p:cBhvr>
+                                    </p:animRot>
+                                    <p:animRot by="1500000">
+                                      <p:cBhvr>
+                                        <p:cTn id="14" dur="125" fill="hold">
+                                          <p:stCondLst>
+                                            <p:cond delay="375"/>
+                                          </p:stCondLst>
+                                        </p:cTn>
+                                        <p:tgtEl>
+                                          <p:spTgt spid="2"/>
+                                        </p:tgtEl>
+                                        <p:attrNameLst>
+                                          <p:attrName>r</p:attrName>
+                                        </p:attrNameLst>
+                                      </p:cBhvr>
+                                    </p:animRot>
+                                  </p:childTnLst>
+                                </p:cTn>
+                              </p:par>
+                            </p:childTnLst>
+                          </p:cTn>
+                        </p:par>
+                      </p:childTnLst>
+                    </p:cTn>
+                  </p:par>
+                </p:childTnLst>
+              </p:cTn>
+              <p:prevCondLst>
+                <p:cond evt="onPrev" delay="0">
+                  <p:tgtEl>
+                    <p:sldTgt/>
+                  </p:tgtEl>
+                </p:cond>
+              </p:prevCondLst>
+              <p:nextCondLst>
+                <p:cond evt="onNext" delay="0">
+                  <p:tgtEl>
+                    <p:sldTgt/>
+                  </p:tgtEl>
+                </p:cond>
+              </p:nextCondLst>
+            </p:seq>
+          </p:childTnLst>
+        </p:cTn>
+      </p:par>
+    </p:tnLst>
+    <p:bldLst>
+      <p:bldP spid="2" grpId="0"/>
+      <p:bldP spid="2" grpId="1"/>
+    </p:bldLst>
+  </p:timing>
+</p:sld>
+</file>
+
+<file path=ppt/slides/slide28.xml><?xml version="1.0" encoding="utf-8"?>
+<p:sld xmlns:a="http://schemas.openxmlformats.org/drawingml/2006/main" xmlns:r="http://schemas.openxmlformats.org/officeDocument/2006/relationships" xmlns:p="http://schemas.openxmlformats.org/presentationml/2006/main">
+  <p:cSld>
+    <p:bg>
+      <p:bgPr>
+        <a:solidFill>
+          <a:schemeClr val="accent5">
+            <a:lumMod val="60000"/>
+            <a:lumOff val="40000"/>
+          </a:schemeClr>
+        </a:solidFill>
+        <a:effectLst/>
+      </p:bgPr>
+    </p:bg>
+    <p:spTree>
+      <p:nvGrpSpPr>
+        <p:cNvPr id="1" name=""/>
+        <p:cNvGrpSpPr/>
+        <p:nvPr/>
+      </p:nvGrpSpPr>
+      <p:grpSpPr>
+        <a:xfrm>
+          <a:off x="0" y="0"/>
+          <a:ext cx="0" cy="0"/>
+          <a:chOff x="0" y="0"/>
+          <a:chExt cx="0" cy="0"/>
+        </a:xfrm>
+      </p:grpSpPr>
+      <p:sp>
+        <p:nvSpPr>
+          <p:cNvPr id="2" name="Titre 1">
+            <a:extLst>
+              <a:ext uri="{FF2B5EF4-FFF2-40B4-BE49-F238E27FC236}">
+                <a16:creationId xmlns:a16="http://schemas.microsoft.com/office/drawing/2014/main" id="{A2A05C2A-FA5B-0C47-DFCA-B541AE48292D}"/>
+              </a:ext>
+            </a:extLst>
+          </p:cNvPr>
+          <p:cNvSpPr>
+            <a:spLocks noGrp="1"/>
+          </p:cNvSpPr>
+          <p:nvPr>
+            <p:ph type="title"/>
+          </p:nvPr>
+        </p:nvSpPr>
+        <p:spPr>
+          <a:xfrm>
+            <a:off x="838200" y="0"/>
+            <a:ext cx="10515600" cy="1325563"/>
+          </a:xfrm>
+        </p:spPr>
+        <p:txBody>
+          <a:bodyPr/>
+          <a:lstStyle/>
+          <a:p>
+            <a:pPr algn="ctr"/>
+            <a:r>
+              <a:rPr lang="fr-FR" b="1" dirty="0">
+                <a:solidFill>
+                  <a:srgbClr val="FF0000"/>
+                </a:solidFill>
+              </a:rPr>
+              <a:t>Index.html</a:t>
+            </a:r>
+          </a:p>
+        </p:txBody>
+      </p:sp>
+      <p:pic>
+        <p:nvPicPr>
+          <p:cNvPr id="5" name="Image 4">
+            <a:extLst>
+              <a:ext uri="{FF2B5EF4-FFF2-40B4-BE49-F238E27FC236}">
+                <a16:creationId xmlns:a16="http://schemas.microsoft.com/office/drawing/2014/main" id="{8F3152DB-EC7A-7E1F-A29B-B7311D7A223A}"/>
+              </a:ext>
+            </a:extLst>
+          </p:cNvPr>
+          <p:cNvPicPr>
+            <a:picLocks noChangeAspect="1"/>
+          </p:cNvPicPr>
+          <p:nvPr/>
+        </p:nvPicPr>
+        <p:blipFill>
+          <a:blip r:embed="rId2">
+            <a:extLst>
+              <a:ext uri="{28A0092B-C50C-407E-A947-70E740481C1C}">
+                <a14:useLocalDpi xmlns:a14="http://schemas.microsoft.com/office/drawing/2010/main" val="0"/>
+              </a:ext>
+            </a:extLst>
+          </a:blip>
+          <a:stretch>
+            <a:fillRect/>
+          </a:stretch>
+        </p:blipFill>
+        <p:spPr>
+          <a:xfrm>
+            <a:off x="0" y="1789354"/>
+            <a:ext cx="12192000" cy="3279291"/>
+          </a:xfrm>
+          <a:prstGeom prst="rect">
+            <a:avLst/>
+          </a:prstGeom>
+        </p:spPr>
+      </p:pic>
+    </p:spTree>
+    <p:extLst>
+      <p:ext uri="{BB962C8B-B14F-4D97-AF65-F5344CB8AC3E}">
+        <p14:creationId xmlns:p14="http://schemas.microsoft.com/office/powerpoint/2010/main" val="4166110538"/>
       </p:ext>
     </p:extLst>
   </p:cSld>

--- a/documentation/Dossier Projet/Projet Slides.pptx
+++ b/documentation/Dossier Projet/Projet Slides.pptx
@@ -286,7 +286,7 @@
           <a:p>
             <a:fld id="{DF1A0E04-5AF4-4F96-88E1-84AD98B488C9}" type="datetimeFigureOut">
               <a:rPr lang="fr-FR" smtClean="0"/>
-              <a:t>04/12/2024</a:t>
+              <a:t>05/12/2024</a:t>
             </a:fld>
             <a:endParaRPr lang="fr-FR"/>
           </a:p>
@@ -484,7 +484,7 @@
           <a:p>
             <a:fld id="{DF1A0E04-5AF4-4F96-88E1-84AD98B488C9}" type="datetimeFigureOut">
               <a:rPr lang="fr-FR" smtClean="0"/>
-              <a:t>04/12/2024</a:t>
+              <a:t>05/12/2024</a:t>
             </a:fld>
             <a:endParaRPr lang="fr-FR"/>
           </a:p>
@@ -692,7 +692,7 @@
           <a:p>
             <a:fld id="{DF1A0E04-5AF4-4F96-88E1-84AD98B488C9}" type="datetimeFigureOut">
               <a:rPr lang="fr-FR" smtClean="0"/>
-              <a:t>04/12/2024</a:t>
+              <a:t>05/12/2024</a:t>
             </a:fld>
             <a:endParaRPr lang="fr-FR"/>
           </a:p>
@@ -890,7 +890,7 @@
           <a:p>
             <a:fld id="{DF1A0E04-5AF4-4F96-88E1-84AD98B488C9}" type="datetimeFigureOut">
               <a:rPr lang="fr-FR" smtClean="0"/>
-              <a:t>04/12/2024</a:t>
+              <a:t>05/12/2024</a:t>
             </a:fld>
             <a:endParaRPr lang="fr-FR"/>
           </a:p>
@@ -1165,7 +1165,7 @@
           <a:p>
             <a:fld id="{DF1A0E04-5AF4-4F96-88E1-84AD98B488C9}" type="datetimeFigureOut">
               <a:rPr lang="fr-FR" smtClean="0"/>
-              <a:t>04/12/2024</a:t>
+              <a:t>05/12/2024</a:t>
             </a:fld>
             <a:endParaRPr lang="fr-FR"/>
           </a:p>
@@ -1430,7 +1430,7 @@
           <a:p>
             <a:fld id="{DF1A0E04-5AF4-4F96-88E1-84AD98B488C9}" type="datetimeFigureOut">
               <a:rPr lang="fr-FR" smtClean="0"/>
-              <a:t>04/12/2024</a:t>
+              <a:t>05/12/2024</a:t>
             </a:fld>
             <a:endParaRPr lang="fr-FR"/>
           </a:p>
@@ -1842,7 +1842,7 @@
           <a:p>
             <a:fld id="{DF1A0E04-5AF4-4F96-88E1-84AD98B488C9}" type="datetimeFigureOut">
               <a:rPr lang="fr-FR" smtClean="0"/>
-              <a:t>04/12/2024</a:t>
+              <a:t>05/12/2024</a:t>
             </a:fld>
             <a:endParaRPr lang="fr-FR"/>
           </a:p>
@@ -1983,7 +1983,7 @@
           <a:p>
             <a:fld id="{DF1A0E04-5AF4-4F96-88E1-84AD98B488C9}" type="datetimeFigureOut">
               <a:rPr lang="fr-FR" smtClean="0"/>
-              <a:t>04/12/2024</a:t>
+              <a:t>05/12/2024</a:t>
             </a:fld>
             <a:endParaRPr lang="fr-FR"/>
           </a:p>
@@ -2096,7 +2096,7 @@
           <a:p>
             <a:fld id="{DF1A0E04-5AF4-4F96-88E1-84AD98B488C9}" type="datetimeFigureOut">
               <a:rPr lang="fr-FR" smtClean="0"/>
-              <a:t>04/12/2024</a:t>
+              <a:t>05/12/2024</a:t>
             </a:fld>
             <a:endParaRPr lang="fr-FR"/>
           </a:p>
@@ -2407,7 +2407,7 @@
           <a:p>
             <a:fld id="{DF1A0E04-5AF4-4F96-88E1-84AD98B488C9}" type="datetimeFigureOut">
               <a:rPr lang="fr-FR" smtClean="0"/>
-              <a:t>04/12/2024</a:t>
+              <a:t>05/12/2024</a:t>
             </a:fld>
             <a:endParaRPr lang="fr-FR"/>
           </a:p>
@@ -2695,7 +2695,7 @@
           <a:p>
             <a:fld id="{DF1A0E04-5AF4-4F96-88E1-84AD98B488C9}" type="datetimeFigureOut">
               <a:rPr lang="fr-FR" smtClean="0"/>
-              <a:t>04/12/2024</a:t>
+              <a:t>05/12/2024</a:t>
             </a:fld>
             <a:endParaRPr lang="fr-FR"/>
           </a:p>
@@ -2936,7 +2936,7 @@
           <a:p>
             <a:fld id="{DF1A0E04-5AF4-4F96-88E1-84AD98B488C9}" type="datetimeFigureOut">
               <a:rPr lang="fr-FR" smtClean="0"/>
-              <a:t>04/12/2024</a:t>
+              <a:t>05/12/2024</a:t>
             </a:fld>
             <a:endParaRPr lang="fr-FR"/>
           </a:p>
@@ -6125,13 +6125,13 @@
   <p:clrMapOvr>
     <a:masterClrMapping/>
   </p:clrMapOvr>
-  <mc:AlternateContent xmlns:mc="http://schemas.openxmlformats.org/markup-compatibility/2006">
-    <mc:Choice xmlns:p14="http://schemas.microsoft.com/office/powerpoint/2010/main" Requires="p14">
+  <mc:AlternateContent xmlns:mc="http://schemas.openxmlformats.org/markup-compatibility/2006" xmlns:p14="http://schemas.microsoft.com/office/powerpoint/2010/main">
+    <mc:Choice Requires="p14">
       <p:transition spd="slow" p14:dur="1200">
         <p:dissolve/>
       </p:transition>
     </mc:Choice>
-    <mc:Fallback>
+    <mc:Fallback xmlns="">
       <p:transition spd="slow">
         <p:dissolve/>
       </p:transition>
@@ -7163,7 +7163,7 @@
             </a:pPr>
             <a:r>
               <a:rPr lang="fr-FR" dirty="0"/>
-              <a:t>MySQL</a:t>
+              <a:t>SQL</a:t>
             </a:r>
           </a:p>
           <a:p>
@@ -8681,14 +8681,13 @@
               </a:ext>
             </a:extLst>
           </a:blip>
-          <a:stretch>
-            <a:fillRect/>
-          </a:stretch>
+          <a:srcRect/>
+          <a:stretch/>
         </p:blipFill>
         <p:spPr>
           <a:xfrm>
-            <a:off x="184556" y="1310639"/>
-            <a:ext cx="6914824" cy="5360459"/>
+            <a:off x="184556" y="1610282"/>
+            <a:ext cx="6914824" cy="4761172"/>
           </a:xfrm>
           <a:prstGeom prst="rect">
             <a:avLst/>

--- a/documentation/Dossier Projet/Projet Slides.pptx
+++ b/documentation/Dossier Projet/Projet Slides.pptx
@@ -33,6 +33,22 @@
     <p:sldId id="281" r:id="rId27"/>
     <p:sldId id="282" r:id="rId28"/>
     <p:sldId id="283" r:id="rId29"/>
+    <p:sldId id="285" r:id="rId30"/>
+    <p:sldId id="284" r:id="rId31"/>
+    <p:sldId id="286" r:id="rId32"/>
+    <p:sldId id="287" r:id="rId33"/>
+    <p:sldId id="288" r:id="rId34"/>
+    <p:sldId id="289" r:id="rId35"/>
+    <p:sldId id="290" r:id="rId36"/>
+    <p:sldId id="291" r:id="rId37"/>
+    <p:sldId id="292" r:id="rId38"/>
+    <p:sldId id="293" r:id="rId39"/>
+    <p:sldId id="294" r:id="rId40"/>
+    <p:sldId id="295" r:id="rId41"/>
+    <p:sldId id="296" r:id="rId42"/>
+    <p:sldId id="297" r:id="rId43"/>
+    <p:sldId id="298" r:id="rId44"/>
+    <p:sldId id="299" r:id="rId45"/>
   </p:sldIdLst>
   <p:sldSz cx="12192000" cy="6858000"/>
   <p:notesSz cx="6858000" cy="9144000"/>
@@ -7014,6 +7030,338 @@
   <p:clrMapOvr>
     <a:masterClrMapping/>
   </p:clrMapOvr>
+</p:sld>
+</file>
+
+<file path=ppt/slides/slide29.xml><?xml version="1.0" encoding="utf-8"?>
+<p:sld xmlns:a="http://schemas.openxmlformats.org/drawingml/2006/main" xmlns:r="http://schemas.openxmlformats.org/officeDocument/2006/relationships" xmlns:p="http://schemas.openxmlformats.org/presentationml/2006/main">
+  <p:cSld>
+    <p:bg>
+      <p:bgPr>
+        <a:solidFill>
+          <a:schemeClr val="accent5">
+            <a:lumMod val="60000"/>
+            <a:lumOff val="40000"/>
+          </a:schemeClr>
+        </a:solidFill>
+        <a:effectLst/>
+      </p:bgPr>
+    </p:bg>
+    <p:spTree>
+      <p:nvGrpSpPr>
+        <p:cNvPr id="1" name="">
+          <a:extLst>
+            <a:ext uri="{FF2B5EF4-FFF2-40B4-BE49-F238E27FC236}">
+              <a16:creationId xmlns:a16="http://schemas.microsoft.com/office/drawing/2014/main" id="{955B037F-C26F-B326-B807-F5503421A8AE}"/>
+            </a:ext>
+          </a:extLst>
+        </p:cNvPr>
+        <p:cNvGrpSpPr/>
+        <p:nvPr/>
+      </p:nvGrpSpPr>
+      <p:grpSpPr>
+        <a:xfrm>
+          <a:off x="0" y="0"/>
+          <a:ext cx="0" cy="0"/>
+          <a:chOff x="0" y="0"/>
+          <a:chExt cx="0" cy="0"/>
+        </a:xfrm>
+      </p:grpSpPr>
+      <p:sp>
+        <p:nvSpPr>
+          <p:cNvPr id="2" name="Titre 1">
+            <a:extLst>
+              <a:ext uri="{FF2B5EF4-FFF2-40B4-BE49-F238E27FC236}">
+                <a16:creationId xmlns:a16="http://schemas.microsoft.com/office/drawing/2014/main" id="{4918C592-C9CF-366D-C622-A6C76E365529}"/>
+              </a:ext>
+            </a:extLst>
+          </p:cNvPr>
+          <p:cNvSpPr>
+            <a:spLocks noGrp="1"/>
+          </p:cNvSpPr>
+          <p:nvPr>
+            <p:ph type="title"/>
+          </p:nvPr>
+        </p:nvSpPr>
+        <p:spPr>
+          <a:xfrm>
+            <a:off x="838200" y="0"/>
+            <a:ext cx="10515600" cy="1325563"/>
+          </a:xfrm>
+        </p:spPr>
+        <p:txBody>
+          <a:bodyPr/>
+          <a:lstStyle/>
+          <a:p>
+            <a:pPr algn="ctr"/>
+            <a:r>
+              <a:rPr lang="fr-FR" b="1" dirty="0">
+                <a:solidFill>
+                  <a:srgbClr val="FF0000"/>
+                </a:solidFill>
+              </a:rPr>
+              <a:t>Configuration </a:t>
+            </a:r>
+            <a:r>
+              <a:rPr lang="fr-FR" b="1" dirty="0" err="1">
+                <a:solidFill>
+                  <a:srgbClr val="FF0000"/>
+                </a:solidFill>
+              </a:rPr>
+              <a:t>Tailwind</a:t>
+            </a:r>
+            <a:endParaRPr lang="fr-FR" b="1" dirty="0">
+              <a:solidFill>
+                <a:srgbClr val="FF0000"/>
+              </a:solidFill>
+            </a:endParaRPr>
+          </a:p>
+        </p:txBody>
+      </p:sp>
+      <p:pic>
+        <p:nvPicPr>
+          <p:cNvPr id="5" name="Image 4">
+            <a:extLst>
+              <a:ext uri="{FF2B5EF4-FFF2-40B4-BE49-F238E27FC236}">
+                <a16:creationId xmlns:a16="http://schemas.microsoft.com/office/drawing/2014/main" id="{20566BBD-3A60-AABE-6B02-76312BEAE92E}"/>
+              </a:ext>
+            </a:extLst>
+          </p:cNvPr>
+          <p:cNvPicPr>
+            <a:picLocks noChangeAspect="1"/>
+          </p:cNvPicPr>
+          <p:nvPr/>
+        </p:nvPicPr>
+        <p:blipFill>
+          <a:blip r:embed="rId2">
+            <a:extLst>
+              <a:ext uri="{28A0092B-C50C-407E-A947-70E740481C1C}">
+                <a14:useLocalDpi xmlns:a14="http://schemas.microsoft.com/office/drawing/2010/main" val="0"/>
+              </a:ext>
+            </a:extLst>
+          </a:blip>
+          <a:srcRect/>
+          <a:stretch/>
+        </p:blipFill>
+        <p:spPr>
+          <a:xfrm>
+            <a:off x="0" y="997503"/>
+            <a:ext cx="6168534" cy="3279291"/>
+          </a:xfrm>
+          <a:prstGeom prst="rect">
+            <a:avLst/>
+          </a:prstGeom>
+        </p:spPr>
+      </p:pic>
+      <p:pic>
+        <p:nvPicPr>
+          <p:cNvPr id="3" name="Image 2">
+            <a:extLst>
+              <a:ext uri="{FF2B5EF4-FFF2-40B4-BE49-F238E27FC236}">
+                <a16:creationId xmlns:a16="http://schemas.microsoft.com/office/drawing/2014/main" id="{D881AABF-6968-2709-DD1C-DB5DE45CEC1E}"/>
+              </a:ext>
+            </a:extLst>
+          </p:cNvPr>
+          <p:cNvPicPr>
+            <a:picLocks noChangeAspect="1"/>
+          </p:cNvPicPr>
+          <p:nvPr/>
+        </p:nvPicPr>
+        <p:blipFill>
+          <a:blip r:embed="rId3">
+            <a:extLst>
+              <a:ext uri="{28A0092B-C50C-407E-A947-70E740481C1C}">
+                <a14:useLocalDpi xmlns:a14="http://schemas.microsoft.com/office/drawing/2010/main" val="0"/>
+              </a:ext>
+            </a:extLst>
+          </a:blip>
+          <a:srcRect/>
+          <a:stretch/>
+        </p:blipFill>
+        <p:spPr>
+          <a:xfrm>
+            <a:off x="6096000" y="1247055"/>
+            <a:ext cx="6096000" cy="2780185"/>
+          </a:xfrm>
+          <a:prstGeom prst="rect">
+            <a:avLst/>
+          </a:prstGeom>
+        </p:spPr>
+      </p:pic>
+    </p:spTree>
+    <p:extLst>
+      <p:ext uri="{BB962C8B-B14F-4D97-AF65-F5344CB8AC3E}">
+        <p14:creationId xmlns:p14="http://schemas.microsoft.com/office/powerpoint/2010/main" val="1589914144"/>
+      </p:ext>
+    </p:extLst>
+  </p:cSld>
+  <p:clrMapOvr>
+    <a:masterClrMapping/>
+  </p:clrMapOvr>
+  <p:timing>
+    <p:tnLst>
+      <p:par>
+        <p:cTn id="1" dur="indefinite" restart="never" nodeType="tmRoot">
+          <p:childTnLst>
+            <p:seq concurrent="1" nextAc="seek">
+              <p:cTn id="2" dur="indefinite" nodeType="mainSeq">
+                <p:childTnLst>
+                  <p:par>
+                    <p:cTn id="3" fill="hold">
+                      <p:stCondLst>
+                        <p:cond delay="indefinite"/>
+                      </p:stCondLst>
+                      <p:childTnLst>
+                        <p:par>
+                          <p:cTn id="4" fill="hold">
+                            <p:stCondLst>
+                              <p:cond delay="0"/>
+                            </p:stCondLst>
+                            <p:childTnLst>
+                              <p:par>
+                                <p:cTn id="5" presetID="22" presetClass="entr" presetSubtype="4" fill="hold" nodeType="clickEffect">
+                                  <p:stCondLst>
+                                    <p:cond delay="0"/>
+                                  </p:stCondLst>
+                                  <p:childTnLst>
+                                    <p:set>
+                                      <p:cBhvr>
+                                        <p:cTn id="6" dur="1" fill="hold">
+                                          <p:stCondLst>
+                                            <p:cond delay="0"/>
+                                          </p:stCondLst>
+                                        </p:cTn>
+                                        <p:tgtEl>
+                                          <p:spTgt spid="5"/>
+                                        </p:tgtEl>
+                                        <p:attrNameLst>
+                                          <p:attrName>style.visibility</p:attrName>
+                                        </p:attrNameLst>
+                                      </p:cBhvr>
+                                      <p:to>
+                                        <p:strVal val="visible"/>
+                                      </p:to>
+                                    </p:set>
+                                    <p:animEffect transition="in" filter="wipe(down)">
+                                      <p:cBhvr>
+                                        <p:cTn id="7" dur="500"/>
+                                        <p:tgtEl>
+                                          <p:spTgt spid="5"/>
+                                        </p:tgtEl>
+                                      </p:cBhvr>
+                                    </p:animEffect>
+                                  </p:childTnLst>
+                                </p:cTn>
+                              </p:par>
+                              <p:par>
+                                <p:cTn id="8" presetID="45" presetClass="entr" presetSubtype="0" fill="hold" nodeType="withEffect">
+                                  <p:stCondLst>
+                                    <p:cond delay="0"/>
+                                  </p:stCondLst>
+                                  <p:childTnLst>
+                                    <p:set>
+                                      <p:cBhvr>
+                                        <p:cTn id="9" dur="1" fill="hold">
+                                          <p:stCondLst>
+                                            <p:cond delay="0"/>
+                                          </p:stCondLst>
+                                        </p:cTn>
+                                        <p:tgtEl>
+                                          <p:spTgt spid="3"/>
+                                        </p:tgtEl>
+                                        <p:attrNameLst>
+                                          <p:attrName>style.visibility</p:attrName>
+                                        </p:attrNameLst>
+                                      </p:cBhvr>
+                                      <p:to>
+                                        <p:strVal val="visible"/>
+                                      </p:to>
+                                    </p:set>
+                                    <p:animEffect transition="in" filter="fade">
+                                      <p:cBhvr>
+                                        <p:cTn id="10" dur="2000"/>
+                                        <p:tgtEl>
+                                          <p:spTgt spid="3"/>
+                                        </p:tgtEl>
+                                      </p:cBhvr>
+                                    </p:animEffect>
+                                    <p:anim calcmode="lin" valueType="num">
+                                      <p:cBhvr>
+                                        <p:cTn id="11" dur="2000" fill="hold"/>
+                                        <p:tgtEl>
+                                          <p:spTgt spid="3"/>
+                                        </p:tgtEl>
+                                        <p:attrNameLst>
+                                          <p:attrName>ppt_w</p:attrName>
+                                        </p:attrNameLst>
+                                      </p:cBhvr>
+                                      <p:tavLst>
+                                        <p:tav tm="0" fmla="#ppt_w*sin(2.5*pi*$)">
+                                          <p:val>
+                                            <p:fltVal val="0"/>
+                                          </p:val>
+                                        </p:tav>
+                                        <p:tav tm="100000">
+                                          <p:val>
+                                            <p:fltVal val="1"/>
+                                          </p:val>
+                                        </p:tav>
+                                      </p:tavLst>
+                                    </p:anim>
+                                    <p:anim calcmode="lin" valueType="num">
+                                      <p:cBhvr>
+                                        <p:cTn id="12" dur="2000" fill="hold"/>
+                                        <p:tgtEl>
+                                          <p:spTgt spid="3"/>
+                                        </p:tgtEl>
+                                        <p:attrNameLst>
+                                          <p:attrName>ppt_h</p:attrName>
+                                        </p:attrNameLst>
+                                      </p:cBhvr>
+                                      <p:tavLst>
+                                        <p:tav tm="0">
+                                          <p:val>
+                                            <p:strVal val="#ppt_h"/>
+                                          </p:val>
+                                        </p:tav>
+                                        <p:tav tm="100000">
+                                          <p:val>
+                                            <p:strVal val="#ppt_h"/>
+                                          </p:val>
+                                        </p:tav>
+                                      </p:tavLst>
+                                    </p:anim>
+                                  </p:childTnLst>
+                                </p:cTn>
+                              </p:par>
+                            </p:childTnLst>
+                          </p:cTn>
+                        </p:par>
+                      </p:childTnLst>
+                    </p:cTn>
+                  </p:par>
+                </p:childTnLst>
+              </p:cTn>
+              <p:prevCondLst>
+                <p:cond evt="onPrev" delay="0">
+                  <p:tgtEl>
+                    <p:sldTgt/>
+                  </p:tgtEl>
+                </p:cond>
+              </p:prevCondLst>
+              <p:nextCondLst>
+                <p:cond evt="onNext" delay="0">
+                  <p:tgtEl>
+                    <p:sldTgt/>
+                  </p:tgtEl>
+                </p:cond>
+              </p:nextCondLst>
+            </p:seq>
+          </p:childTnLst>
+        </p:cTn>
+      </p:par>
+    </p:tnLst>
+  </p:timing>
 </p:sld>
 </file>
 
@@ -7650,6 +7998,1276 @@
 </p:sld>
 </file>
 
+<file path=ppt/slides/slide30.xml><?xml version="1.0" encoding="utf-8"?>
+<p:sld xmlns:a="http://schemas.openxmlformats.org/drawingml/2006/main" xmlns:r="http://schemas.openxmlformats.org/officeDocument/2006/relationships" xmlns:p="http://schemas.openxmlformats.org/presentationml/2006/main">
+  <p:cSld>
+    <p:bg>
+      <p:bgPr>
+        <a:solidFill>
+          <a:schemeClr val="accent5">
+            <a:lumMod val="60000"/>
+            <a:lumOff val="40000"/>
+          </a:schemeClr>
+        </a:solidFill>
+        <a:effectLst/>
+      </p:bgPr>
+    </p:bg>
+    <p:spTree>
+      <p:nvGrpSpPr>
+        <p:cNvPr id="1" name="">
+          <a:extLst>
+            <a:ext uri="{FF2B5EF4-FFF2-40B4-BE49-F238E27FC236}">
+              <a16:creationId xmlns:a16="http://schemas.microsoft.com/office/drawing/2014/main" id="{4F2C6B43-56F9-5B54-7081-8AC3A01C3B50}"/>
+            </a:ext>
+          </a:extLst>
+        </p:cNvPr>
+        <p:cNvGrpSpPr/>
+        <p:nvPr/>
+      </p:nvGrpSpPr>
+      <p:grpSpPr>
+        <a:xfrm>
+          <a:off x="0" y="0"/>
+          <a:ext cx="0" cy="0"/>
+          <a:chOff x="0" y="0"/>
+          <a:chExt cx="0" cy="0"/>
+        </a:xfrm>
+      </p:grpSpPr>
+      <p:sp>
+        <p:nvSpPr>
+          <p:cNvPr id="2" name="Titre 1">
+            <a:extLst>
+              <a:ext uri="{FF2B5EF4-FFF2-40B4-BE49-F238E27FC236}">
+                <a16:creationId xmlns:a16="http://schemas.microsoft.com/office/drawing/2014/main" id="{395F1111-AEC4-AF27-C6C5-A4182E064470}"/>
+              </a:ext>
+            </a:extLst>
+          </p:cNvPr>
+          <p:cNvSpPr>
+            <a:spLocks noGrp="1"/>
+          </p:cNvSpPr>
+          <p:nvPr>
+            <p:ph type="title"/>
+          </p:nvPr>
+        </p:nvSpPr>
+        <p:spPr>
+          <a:xfrm>
+            <a:off x="838200" y="0"/>
+            <a:ext cx="10515600" cy="1325563"/>
+          </a:xfrm>
+        </p:spPr>
+        <p:txBody>
+          <a:bodyPr/>
+          <a:lstStyle/>
+          <a:p>
+            <a:pPr algn="ctr"/>
+            <a:r>
+              <a:rPr lang="fr-FR" b="1" dirty="0">
+                <a:solidFill>
+                  <a:srgbClr val="FF0000"/>
+                </a:solidFill>
+              </a:rPr>
+              <a:t>Inscription.html</a:t>
+            </a:r>
+          </a:p>
+        </p:txBody>
+      </p:sp>
+      <p:pic>
+        <p:nvPicPr>
+          <p:cNvPr id="5" name="Image 4">
+            <a:extLst>
+              <a:ext uri="{FF2B5EF4-FFF2-40B4-BE49-F238E27FC236}">
+                <a16:creationId xmlns:a16="http://schemas.microsoft.com/office/drawing/2014/main" id="{B1E50B43-9BFC-6174-50BE-BB3D9DC6518B}"/>
+              </a:ext>
+            </a:extLst>
+          </p:cNvPr>
+          <p:cNvPicPr>
+            <a:picLocks noChangeAspect="1"/>
+          </p:cNvPicPr>
+          <p:nvPr/>
+        </p:nvPicPr>
+        <p:blipFill>
+          <a:blip r:embed="rId2">
+            <a:extLst>
+              <a:ext uri="{28A0092B-C50C-407E-A947-70E740481C1C}">
+                <a14:useLocalDpi xmlns:a14="http://schemas.microsoft.com/office/drawing/2010/main" val="0"/>
+              </a:ext>
+            </a:extLst>
+          </a:blip>
+          <a:srcRect/>
+          <a:stretch/>
+        </p:blipFill>
+        <p:spPr>
+          <a:xfrm>
+            <a:off x="0" y="2864385"/>
+            <a:ext cx="12192000" cy="1129229"/>
+          </a:xfrm>
+          <a:prstGeom prst="rect">
+            <a:avLst/>
+          </a:prstGeom>
+        </p:spPr>
+      </p:pic>
+    </p:spTree>
+    <p:extLst>
+      <p:ext uri="{BB962C8B-B14F-4D97-AF65-F5344CB8AC3E}">
+        <p14:creationId xmlns:p14="http://schemas.microsoft.com/office/powerpoint/2010/main" val="1995316974"/>
+      </p:ext>
+    </p:extLst>
+  </p:cSld>
+  <p:clrMapOvr>
+    <a:masterClrMapping/>
+  </p:clrMapOvr>
+</p:sld>
+</file>
+
+<file path=ppt/slides/slide31.xml><?xml version="1.0" encoding="utf-8"?>
+<p:sld xmlns:a="http://schemas.openxmlformats.org/drawingml/2006/main" xmlns:r="http://schemas.openxmlformats.org/officeDocument/2006/relationships" xmlns:p="http://schemas.openxmlformats.org/presentationml/2006/main">
+  <p:cSld>
+    <p:bg>
+      <p:bgPr>
+        <a:solidFill>
+          <a:schemeClr val="accent5">
+            <a:lumMod val="60000"/>
+            <a:lumOff val="40000"/>
+          </a:schemeClr>
+        </a:solidFill>
+        <a:effectLst/>
+      </p:bgPr>
+    </p:bg>
+    <p:spTree>
+      <p:nvGrpSpPr>
+        <p:cNvPr id="1" name="">
+          <a:extLst>
+            <a:ext uri="{FF2B5EF4-FFF2-40B4-BE49-F238E27FC236}">
+              <a16:creationId xmlns:a16="http://schemas.microsoft.com/office/drawing/2014/main" id="{B8A2EF97-E345-C88F-5308-2430F3649A4F}"/>
+            </a:ext>
+          </a:extLst>
+        </p:cNvPr>
+        <p:cNvGrpSpPr/>
+        <p:nvPr/>
+      </p:nvGrpSpPr>
+      <p:grpSpPr>
+        <a:xfrm>
+          <a:off x="0" y="0"/>
+          <a:ext cx="0" cy="0"/>
+          <a:chOff x="0" y="0"/>
+          <a:chExt cx="0" cy="0"/>
+        </a:xfrm>
+      </p:grpSpPr>
+      <p:sp>
+        <p:nvSpPr>
+          <p:cNvPr id="2" name="Titre 1">
+            <a:extLst>
+              <a:ext uri="{FF2B5EF4-FFF2-40B4-BE49-F238E27FC236}">
+                <a16:creationId xmlns:a16="http://schemas.microsoft.com/office/drawing/2014/main" id="{F9D2A677-E0B0-4A36-EF47-BAA7C94034EB}"/>
+              </a:ext>
+            </a:extLst>
+          </p:cNvPr>
+          <p:cNvSpPr>
+            <a:spLocks noGrp="1"/>
+          </p:cNvSpPr>
+          <p:nvPr>
+            <p:ph type="title"/>
+          </p:nvPr>
+        </p:nvSpPr>
+        <p:spPr>
+          <a:xfrm>
+            <a:off x="838200" y="0"/>
+            <a:ext cx="10515600" cy="1325563"/>
+          </a:xfrm>
+        </p:spPr>
+        <p:txBody>
+          <a:bodyPr/>
+          <a:lstStyle/>
+          <a:p>
+            <a:pPr algn="ctr"/>
+            <a:r>
+              <a:rPr lang="fr-FR" b="1" dirty="0">
+                <a:solidFill>
+                  <a:srgbClr val="FF0000"/>
+                </a:solidFill>
+              </a:rPr>
+              <a:t>Connexion.html</a:t>
+            </a:r>
+          </a:p>
+        </p:txBody>
+      </p:sp>
+      <p:pic>
+        <p:nvPicPr>
+          <p:cNvPr id="5" name="Image 4">
+            <a:extLst>
+              <a:ext uri="{FF2B5EF4-FFF2-40B4-BE49-F238E27FC236}">
+                <a16:creationId xmlns:a16="http://schemas.microsoft.com/office/drawing/2014/main" id="{4EF72D8C-B8F4-8C93-F72D-697736A43997}"/>
+              </a:ext>
+            </a:extLst>
+          </p:cNvPr>
+          <p:cNvPicPr>
+            <a:picLocks noChangeAspect="1"/>
+          </p:cNvPicPr>
+          <p:nvPr/>
+        </p:nvPicPr>
+        <p:blipFill>
+          <a:blip r:embed="rId2">
+            <a:extLst>
+              <a:ext uri="{28A0092B-C50C-407E-A947-70E740481C1C}">
+                <a14:useLocalDpi xmlns:a14="http://schemas.microsoft.com/office/drawing/2010/main" val="0"/>
+              </a:ext>
+            </a:extLst>
+          </a:blip>
+          <a:srcRect/>
+          <a:stretch/>
+        </p:blipFill>
+        <p:spPr>
+          <a:xfrm>
+            <a:off x="0" y="2881694"/>
+            <a:ext cx="12192000" cy="1094610"/>
+          </a:xfrm>
+          <a:prstGeom prst="rect">
+            <a:avLst/>
+          </a:prstGeom>
+        </p:spPr>
+      </p:pic>
+    </p:spTree>
+    <p:extLst>
+      <p:ext uri="{BB962C8B-B14F-4D97-AF65-F5344CB8AC3E}">
+        <p14:creationId xmlns:p14="http://schemas.microsoft.com/office/powerpoint/2010/main" val="2608331696"/>
+      </p:ext>
+    </p:extLst>
+  </p:cSld>
+  <p:clrMapOvr>
+    <a:masterClrMapping/>
+  </p:clrMapOvr>
+</p:sld>
+</file>
+
+<file path=ppt/slides/slide32.xml><?xml version="1.0" encoding="utf-8"?>
+<p:sld xmlns:a="http://schemas.openxmlformats.org/drawingml/2006/main" xmlns:r="http://schemas.openxmlformats.org/officeDocument/2006/relationships" xmlns:p="http://schemas.openxmlformats.org/presentationml/2006/main">
+  <p:cSld>
+    <p:bg>
+      <p:bgPr>
+        <a:solidFill>
+          <a:schemeClr val="accent5">
+            <a:lumMod val="60000"/>
+            <a:lumOff val="40000"/>
+          </a:schemeClr>
+        </a:solidFill>
+        <a:effectLst/>
+      </p:bgPr>
+    </p:bg>
+    <p:spTree>
+      <p:nvGrpSpPr>
+        <p:cNvPr id="1" name="">
+          <a:extLst>
+            <a:ext uri="{FF2B5EF4-FFF2-40B4-BE49-F238E27FC236}">
+              <a16:creationId xmlns:a16="http://schemas.microsoft.com/office/drawing/2014/main" id="{0B60F166-C4F3-83D2-DC62-B6BC562D8232}"/>
+            </a:ext>
+          </a:extLst>
+        </p:cNvPr>
+        <p:cNvGrpSpPr/>
+        <p:nvPr/>
+      </p:nvGrpSpPr>
+      <p:grpSpPr>
+        <a:xfrm>
+          <a:off x="0" y="0"/>
+          <a:ext cx="0" cy="0"/>
+          <a:chOff x="0" y="0"/>
+          <a:chExt cx="0" cy="0"/>
+        </a:xfrm>
+      </p:grpSpPr>
+      <p:sp>
+        <p:nvSpPr>
+          <p:cNvPr id="2" name="Titre 1">
+            <a:extLst>
+              <a:ext uri="{FF2B5EF4-FFF2-40B4-BE49-F238E27FC236}">
+                <a16:creationId xmlns:a16="http://schemas.microsoft.com/office/drawing/2014/main" id="{92C766A1-23C1-5871-F199-7F044DD4042E}"/>
+              </a:ext>
+            </a:extLst>
+          </p:cNvPr>
+          <p:cNvSpPr>
+            <a:spLocks noGrp="1"/>
+          </p:cNvSpPr>
+          <p:nvPr>
+            <p:ph type="title"/>
+          </p:nvPr>
+        </p:nvSpPr>
+        <p:spPr>
+          <a:xfrm>
+            <a:off x="838200" y="0"/>
+            <a:ext cx="10515600" cy="1325563"/>
+          </a:xfrm>
+        </p:spPr>
+        <p:txBody>
+          <a:bodyPr/>
+          <a:lstStyle/>
+          <a:p>
+            <a:pPr algn="ctr"/>
+            <a:r>
+              <a:rPr lang="fr-FR" b="1" dirty="0">
+                <a:solidFill>
+                  <a:srgbClr val="FF0000"/>
+                </a:solidFill>
+              </a:rPr>
+              <a:t>Accueil.html</a:t>
+            </a:r>
+          </a:p>
+        </p:txBody>
+      </p:sp>
+      <p:pic>
+        <p:nvPicPr>
+          <p:cNvPr id="5" name="Image 4">
+            <a:extLst>
+              <a:ext uri="{FF2B5EF4-FFF2-40B4-BE49-F238E27FC236}">
+                <a16:creationId xmlns:a16="http://schemas.microsoft.com/office/drawing/2014/main" id="{925ECBAE-5D82-734D-E3C5-219A888F2210}"/>
+              </a:ext>
+            </a:extLst>
+          </p:cNvPr>
+          <p:cNvPicPr>
+            <a:picLocks noChangeAspect="1"/>
+          </p:cNvPicPr>
+          <p:nvPr/>
+        </p:nvPicPr>
+        <p:blipFill>
+          <a:blip r:embed="rId2">
+            <a:extLst>
+              <a:ext uri="{28A0092B-C50C-407E-A947-70E740481C1C}">
+                <a14:useLocalDpi xmlns:a14="http://schemas.microsoft.com/office/drawing/2010/main" val="0"/>
+              </a:ext>
+            </a:extLst>
+          </a:blip>
+          <a:srcRect/>
+          <a:stretch/>
+        </p:blipFill>
+        <p:spPr>
+          <a:xfrm>
+            <a:off x="1" y="911491"/>
+            <a:ext cx="12192000" cy="4350527"/>
+          </a:xfrm>
+          <a:prstGeom prst="rect">
+            <a:avLst/>
+          </a:prstGeom>
+        </p:spPr>
+      </p:pic>
+    </p:spTree>
+    <p:extLst>
+      <p:ext uri="{BB962C8B-B14F-4D97-AF65-F5344CB8AC3E}">
+        <p14:creationId xmlns:p14="http://schemas.microsoft.com/office/powerpoint/2010/main" val="1666822083"/>
+      </p:ext>
+    </p:extLst>
+  </p:cSld>
+  <p:clrMapOvr>
+    <a:masterClrMapping/>
+  </p:clrMapOvr>
+</p:sld>
+</file>
+
+<file path=ppt/slides/slide33.xml><?xml version="1.0" encoding="utf-8"?>
+<p:sld xmlns:a="http://schemas.openxmlformats.org/drawingml/2006/main" xmlns:r="http://schemas.openxmlformats.org/officeDocument/2006/relationships" xmlns:p="http://schemas.openxmlformats.org/presentationml/2006/main">
+  <p:cSld>
+    <p:bg>
+      <p:bgPr>
+        <a:solidFill>
+          <a:schemeClr val="accent5">
+            <a:lumMod val="60000"/>
+            <a:lumOff val="40000"/>
+          </a:schemeClr>
+        </a:solidFill>
+        <a:effectLst/>
+      </p:bgPr>
+    </p:bg>
+    <p:spTree>
+      <p:nvGrpSpPr>
+        <p:cNvPr id="1" name="">
+          <a:extLst>
+            <a:ext uri="{FF2B5EF4-FFF2-40B4-BE49-F238E27FC236}">
+              <a16:creationId xmlns:a16="http://schemas.microsoft.com/office/drawing/2014/main" id="{D01216C4-BCF2-7B1A-EBD3-BDEB16FB0631}"/>
+            </a:ext>
+          </a:extLst>
+        </p:cNvPr>
+        <p:cNvGrpSpPr/>
+        <p:nvPr/>
+      </p:nvGrpSpPr>
+      <p:grpSpPr>
+        <a:xfrm>
+          <a:off x="0" y="0"/>
+          <a:ext cx="0" cy="0"/>
+          <a:chOff x="0" y="0"/>
+          <a:chExt cx="0" cy="0"/>
+        </a:xfrm>
+      </p:grpSpPr>
+      <p:sp>
+        <p:nvSpPr>
+          <p:cNvPr id="2" name="Titre 1">
+            <a:extLst>
+              <a:ext uri="{FF2B5EF4-FFF2-40B4-BE49-F238E27FC236}">
+                <a16:creationId xmlns:a16="http://schemas.microsoft.com/office/drawing/2014/main" id="{A251EB36-BD04-D04E-EE90-D4EABB29A0B1}"/>
+              </a:ext>
+            </a:extLst>
+          </p:cNvPr>
+          <p:cNvSpPr>
+            <a:spLocks noGrp="1"/>
+          </p:cNvSpPr>
+          <p:nvPr>
+            <p:ph type="title"/>
+          </p:nvPr>
+        </p:nvSpPr>
+        <p:spPr>
+          <a:xfrm>
+            <a:off x="838200" y="0"/>
+            <a:ext cx="10515600" cy="1325563"/>
+          </a:xfrm>
+        </p:spPr>
+        <p:txBody>
+          <a:bodyPr/>
+          <a:lstStyle/>
+          <a:p>
+            <a:pPr algn="ctr"/>
+            <a:r>
+              <a:rPr lang="fr-FR" b="1" dirty="0">
+                <a:solidFill>
+                  <a:srgbClr val="FF0000"/>
+                </a:solidFill>
+              </a:rPr>
+              <a:t>Accueil_admin.html</a:t>
+            </a:r>
+          </a:p>
+        </p:txBody>
+      </p:sp>
+      <p:pic>
+        <p:nvPicPr>
+          <p:cNvPr id="5" name="Image 4">
+            <a:extLst>
+              <a:ext uri="{FF2B5EF4-FFF2-40B4-BE49-F238E27FC236}">
+                <a16:creationId xmlns:a16="http://schemas.microsoft.com/office/drawing/2014/main" id="{5AA7B508-7A41-FECA-7AD4-82AEF41FFE86}"/>
+              </a:ext>
+            </a:extLst>
+          </p:cNvPr>
+          <p:cNvPicPr>
+            <a:picLocks noChangeAspect="1"/>
+          </p:cNvPicPr>
+          <p:nvPr/>
+        </p:nvPicPr>
+        <p:blipFill>
+          <a:blip r:embed="rId2">
+            <a:extLst>
+              <a:ext uri="{28A0092B-C50C-407E-A947-70E740481C1C}">
+                <a14:useLocalDpi xmlns:a14="http://schemas.microsoft.com/office/drawing/2010/main" val="0"/>
+              </a:ext>
+            </a:extLst>
+          </a:blip>
+          <a:srcRect/>
+          <a:stretch/>
+        </p:blipFill>
+        <p:spPr>
+          <a:xfrm>
+            <a:off x="-1" y="1458665"/>
+            <a:ext cx="12192000" cy="975359"/>
+          </a:xfrm>
+          <a:prstGeom prst="rect">
+            <a:avLst/>
+          </a:prstGeom>
+        </p:spPr>
+      </p:pic>
+      <p:pic>
+        <p:nvPicPr>
+          <p:cNvPr id="3" name="Image 2">
+            <a:extLst>
+              <a:ext uri="{FF2B5EF4-FFF2-40B4-BE49-F238E27FC236}">
+                <a16:creationId xmlns:a16="http://schemas.microsoft.com/office/drawing/2014/main" id="{4DE36664-92FD-05E0-664A-91A913488631}"/>
+              </a:ext>
+            </a:extLst>
+          </p:cNvPr>
+          <p:cNvPicPr>
+            <a:picLocks noChangeAspect="1"/>
+          </p:cNvPicPr>
+          <p:nvPr/>
+        </p:nvPicPr>
+        <p:blipFill>
+          <a:blip r:embed="rId3">
+            <a:extLst>
+              <a:ext uri="{28A0092B-C50C-407E-A947-70E740481C1C}">
+                <a14:useLocalDpi xmlns:a14="http://schemas.microsoft.com/office/drawing/2010/main" val="0"/>
+              </a:ext>
+            </a:extLst>
+          </a:blip>
+          <a:srcRect/>
+          <a:stretch/>
+        </p:blipFill>
+        <p:spPr>
+          <a:xfrm>
+            <a:off x="-1" y="3169653"/>
+            <a:ext cx="12192000" cy="898098"/>
+          </a:xfrm>
+          <a:prstGeom prst="rect">
+            <a:avLst/>
+          </a:prstGeom>
+        </p:spPr>
+      </p:pic>
+      <p:pic>
+        <p:nvPicPr>
+          <p:cNvPr id="4" name="Image 3">
+            <a:extLst>
+              <a:ext uri="{FF2B5EF4-FFF2-40B4-BE49-F238E27FC236}">
+                <a16:creationId xmlns:a16="http://schemas.microsoft.com/office/drawing/2014/main" id="{04EE934E-1257-7517-D353-8172EFE49A44}"/>
+              </a:ext>
+            </a:extLst>
+          </p:cNvPr>
+          <p:cNvPicPr>
+            <a:picLocks noChangeAspect="1"/>
+          </p:cNvPicPr>
+          <p:nvPr/>
+        </p:nvPicPr>
+        <p:blipFill>
+          <a:blip r:embed="rId4">
+            <a:extLst>
+              <a:ext uri="{28A0092B-C50C-407E-A947-70E740481C1C}">
+                <a14:useLocalDpi xmlns:a14="http://schemas.microsoft.com/office/drawing/2010/main" val="0"/>
+              </a:ext>
+            </a:extLst>
+          </a:blip>
+          <a:srcRect/>
+          <a:stretch/>
+        </p:blipFill>
+        <p:spPr>
+          <a:xfrm>
+            <a:off x="633984" y="4911655"/>
+            <a:ext cx="10924030" cy="975359"/>
+          </a:xfrm>
+          <a:prstGeom prst="rect">
+            <a:avLst/>
+          </a:prstGeom>
+        </p:spPr>
+      </p:pic>
+    </p:spTree>
+    <p:extLst>
+      <p:ext uri="{BB962C8B-B14F-4D97-AF65-F5344CB8AC3E}">
+        <p14:creationId xmlns:p14="http://schemas.microsoft.com/office/powerpoint/2010/main" val="756269166"/>
+      </p:ext>
+    </p:extLst>
+  </p:cSld>
+  <p:clrMapOvr>
+    <a:masterClrMapping/>
+  </p:clrMapOvr>
+</p:sld>
+</file>
+
+<file path=ppt/slides/slide34.xml><?xml version="1.0" encoding="utf-8"?>
+<p:sld xmlns:a="http://schemas.openxmlformats.org/drawingml/2006/main" xmlns:r="http://schemas.openxmlformats.org/officeDocument/2006/relationships" xmlns:p="http://schemas.openxmlformats.org/presentationml/2006/main">
+  <p:cSld>
+    <p:bg>
+      <p:bgPr>
+        <a:solidFill>
+          <a:schemeClr val="accent5">
+            <a:lumMod val="60000"/>
+            <a:lumOff val="40000"/>
+          </a:schemeClr>
+        </a:solidFill>
+        <a:effectLst/>
+      </p:bgPr>
+    </p:bg>
+    <p:spTree>
+      <p:nvGrpSpPr>
+        <p:cNvPr id="1" name="">
+          <a:extLst>
+            <a:ext uri="{FF2B5EF4-FFF2-40B4-BE49-F238E27FC236}">
+              <a16:creationId xmlns:a16="http://schemas.microsoft.com/office/drawing/2014/main" id="{17606BD8-C3CE-8C45-99F7-0647E192A87E}"/>
+            </a:ext>
+          </a:extLst>
+        </p:cNvPr>
+        <p:cNvGrpSpPr/>
+        <p:nvPr/>
+      </p:nvGrpSpPr>
+      <p:grpSpPr>
+        <a:xfrm>
+          <a:off x="0" y="0"/>
+          <a:ext cx="0" cy="0"/>
+          <a:chOff x="0" y="0"/>
+          <a:chExt cx="0" cy="0"/>
+        </a:xfrm>
+      </p:grpSpPr>
+      <p:sp>
+        <p:nvSpPr>
+          <p:cNvPr id="2" name="Titre 1">
+            <a:extLst>
+              <a:ext uri="{FF2B5EF4-FFF2-40B4-BE49-F238E27FC236}">
+                <a16:creationId xmlns:a16="http://schemas.microsoft.com/office/drawing/2014/main" id="{C7CED5F4-A9F5-4568-E61E-31011D08E43C}"/>
+              </a:ext>
+            </a:extLst>
+          </p:cNvPr>
+          <p:cNvSpPr>
+            <a:spLocks noGrp="1"/>
+          </p:cNvSpPr>
+          <p:nvPr>
+            <p:ph type="title"/>
+          </p:nvPr>
+        </p:nvSpPr>
+        <p:spPr>
+          <a:xfrm>
+            <a:off x="838200" y="0"/>
+            <a:ext cx="10515600" cy="1325563"/>
+          </a:xfrm>
+        </p:spPr>
+        <p:txBody>
+          <a:bodyPr/>
+          <a:lstStyle/>
+          <a:p>
+            <a:pPr algn="ctr"/>
+            <a:r>
+              <a:rPr lang="fr-FR" b="1" dirty="0">
+                <a:solidFill>
+                  <a:srgbClr val="FF0000"/>
+                </a:solidFill>
+              </a:rPr>
+              <a:t>Add_post.html</a:t>
+            </a:r>
+          </a:p>
+        </p:txBody>
+      </p:sp>
+      <p:pic>
+        <p:nvPicPr>
+          <p:cNvPr id="5" name="Image 4">
+            <a:extLst>
+              <a:ext uri="{FF2B5EF4-FFF2-40B4-BE49-F238E27FC236}">
+                <a16:creationId xmlns:a16="http://schemas.microsoft.com/office/drawing/2014/main" id="{1A4962E3-81C4-FD74-05CD-BBA48080AEE5}"/>
+              </a:ext>
+            </a:extLst>
+          </p:cNvPr>
+          <p:cNvPicPr>
+            <a:picLocks noChangeAspect="1"/>
+          </p:cNvPicPr>
+          <p:nvPr/>
+        </p:nvPicPr>
+        <p:blipFill>
+          <a:blip r:embed="rId2">
+            <a:extLst>
+              <a:ext uri="{28A0092B-C50C-407E-A947-70E740481C1C}">
+                <a14:useLocalDpi xmlns:a14="http://schemas.microsoft.com/office/drawing/2010/main" val="0"/>
+              </a:ext>
+            </a:extLst>
+          </a:blip>
+          <a:srcRect/>
+          <a:stretch/>
+        </p:blipFill>
+        <p:spPr>
+          <a:xfrm>
+            <a:off x="1" y="1674442"/>
+            <a:ext cx="12192000" cy="2824624"/>
+          </a:xfrm>
+          <a:prstGeom prst="rect">
+            <a:avLst/>
+          </a:prstGeom>
+        </p:spPr>
+      </p:pic>
+    </p:spTree>
+    <p:extLst>
+      <p:ext uri="{BB962C8B-B14F-4D97-AF65-F5344CB8AC3E}">
+        <p14:creationId xmlns:p14="http://schemas.microsoft.com/office/powerpoint/2010/main" val="3686975312"/>
+      </p:ext>
+    </p:extLst>
+  </p:cSld>
+  <p:clrMapOvr>
+    <a:masterClrMapping/>
+  </p:clrMapOvr>
+</p:sld>
+</file>
+
+<file path=ppt/slides/slide35.xml><?xml version="1.0" encoding="utf-8"?>
+<p:sld xmlns:a="http://schemas.openxmlformats.org/drawingml/2006/main" xmlns:r="http://schemas.openxmlformats.org/officeDocument/2006/relationships" xmlns:p="http://schemas.openxmlformats.org/presentationml/2006/main">
+  <p:cSld>
+    <p:bg>
+      <p:bgPr>
+        <a:solidFill>
+          <a:schemeClr val="accent5">
+            <a:lumMod val="60000"/>
+            <a:lumOff val="40000"/>
+          </a:schemeClr>
+        </a:solidFill>
+        <a:effectLst/>
+      </p:bgPr>
+    </p:bg>
+    <p:spTree>
+      <p:nvGrpSpPr>
+        <p:cNvPr id="1" name="">
+          <a:extLst>
+            <a:ext uri="{FF2B5EF4-FFF2-40B4-BE49-F238E27FC236}">
+              <a16:creationId xmlns:a16="http://schemas.microsoft.com/office/drawing/2014/main" id="{8AED6C4B-0FD6-09F4-C76E-DA035FACF352}"/>
+            </a:ext>
+          </a:extLst>
+        </p:cNvPr>
+        <p:cNvGrpSpPr/>
+        <p:nvPr/>
+      </p:nvGrpSpPr>
+      <p:grpSpPr>
+        <a:xfrm>
+          <a:off x="0" y="0"/>
+          <a:ext cx="0" cy="0"/>
+          <a:chOff x="0" y="0"/>
+          <a:chExt cx="0" cy="0"/>
+        </a:xfrm>
+      </p:grpSpPr>
+      <p:sp>
+        <p:nvSpPr>
+          <p:cNvPr id="2" name="Titre 1">
+            <a:extLst>
+              <a:ext uri="{FF2B5EF4-FFF2-40B4-BE49-F238E27FC236}">
+                <a16:creationId xmlns:a16="http://schemas.microsoft.com/office/drawing/2014/main" id="{45C39C41-C32F-5C4A-BB63-DB01EE57E071}"/>
+              </a:ext>
+            </a:extLst>
+          </p:cNvPr>
+          <p:cNvSpPr>
+            <a:spLocks noGrp="1"/>
+          </p:cNvSpPr>
+          <p:nvPr>
+            <p:ph type="title"/>
+          </p:nvPr>
+        </p:nvSpPr>
+        <p:spPr>
+          <a:xfrm>
+            <a:off x="838200" y="0"/>
+            <a:ext cx="10515600" cy="1325563"/>
+          </a:xfrm>
+        </p:spPr>
+        <p:txBody>
+          <a:bodyPr/>
+          <a:lstStyle/>
+          <a:p>
+            <a:pPr algn="ctr"/>
+            <a:r>
+              <a:rPr lang="fr-FR" b="1" dirty="0">
+                <a:solidFill>
+                  <a:srgbClr val="FF0000"/>
+                </a:solidFill>
+              </a:rPr>
+              <a:t>Add_comment.html</a:t>
+            </a:r>
+          </a:p>
+        </p:txBody>
+      </p:sp>
+      <p:pic>
+        <p:nvPicPr>
+          <p:cNvPr id="5" name="Image 4">
+            <a:extLst>
+              <a:ext uri="{FF2B5EF4-FFF2-40B4-BE49-F238E27FC236}">
+                <a16:creationId xmlns:a16="http://schemas.microsoft.com/office/drawing/2014/main" id="{D5ECF60B-F39C-9FD0-C39D-02E32215F626}"/>
+              </a:ext>
+            </a:extLst>
+          </p:cNvPr>
+          <p:cNvPicPr>
+            <a:picLocks noChangeAspect="1"/>
+          </p:cNvPicPr>
+          <p:nvPr/>
+        </p:nvPicPr>
+        <p:blipFill>
+          <a:blip r:embed="rId2">
+            <a:extLst>
+              <a:ext uri="{28A0092B-C50C-407E-A947-70E740481C1C}">
+                <a14:useLocalDpi xmlns:a14="http://schemas.microsoft.com/office/drawing/2010/main" val="0"/>
+              </a:ext>
+            </a:extLst>
+          </a:blip>
+          <a:srcRect/>
+          <a:stretch/>
+        </p:blipFill>
+        <p:spPr>
+          <a:xfrm>
+            <a:off x="1" y="2156634"/>
+            <a:ext cx="12192000" cy="1860240"/>
+          </a:xfrm>
+          <a:prstGeom prst="rect">
+            <a:avLst/>
+          </a:prstGeom>
+        </p:spPr>
+      </p:pic>
+    </p:spTree>
+    <p:extLst>
+      <p:ext uri="{BB962C8B-B14F-4D97-AF65-F5344CB8AC3E}">
+        <p14:creationId xmlns:p14="http://schemas.microsoft.com/office/powerpoint/2010/main" val="43505630"/>
+      </p:ext>
+    </p:extLst>
+  </p:cSld>
+  <p:clrMapOvr>
+    <a:masterClrMapping/>
+  </p:clrMapOvr>
+</p:sld>
+</file>
+
+<file path=ppt/slides/slide36.xml><?xml version="1.0" encoding="utf-8"?>
+<p:sld xmlns:a="http://schemas.openxmlformats.org/drawingml/2006/main" xmlns:r="http://schemas.openxmlformats.org/officeDocument/2006/relationships" xmlns:p="http://schemas.openxmlformats.org/presentationml/2006/main">
+  <p:cSld>
+    <p:bg>
+      <p:bgPr>
+        <a:solidFill>
+          <a:schemeClr val="accent5">
+            <a:lumMod val="60000"/>
+            <a:lumOff val="40000"/>
+          </a:schemeClr>
+        </a:solidFill>
+        <a:effectLst/>
+      </p:bgPr>
+    </p:bg>
+    <p:spTree>
+      <p:nvGrpSpPr>
+        <p:cNvPr id="1" name="">
+          <a:extLst>
+            <a:ext uri="{FF2B5EF4-FFF2-40B4-BE49-F238E27FC236}">
+              <a16:creationId xmlns:a16="http://schemas.microsoft.com/office/drawing/2014/main" id="{A441BE50-8932-F178-58E3-CF1633CEEF52}"/>
+            </a:ext>
+          </a:extLst>
+        </p:cNvPr>
+        <p:cNvGrpSpPr/>
+        <p:nvPr/>
+      </p:nvGrpSpPr>
+      <p:grpSpPr>
+        <a:xfrm>
+          <a:off x="0" y="0"/>
+          <a:ext cx="0" cy="0"/>
+          <a:chOff x="0" y="0"/>
+          <a:chExt cx="0" cy="0"/>
+        </a:xfrm>
+      </p:grpSpPr>
+      <p:sp>
+        <p:nvSpPr>
+          <p:cNvPr id="2" name="Titre 1">
+            <a:extLst>
+              <a:ext uri="{FF2B5EF4-FFF2-40B4-BE49-F238E27FC236}">
+                <a16:creationId xmlns:a16="http://schemas.microsoft.com/office/drawing/2014/main" id="{4BBC3DAB-EAA2-D220-B629-8EA785CD7D8E}"/>
+              </a:ext>
+            </a:extLst>
+          </p:cNvPr>
+          <p:cNvSpPr>
+            <a:spLocks noGrp="1"/>
+          </p:cNvSpPr>
+          <p:nvPr>
+            <p:ph type="title"/>
+          </p:nvPr>
+        </p:nvSpPr>
+        <p:spPr>
+          <a:xfrm>
+            <a:off x="838200" y="0"/>
+            <a:ext cx="10515600" cy="1325563"/>
+          </a:xfrm>
+        </p:spPr>
+        <p:txBody>
+          <a:bodyPr/>
+          <a:lstStyle/>
+          <a:p>
+            <a:pPr algn="ctr"/>
+            <a:r>
+              <a:rPr lang="fr-FR" b="1" dirty="0">
+                <a:solidFill>
+                  <a:srgbClr val="FF0000"/>
+                </a:solidFill>
+              </a:rPr>
+              <a:t>Your_posts.html</a:t>
+            </a:r>
+          </a:p>
+        </p:txBody>
+      </p:sp>
+      <p:pic>
+        <p:nvPicPr>
+          <p:cNvPr id="5" name="Image 4">
+            <a:extLst>
+              <a:ext uri="{FF2B5EF4-FFF2-40B4-BE49-F238E27FC236}">
+                <a16:creationId xmlns:a16="http://schemas.microsoft.com/office/drawing/2014/main" id="{1D33BE6A-1382-4A4B-7453-94F28826DCEE}"/>
+              </a:ext>
+            </a:extLst>
+          </p:cNvPr>
+          <p:cNvPicPr>
+            <a:picLocks noChangeAspect="1"/>
+          </p:cNvPicPr>
+          <p:nvPr/>
+        </p:nvPicPr>
+        <p:blipFill>
+          <a:blip r:embed="rId2">
+            <a:extLst>
+              <a:ext uri="{28A0092B-C50C-407E-A947-70E740481C1C}">
+                <a14:useLocalDpi xmlns:a14="http://schemas.microsoft.com/office/drawing/2010/main" val="0"/>
+              </a:ext>
+            </a:extLst>
+          </a:blip>
+          <a:srcRect/>
+          <a:stretch/>
+        </p:blipFill>
+        <p:spPr>
+          <a:xfrm>
+            <a:off x="627796" y="2156634"/>
+            <a:ext cx="10936409" cy="1860240"/>
+          </a:xfrm>
+          <a:prstGeom prst="rect">
+            <a:avLst/>
+          </a:prstGeom>
+        </p:spPr>
+      </p:pic>
+    </p:spTree>
+    <p:extLst>
+      <p:ext uri="{BB962C8B-B14F-4D97-AF65-F5344CB8AC3E}">
+        <p14:creationId xmlns:p14="http://schemas.microsoft.com/office/powerpoint/2010/main" val="3588795259"/>
+      </p:ext>
+    </p:extLst>
+  </p:cSld>
+  <p:clrMapOvr>
+    <a:masterClrMapping/>
+  </p:clrMapOvr>
+</p:sld>
+</file>
+
+<file path=ppt/slides/slide37.xml><?xml version="1.0" encoding="utf-8"?>
+<p:sld xmlns:a="http://schemas.openxmlformats.org/drawingml/2006/main" xmlns:r="http://schemas.openxmlformats.org/officeDocument/2006/relationships" xmlns:p="http://schemas.openxmlformats.org/presentationml/2006/main">
+  <p:cSld>
+    <p:bg>
+      <p:bgPr>
+        <a:solidFill>
+          <a:schemeClr val="accent5">
+            <a:lumMod val="60000"/>
+            <a:lumOff val="40000"/>
+          </a:schemeClr>
+        </a:solidFill>
+        <a:effectLst/>
+      </p:bgPr>
+    </p:bg>
+    <p:spTree>
+      <p:nvGrpSpPr>
+        <p:cNvPr id="1" name="">
+          <a:extLst>
+            <a:ext uri="{FF2B5EF4-FFF2-40B4-BE49-F238E27FC236}">
+              <a16:creationId xmlns:a16="http://schemas.microsoft.com/office/drawing/2014/main" id="{86ECA3EF-7B09-976A-78A1-962571DC0C2B}"/>
+            </a:ext>
+          </a:extLst>
+        </p:cNvPr>
+        <p:cNvGrpSpPr/>
+        <p:nvPr/>
+      </p:nvGrpSpPr>
+      <p:grpSpPr>
+        <a:xfrm>
+          <a:off x="0" y="0"/>
+          <a:ext cx="0" cy="0"/>
+          <a:chOff x="0" y="0"/>
+          <a:chExt cx="0" cy="0"/>
+        </a:xfrm>
+      </p:grpSpPr>
+      <p:sp>
+        <p:nvSpPr>
+          <p:cNvPr id="2" name="Titre 1">
+            <a:extLst>
+              <a:ext uri="{FF2B5EF4-FFF2-40B4-BE49-F238E27FC236}">
+                <a16:creationId xmlns:a16="http://schemas.microsoft.com/office/drawing/2014/main" id="{7EAFDDB8-1C22-D095-4B37-742DADA05E32}"/>
+              </a:ext>
+            </a:extLst>
+          </p:cNvPr>
+          <p:cNvSpPr>
+            <a:spLocks noGrp="1"/>
+          </p:cNvSpPr>
+          <p:nvPr>
+            <p:ph type="title"/>
+          </p:nvPr>
+        </p:nvSpPr>
+        <p:spPr>
+          <a:xfrm>
+            <a:off x="838200" y="0"/>
+            <a:ext cx="10515600" cy="1325563"/>
+          </a:xfrm>
+        </p:spPr>
+        <p:txBody>
+          <a:bodyPr/>
+          <a:lstStyle/>
+          <a:p>
+            <a:pPr algn="ctr"/>
+            <a:r>
+              <a:rPr lang="fr-FR" b="1" dirty="0">
+                <a:solidFill>
+                  <a:srgbClr val="FF0000"/>
+                </a:solidFill>
+              </a:rPr>
+              <a:t>Edit_post.html</a:t>
+            </a:r>
+          </a:p>
+        </p:txBody>
+      </p:sp>
+      <p:pic>
+        <p:nvPicPr>
+          <p:cNvPr id="5" name="Image 4">
+            <a:extLst>
+              <a:ext uri="{FF2B5EF4-FFF2-40B4-BE49-F238E27FC236}">
+                <a16:creationId xmlns:a16="http://schemas.microsoft.com/office/drawing/2014/main" id="{3DEB9B40-128B-F6AE-AD18-7FB598BB777A}"/>
+              </a:ext>
+            </a:extLst>
+          </p:cNvPr>
+          <p:cNvPicPr>
+            <a:picLocks noChangeAspect="1"/>
+          </p:cNvPicPr>
+          <p:nvPr/>
+        </p:nvPicPr>
+        <p:blipFill>
+          <a:blip r:embed="rId2">
+            <a:extLst>
+              <a:ext uri="{28A0092B-C50C-407E-A947-70E740481C1C}">
+                <a14:useLocalDpi xmlns:a14="http://schemas.microsoft.com/office/drawing/2010/main" val="0"/>
+              </a:ext>
+            </a:extLst>
+          </a:blip>
+          <a:srcRect/>
+          <a:stretch/>
+        </p:blipFill>
+        <p:spPr>
+          <a:xfrm>
+            <a:off x="0" y="1900805"/>
+            <a:ext cx="12216993" cy="3056389"/>
+          </a:xfrm>
+          <a:prstGeom prst="rect">
+            <a:avLst/>
+          </a:prstGeom>
+        </p:spPr>
+      </p:pic>
+    </p:spTree>
+    <p:extLst>
+      <p:ext uri="{BB962C8B-B14F-4D97-AF65-F5344CB8AC3E}">
+        <p14:creationId xmlns:p14="http://schemas.microsoft.com/office/powerpoint/2010/main" val="794240811"/>
+      </p:ext>
+    </p:extLst>
+  </p:cSld>
+  <p:clrMapOvr>
+    <a:masterClrMapping/>
+  </p:clrMapOvr>
+</p:sld>
+</file>
+
+<file path=ppt/slides/slide38.xml><?xml version="1.0" encoding="utf-8"?>
+<p:sld xmlns:a="http://schemas.openxmlformats.org/drawingml/2006/main" xmlns:r="http://schemas.openxmlformats.org/officeDocument/2006/relationships" xmlns:p="http://schemas.openxmlformats.org/presentationml/2006/main">
+  <p:cSld>
+    <p:bg>
+      <p:bgPr>
+        <a:solidFill>
+          <a:schemeClr val="accent5">
+            <a:lumMod val="60000"/>
+            <a:lumOff val="40000"/>
+          </a:schemeClr>
+        </a:solidFill>
+        <a:effectLst/>
+      </p:bgPr>
+    </p:bg>
+    <p:spTree>
+      <p:nvGrpSpPr>
+        <p:cNvPr id="1" name="">
+          <a:extLst>
+            <a:ext uri="{FF2B5EF4-FFF2-40B4-BE49-F238E27FC236}">
+              <a16:creationId xmlns:a16="http://schemas.microsoft.com/office/drawing/2014/main" id="{044D1B6E-6077-0765-7FFB-AC01713BCFE7}"/>
+            </a:ext>
+          </a:extLst>
+        </p:cNvPr>
+        <p:cNvGrpSpPr/>
+        <p:nvPr/>
+      </p:nvGrpSpPr>
+      <p:grpSpPr>
+        <a:xfrm>
+          <a:off x="0" y="0"/>
+          <a:ext cx="0" cy="0"/>
+          <a:chOff x="0" y="0"/>
+          <a:chExt cx="0" cy="0"/>
+        </a:xfrm>
+      </p:grpSpPr>
+      <p:sp>
+        <p:nvSpPr>
+          <p:cNvPr id="2" name="Titre 1">
+            <a:extLst>
+              <a:ext uri="{FF2B5EF4-FFF2-40B4-BE49-F238E27FC236}">
+                <a16:creationId xmlns:a16="http://schemas.microsoft.com/office/drawing/2014/main" id="{D883F364-5BFE-5946-C7E7-4CB75B76D12E}"/>
+              </a:ext>
+            </a:extLst>
+          </p:cNvPr>
+          <p:cNvSpPr>
+            <a:spLocks noGrp="1"/>
+          </p:cNvSpPr>
+          <p:nvPr>
+            <p:ph type="title"/>
+          </p:nvPr>
+        </p:nvSpPr>
+        <p:spPr>
+          <a:xfrm>
+            <a:off x="838200" y="0"/>
+            <a:ext cx="10515600" cy="1325563"/>
+          </a:xfrm>
+        </p:spPr>
+        <p:txBody>
+          <a:bodyPr/>
+          <a:lstStyle/>
+          <a:p>
+            <a:pPr algn="ctr"/>
+            <a:r>
+              <a:rPr lang="fr-FR" b="1" dirty="0">
+                <a:solidFill>
+                  <a:srgbClr val="FF0000"/>
+                </a:solidFill>
+              </a:rPr>
+              <a:t>Edit_post_admin.html</a:t>
+            </a:r>
+          </a:p>
+        </p:txBody>
+      </p:sp>
+      <p:pic>
+        <p:nvPicPr>
+          <p:cNvPr id="5" name="Image 4">
+            <a:extLst>
+              <a:ext uri="{FF2B5EF4-FFF2-40B4-BE49-F238E27FC236}">
+                <a16:creationId xmlns:a16="http://schemas.microsoft.com/office/drawing/2014/main" id="{436756D3-08B9-403C-0C96-DFF8507F20C7}"/>
+              </a:ext>
+            </a:extLst>
+          </p:cNvPr>
+          <p:cNvPicPr>
+            <a:picLocks noChangeAspect="1"/>
+          </p:cNvPicPr>
+          <p:nvPr/>
+        </p:nvPicPr>
+        <p:blipFill>
+          <a:blip r:embed="rId2">
+            <a:extLst>
+              <a:ext uri="{28A0092B-C50C-407E-A947-70E740481C1C}">
+                <a14:useLocalDpi xmlns:a14="http://schemas.microsoft.com/office/drawing/2010/main" val="0"/>
+              </a:ext>
+            </a:extLst>
+          </a:blip>
+          <a:srcRect/>
+          <a:stretch/>
+        </p:blipFill>
+        <p:spPr>
+          <a:xfrm>
+            <a:off x="0" y="2032147"/>
+            <a:ext cx="12216993" cy="2793706"/>
+          </a:xfrm>
+          <a:prstGeom prst="rect">
+            <a:avLst/>
+          </a:prstGeom>
+        </p:spPr>
+      </p:pic>
+    </p:spTree>
+    <p:extLst>
+      <p:ext uri="{BB962C8B-B14F-4D97-AF65-F5344CB8AC3E}">
+        <p14:creationId xmlns:p14="http://schemas.microsoft.com/office/powerpoint/2010/main" val="2699586551"/>
+      </p:ext>
+    </p:extLst>
+  </p:cSld>
+  <p:clrMapOvr>
+    <a:masterClrMapping/>
+  </p:clrMapOvr>
+</p:sld>
+</file>
+
+<file path=ppt/slides/slide39.xml><?xml version="1.0" encoding="utf-8"?>
+<p:sld xmlns:a="http://schemas.openxmlformats.org/drawingml/2006/main" xmlns:r="http://schemas.openxmlformats.org/officeDocument/2006/relationships" xmlns:p="http://schemas.openxmlformats.org/presentationml/2006/main">
+  <p:cSld>
+    <p:bg>
+      <p:bgPr>
+        <a:solidFill>
+          <a:schemeClr val="accent5">
+            <a:lumMod val="60000"/>
+            <a:lumOff val="40000"/>
+          </a:schemeClr>
+        </a:solidFill>
+        <a:effectLst/>
+      </p:bgPr>
+    </p:bg>
+    <p:spTree>
+      <p:nvGrpSpPr>
+        <p:cNvPr id="1" name="">
+          <a:extLst>
+            <a:ext uri="{FF2B5EF4-FFF2-40B4-BE49-F238E27FC236}">
+              <a16:creationId xmlns:a16="http://schemas.microsoft.com/office/drawing/2014/main" id="{6E22B31E-15B7-039D-D2A6-412308A4CB3E}"/>
+            </a:ext>
+          </a:extLst>
+        </p:cNvPr>
+        <p:cNvGrpSpPr/>
+        <p:nvPr/>
+      </p:nvGrpSpPr>
+      <p:grpSpPr>
+        <a:xfrm>
+          <a:off x="0" y="0"/>
+          <a:ext cx="0" cy="0"/>
+          <a:chOff x="0" y="0"/>
+          <a:chExt cx="0" cy="0"/>
+        </a:xfrm>
+      </p:grpSpPr>
+      <p:sp>
+        <p:nvSpPr>
+          <p:cNvPr id="2" name="Titre 1">
+            <a:extLst>
+              <a:ext uri="{FF2B5EF4-FFF2-40B4-BE49-F238E27FC236}">
+                <a16:creationId xmlns:a16="http://schemas.microsoft.com/office/drawing/2014/main" id="{98368985-924B-B48C-8D5D-022972232C11}"/>
+              </a:ext>
+            </a:extLst>
+          </p:cNvPr>
+          <p:cNvSpPr>
+            <a:spLocks noGrp="1"/>
+          </p:cNvSpPr>
+          <p:nvPr>
+            <p:ph type="title"/>
+          </p:nvPr>
+        </p:nvSpPr>
+        <p:spPr>
+          <a:xfrm>
+            <a:off x="838200" y="0"/>
+            <a:ext cx="10515600" cy="1325563"/>
+          </a:xfrm>
+        </p:spPr>
+        <p:txBody>
+          <a:bodyPr/>
+          <a:lstStyle/>
+          <a:p>
+            <a:pPr algn="ctr"/>
+            <a:r>
+              <a:rPr lang="fr-FR" b="1" dirty="0">
+                <a:solidFill>
+                  <a:srgbClr val="FF0000"/>
+                </a:solidFill>
+              </a:rPr>
+              <a:t>Main.css</a:t>
+            </a:r>
+          </a:p>
+        </p:txBody>
+      </p:sp>
+      <p:pic>
+        <p:nvPicPr>
+          <p:cNvPr id="5" name="Image 4">
+            <a:extLst>
+              <a:ext uri="{FF2B5EF4-FFF2-40B4-BE49-F238E27FC236}">
+                <a16:creationId xmlns:a16="http://schemas.microsoft.com/office/drawing/2014/main" id="{21050B96-FF2C-1AF7-0C32-5A7C9E8045DB}"/>
+              </a:ext>
+            </a:extLst>
+          </p:cNvPr>
+          <p:cNvPicPr>
+            <a:picLocks noChangeAspect="1"/>
+          </p:cNvPicPr>
+          <p:nvPr/>
+        </p:nvPicPr>
+        <p:blipFill>
+          <a:blip r:embed="rId2">
+            <a:extLst>
+              <a:ext uri="{28A0092B-C50C-407E-A947-70E740481C1C}">
+                <a14:useLocalDpi xmlns:a14="http://schemas.microsoft.com/office/drawing/2010/main" val="0"/>
+              </a:ext>
+            </a:extLst>
+          </a:blip>
+          <a:srcRect/>
+          <a:stretch/>
+        </p:blipFill>
+        <p:spPr>
+          <a:xfrm>
+            <a:off x="3597841" y="1325563"/>
+            <a:ext cx="4996317" cy="4807331"/>
+          </a:xfrm>
+          <a:prstGeom prst="rect">
+            <a:avLst/>
+          </a:prstGeom>
+        </p:spPr>
+      </p:pic>
+    </p:spTree>
+    <p:extLst>
+      <p:ext uri="{BB962C8B-B14F-4D97-AF65-F5344CB8AC3E}">
+        <p14:creationId xmlns:p14="http://schemas.microsoft.com/office/powerpoint/2010/main" val="2240534351"/>
+      </p:ext>
+    </p:extLst>
+  </p:cSld>
+  <p:clrMapOvr>
+    <a:masterClrMapping/>
+  </p:clrMapOvr>
+</p:sld>
+</file>
+
 <file path=ppt/slides/slide4.xml><?xml version="1.0" encoding="utf-8"?>
 <p:sld xmlns:a="http://schemas.openxmlformats.org/drawingml/2006/main" xmlns:r="http://schemas.openxmlformats.org/officeDocument/2006/relationships" xmlns:p="http://schemas.openxmlformats.org/presentationml/2006/main">
   <p:cSld>
@@ -7849,6 +9467,711 @@
     <p:extLst>
       <p:ext uri="{BB962C8B-B14F-4D97-AF65-F5344CB8AC3E}">
         <p14:creationId xmlns:p14="http://schemas.microsoft.com/office/powerpoint/2010/main" val="1880286093"/>
+      </p:ext>
+    </p:extLst>
+  </p:cSld>
+  <p:clrMapOvr>
+    <a:masterClrMapping/>
+  </p:clrMapOvr>
+</p:sld>
+</file>
+
+<file path=ppt/slides/slide40.xml><?xml version="1.0" encoding="utf-8"?>
+<p:sld xmlns:a="http://schemas.openxmlformats.org/drawingml/2006/main" xmlns:r="http://schemas.openxmlformats.org/officeDocument/2006/relationships" xmlns:p="http://schemas.openxmlformats.org/presentationml/2006/main">
+  <p:cSld>
+    <p:bg>
+      <p:bgPr>
+        <a:solidFill>
+          <a:schemeClr val="accent5">
+            <a:lumMod val="60000"/>
+            <a:lumOff val="40000"/>
+          </a:schemeClr>
+        </a:solidFill>
+        <a:effectLst/>
+      </p:bgPr>
+    </p:bg>
+    <p:spTree>
+      <p:nvGrpSpPr>
+        <p:cNvPr id="1" name="">
+          <a:extLst>
+            <a:ext uri="{FF2B5EF4-FFF2-40B4-BE49-F238E27FC236}">
+              <a16:creationId xmlns:a16="http://schemas.microsoft.com/office/drawing/2014/main" id="{6682A690-8AC1-F77D-2975-BB9314569BBB}"/>
+            </a:ext>
+          </a:extLst>
+        </p:cNvPr>
+        <p:cNvGrpSpPr/>
+        <p:nvPr/>
+      </p:nvGrpSpPr>
+      <p:grpSpPr>
+        <a:xfrm>
+          <a:off x="0" y="0"/>
+          <a:ext cx="0" cy="0"/>
+          <a:chOff x="0" y="0"/>
+          <a:chExt cx="0" cy="0"/>
+        </a:xfrm>
+      </p:grpSpPr>
+      <p:sp>
+        <p:nvSpPr>
+          <p:cNvPr id="2" name="Titre 1">
+            <a:extLst>
+              <a:ext uri="{FF2B5EF4-FFF2-40B4-BE49-F238E27FC236}">
+                <a16:creationId xmlns:a16="http://schemas.microsoft.com/office/drawing/2014/main" id="{BB43780E-2785-9E15-7770-702D1B2730E1}"/>
+              </a:ext>
+            </a:extLst>
+          </p:cNvPr>
+          <p:cNvSpPr>
+            <a:spLocks noGrp="1"/>
+          </p:cNvSpPr>
+          <p:nvPr>
+            <p:ph type="title"/>
+          </p:nvPr>
+        </p:nvSpPr>
+        <p:spPr>
+          <a:xfrm>
+            <a:off x="838200" y="0"/>
+            <a:ext cx="10515600" cy="1325563"/>
+          </a:xfrm>
+        </p:spPr>
+        <p:txBody>
+          <a:bodyPr/>
+          <a:lstStyle/>
+          <a:p>
+            <a:pPr algn="ctr"/>
+            <a:r>
+              <a:rPr lang="fr-FR" b="1" dirty="0">
+                <a:solidFill>
+                  <a:srgbClr val="FF0000"/>
+                </a:solidFill>
+              </a:rPr>
+              <a:t>Add_post.css</a:t>
+            </a:r>
+          </a:p>
+        </p:txBody>
+      </p:sp>
+      <p:pic>
+        <p:nvPicPr>
+          <p:cNvPr id="5" name="Image 4">
+            <a:extLst>
+              <a:ext uri="{FF2B5EF4-FFF2-40B4-BE49-F238E27FC236}">
+                <a16:creationId xmlns:a16="http://schemas.microsoft.com/office/drawing/2014/main" id="{5542FB02-317B-F429-221D-588C53FEE3D7}"/>
+              </a:ext>
+            </a:extLst>
+          </p:cNvPr>
+          <p:cNvPicPr>
+            <a:picLocks noChangeAspect="1"/>
+          </p:cNvPicPr>
+          <p:nvPr/>
+        </p:nvPicPr>
+        <p:blipFill>
+          <a:blip r:embed="rId2">
+            <a:extLst>
+              <a:ext uri="{28A0092B-C50C-407E-A947-70E740481C1C}">
+                <a14:useLocalDpi xmlns:a14="http://schemas.microsoft.com/office/drawing/2010/main" val="0"/>
+              </a:ext>
+            </a:extLst>
+          </a:blip>
+          <a:srcRect/>
+          <a:stretch/>
+        </p:blipFill>
+        <p:spPr>
+          <a:xfrm>
+            <a:off x="4177239" y="1325563"/>
+            <a:ext cx="3837521" cy="4807331"/>
+          </a:xfrm>
+          <a:prstGeom prst="rect">
+            <a:avLst/>
+          </a:prstGeom>
+        </p:spPr>
+      </p:pic>
+    </p:spTree>
+    <p:extLst>
+      <p:ext uri="{BB962C8B-B14F-4D97-AF65-F5344CB8AC3E}">
+        <p14:creationId xmlns:p14="http://schemas.microsoft.com/office/powerpoint/2010/main" val="1442291322"/>
+      </p:ext>
+    </p:extLst>
+  </p:cSld>
+  <p:clrMapOvr>
+    <a:masterClrMapping/>
+  </p:clrMapOvr>
+</p:sld>
+</file>
+
+<file path=ppt/slides/slide41.xml><?xml version="1.0" encoding="utf-8"?>
+<p:sld xmlns:a="http://schemas.openxmlformats.org/drawingml/2006/main" xmlns:r="http://schemas.openxmlformats.org/officeDocument/2006/relationships" xmlns:p="http://schemas.openxmlformats.org/presentationml/2006/main">
+  <p:cSld>
+    <p:bg>
+      <p:bgPr>
+        <a:solidFill>
+          <a:schemeClr val="accent5">
+            <a:lumMod val="60000"/>
+            <a:lumOff val="40000"/>
+          </a:schemeClr>
+        </a:solidFill>
+        <a:effectLst/>
+      </p:bgPr>
+    </p:bg>
+    <p:spTree>
+      <p:nvGrpSpPr>
+        <p:cNvPr id="1" name="">
+          <a:extLst>
+            <a:ext uri="{FF2B5EF4-FFF2-40B4-BE49-F238E27FC236}">
+              <a16:creationId xmlns:a16="http://schemas.microsoft.com/office/drawing/2014/main" id="{8052A2F3-470D-DAFA-EE2B-3B9B32B33289}"/>
+            </a:ext>
+          </a:extLst>
+        </p:cNvPr>
+        <p:cNvGrpSpPr/>
+        <p:nvPr/>
+      </p:nvGrpSpPr>
+      <p:grpSpPr>
+        <a:xfrm>
+          <a:off x="0" y="0"/>
+          <a:ext cx="0" cy="0"/>
+          <a:chOff x="0" y="0"/>
+          <a:chExt cx="0" cy="0"/>
+        </a:xfrm>
+      </p:grpSpPr>
+      <p:sp>
+        <p:nvSpPr>
+          <p:cNvPr id="2" name="Titre 1">
+            <a:extLst>
+              <a:ext uri="{FF2B5EF4-FFF2-40B4-BE49-F238E27FC236}">
+                <a16:creationId xmlns:a16="http://schemas.microsoft.com/office/drawing/2014/main" id="{9C49BEA4-8269-4EC4-D8F5-58A412BC5A7C}"/>
+              </a:ext>
+            </a:extLst>
+          </p:cNvPr>
+          <p:cNvSpPr>
+            <a:spLocks noGrp="1"/>
+          </p:cNvSpPr>
+          <p:nvPr>
+            <p:ph type="title"/>
+          </p:nvPr>
+        </p:nvSpPr>
+        <p:spPr>
+          <a:xfrm>
+            <a:off x="838200" y="0"/>
+            <a:ext cx="10515600" cy="1325563"/>
+          </a:xfrm>
+        </p:spPr>
+        <p:txBody>
+          <a:bodyPr/>
+          <a:lstStyle/>
+          <a:p>
+            <a:pPr algn="ctr"/>
+            <a:r>
+              <a:rPr lang="fr-FR" b="1" dirty="0">
+                <a:solidFill>
+                  <a:srgbClr val="FF0000"/>
+                </a:solidFill>
+              </a:rPr>
+              <a:t>Signup.js</a:t>
+            </a:r>
+          </a:p>
+        </p:txBody>
+      </p:sp>
+      <p:pic>
+        <p:nvPicPr>
+          <p:cNvPr id="5" name="Image 4">
+            <a:extLst>
+              <a:ext uri="{FF2B5EF4-FFF2-40B4-BE49-F238E27FC236}">
+                <a16:creationId xmlns:a16="http://schemas.microsoft.com/office/drawing/2014/main" id="{30A4EAB7-E465-0309-CFDA-1E4C38FFE536}"/>
+              </a:ext>
+            </a:extLst>
+          </p:cNvPr>
+          <p:cNvPicPr>
+            <a:picLocks noChangeAspect="1"/>
+          </p:cNvPicPr>
+          <p:nvPr/>
+        </p:nvPicPr>
+        <p:blipFill>
+          <a:blip r:embed="rId2">
+            <a:extLst>
+              <a:ext uri="{28A0092B-C50C-407E-A947-70E740481C1C}">
+                <a14:useLocalDpi xmlns:a14="http://schemas.microsoft.com/office/drawing/2010/main" val="0"/>
+              </a:ext>
+            </a:extLst>
+          </a:blip>
+          <a:srcRect/>
+          <a:stretch/>
+        </p:blipFill>
+        <p:spPr>
+          <a:xfrm>
+            <a:off x="2480260" y="2662953"/>
+            <a:ext cx="7231480" cy="1532093"/>
+          </a:xfrm>
+          <a:prstGeom prst="rect">
+            <a:avLst/>
+          </a:prstGeom>
+        </p:spPr>
+      </p:pic>
+    </p:spTree>
+    <p:extLst>
+      <p:ext uri="{BB962C8B-B14F-4D97-AF65-F5344CB8AC3E}">
+        <p14:creationId xmlns:p14="http://schemas.microsoft.com/office/powerpoint/2010/main" val="2483127599"/>
+      </p:ext>
+    </p:extLst>
+  </p:cSld>
+  <p:clrMapOvr>
+    <a:masterClrMapping/>
+  </p:clrMapOvr>
+</p:sld>
+</file>
+
+<file path=ppt/slides/slide42.xml><?xml version="1.0" encoding="utf-8"?>
+<p:sld xmlns:a="http://schemas.openxmlformats.org/drawingml/2006/main" xmlns:r="http://schemas.openxmlformats.org/officeDocument/2006/relationships" xmlns:p="http://schemas.openxmlformats.org/presentationml/2006/main">
+  <p:cSld>
+    <p:bg>
+      <p:bgPr>
+        <a:solidFill>
+          <a:schemeClr val="accent5">
+            <a:lumMod val="60000"/>
+            <a:lumOff val="40000"/>
+          </a:schemeClr>
+        </a:solidFill>
+        <a:effectLst/>
+      </p:bgPr>
+    </p:bg>
+    <p:spTree>
+      <p:nvGrpSpPr>
+        <p:cNvPr id="1" name="">
+          <a:extLst>
+            <a:ext uri="{FF2B5EF4-FFF2-40B4-BE49-F238E27FC236}">
+              <a16:creationId xmlns:a16="http://schemas.microsoft.com/office/drawing/2014/main" id="{AA2182D8-AEDC-E0A8-96B3-BA8D6A6FB417}"/>
+            </a:ext>
+          </a:extLst>
+        </p:cNvPr>
+        <p:cNvGrpSpPr/>
+        <p:nvPr/>
+      </p:nvGrpSpPr>
+      <p:grpSpPr>
+        <a:xfrm>
+          <a:off x="0" y="0"/>
+          <a:ext cx="0" cy="0"/>
+          <a:chOff x="0" y="0"/>
+          <a:chExt cx="0" cy="0"/>
+        </a:xfrm>
+      </p:grpSpPr>
+      <p:sp>
+        <p:nvSpPr>
+          <p:cNvPr id="2" name="Titre 1">
+            <a:extLst>
+              <a:ext uri="{FF2B5EF4-FFF2-40B4-BE49-F238E27FC236}">
+                <a16:creationId xmlns:a16="http://schemas.microsoft.com/office/drawing/2014/main" id="{C77FDD9E-D128-F653-CE7A-1200EB5CB521}"/>
+              </a:ext>
+            </a:extLst>
+          </p:cNvPr>
+          <p:cNvSpPr>
+            <a:spLocks noGrp="1"/>
+          </p:cNvSpPr>
+          <p:nvPr>
+            <p:ph type="title"/>
+          </p:nvPr>
+        </p:nvSpPr>
+        <p:spPr>
+          <a:xfrm>
+            <a:off x="838200" y="0"/>
+            <a:ext cx="10515600" cy="1325563"/>
+          </a:xfrm>
+        </p:spPr>
+        <p:txBody>
+          <a:bodyPr/>
+          <a:lstStyle/>
+          <a:p>
+            <a:pPr algn="ctr"/>
+            <a:r>
+              <a:rPr lang="fr-FR" b="1" dirty="0">
+                <a:solidFill>
+                  <a:srgbClr val="FF0000"/>
+                </a:solidFill>
+              </a:rPr>
+              <a:t>Signup.js</a:t>
+            </a:r>
+          </a:p>
+        </p:txBody>
+      </p:sp>
+      <p:pic>
+        <p:nvPicPr>
+          <p:cNvPr id="5" name="Image 4">
+            <a:extLst>
+              <a:ext uri="{FF2B5EF4-FFF2-40B4-BE49-F238E27FC236}">
+                <a16:creationId xmlns:a16="http://schemas.microsoft.com/office/drawing/2014/main" id="{7AAF1270-8E4B-3E70-C97C-6B22DF4806A4}"/>
+              </a:ext>
+            </a:extLst>
+          </p:cNvPr>
+          <p:cNvPicPr>
+            <a:picLocks noChangeAspect="1"/>
+          </p:cNvPicPr>
+          <p:nvPr/>
+        </p:nvPicPr>
+        <p:blipFill>
+          <a:blip r:embed="rId2">
+            <a:extLst>
+              <a:ext uri="{28A0092B-C50C-407E-A947-70E740481C1C}">
+                <a14:useLocalDpi xmlns:a14="http://schemas.microsoft.com/office/drawing/2010/main" val="0"/>
+              </a:ext>
+            </a:extLst>
+          </a:blip>
+          <a:srcRect/>
+          <a:stretch/>
+        </p:blipFill>
+        <p:spPr>
+          <a:xfrm>
+            <a:off x="134405" y="1099140"/>
+            <a:ext cx="5961595" cy="3103972"/>
+          </a:xfrm>
+          <a:prstGeom prst="rect">
+            <a:avLst/>
+          </a:prstGeom>
+        </p:spPr>
+      </p:pic>
+      <p:pic>
+        <p:nvPicPr>
+          <p:cNvPr id="3" name="Image 2">
+            <a:extLst>
+              <a:ext uri="{FF2B5EF4-FFF2-40B4-BE49-F238E27FC236}">
+                <a16:creationId xmlns:a16="http://schemas.microsoft.com/office/drawing/2014/main" id="{D79D7F59-C0A5-0D94-387D-6DE4732213BA}"/>
+              </a:ext>
+            </a:extLst>
+          </p:cNvPr>
+          <p:cNvPicPr>
+            <a:picLocks noChangeAspect="1"/>
+          </p:cNvPicPr>
+          <p:nvPr/>
+        </p:nvPicPr>
+        <p:blipFill>
+          <a:blip r:embed="rId3">
+            <a:extLst>
+              <a:ext uri="{28A0092B-C50C-407E-A947-70E740481C1C}">
+                <a14:useLocalDpi xmlns:a14="http://schemas.microsoft.com/office/drawing/2010/main" val="0"/>
+              </a:ext>
+            </a:extLst>
+          </a:blip>
+          <a:srcRect/>
+          <a:stretch/>
+        </p:blipFill>
+        <p:spPr>
+          <a:xfrm>
+            <a:off x="6230405" y="1099140"/>
+            <a:ext cx="5961595" cy="3474897"/>
+          </a:xfrm>
+          <a:prstGeom prst="rect">
+            <a:avLst/>
+          </a:prstGeom>
+        </p:spPr>
+      </p:pic>
+      <p:pic>
+        <p:nvPicPr>
+          <p:cNvPr id="4" name="Image 3">
+            <a:extLst>
+              <a:ext uri="{FF2B5EF4-FFF2-40B4-BE49-F238E27FC236}">
+                <a16:creationId xmlns:a16="http://schemas.microsoft.com/office/drawing/2014/main" id="{76D8EF56-5545-60D8-1B9C-BC467E7177E7}"/>
+              </a:ext>
+            </a:extLst>
+          </p:cNvPr>
+          <p:cNvPicPr>
+            <a:picLocks noChangeAspect="1"/>
+          </p:cNvPicPr>
+          <p:nvPr/>
+        </p:nvPicPr>
+        <p:blipFill>
+          <a:blip r:embed="rId4">
+            <a:extLst>
+              <a:ext uri="{28A0092B-C50C-407E-A947-70E740481C1C}">
+                <a14:useLocalDpi xmlns:a14="http://schemas.microsoft.com/office/drawing/2010/main" val="0"/>
+              </a:ext>
+            </a:extLst>
+          </a:blip>
+          <a:srcRect/>
+          <a:stretch/>
+        </p:blipFill>
+        <p:spPr>
+          <a:xfrm>
+            <a:off x="1" y="4203112"/>
+            <a:ext cx="5961595" cy="2669370"/>
+          </a:xfrm>
+          <a:prstGeom prst="rect">
+            <a:avLst/>
+          </a:prstGeom>
+        </p:spPr>
+      </p:pic>
+    </p:spTree>
+    <p:extLst>
+      <p:ext uri="{BB962C8B-B14F-4D97-AF65-F5344CB8AC3E}">
+        <p14:creationId xmlns:p14="http://schemas.microsoft.com/office/powerpoint/2010/main" val="243780032"/>
+      </p:ext>
+    </p:extLst>
+  </p:cSld>
+  <p:clrMapOvr>
+    <a:masterClrMapping/>
+  </p:clrMapOvr>
+</p:sld>
+</file>
+
+<file path=ppt/slides/slide43.xml><?xml version="1.0" encoding="utf-8"?>
+<p:sld xmlns:a="http://schemas.openxmlformats.org/drawingml/2006/main" xmlns:r="http://schemas.openxmlformats.org/officeDocument/2006/relationships" xmlns:p="http://schemas.openxmlformats.org/presentationml/2006/main">
+  <p:cSld>
+    <p:bg>
+      <p:bgPr>
+        <a:solidFill>
+          <a:schemeClr val="accent5">
+            <a:lumMod val="60000"/>
+            <a:lumOff val="40000"/>
+          </a:schemeClr>
+        </a:solidFill>
+        <a:effectLst/>
+      </p:bgPr>
+    </p:bg>
+    <p:spTree>
+      <p:nvGrpSpPr>
+        <p:cNvPr id="1" name="">
+          <a:extLst>
+            <a:ext uri="{FF2B5EF4-FFF2-40B4-BE49-F238E27FC236}">
+              <a16:creationId xmlns:a16="http://schemas.microsoft.com/office/drawing/2014/main" id="{5C7D0ABC-7B08-C76F-35DC-67E4A933D654}"/>
+            </a:ext>
+          </a:extLst>
+        </p:cNvPr>
+        <p:cNvGrpSpPr/>
+        <p:nvPr/>
+      </p:nvGrpSpPr>
+      <p:grpSpPr>
+        <a:xfrm>
+          <a:off x="0" y="0"/>
+          <a:ext cx="0" cy="0"/>
+          <a:chOff x="0" y="0"/>
+          <a:chExt cx="0" cy="0"/>
+        </a:xfrm>
+      </p:grpSpPr>
+      <p:sp>
+        <p:nvSpPr>
+          <p:cNvPr id="2" name="Titre 1">
+            <a:extLst>
+              <a:ext uri="{FF2B5EF4-FFF2-40B4-BE49-F238E27FC236}">
+                <a16:creationId xmlns:a16="http://schemas.microsoft.com/office/drawing/2014/main" id="{BAFC6FE9-D4E4-A49D-7C00-7843C4A56E3B}"/>
+              </a:ext>
+            </a:extLst>
+          </p:cNvPr>
+          <p:cNvSpPr>
+            <a:spLocks noGrp="1"/>
+          </p:cNvSpPr>
+          <p:nvPr>
+            <p:ph type="title"/>
+          </p:nvPr>
+        </p:nvSpPr>
+        <p:spPr>
+          <a:xfrm>
+            <a:off x="838200" y="0"/>
+            <a:ext cx="10515600" cy="1325563"/>
+          </a:xfrm>
+        </p:spPr>
+        <p:txBody>
+          <a:bodyPr/>
+          <a:lstStyle/>
+          <a:p>
+            <a:pPr algn="ctr"/>
+            <a:r>
+              <a:rPr lang="fr-FR" b="1" dirty="0">
+                <a:solidFill>
+                  <a:srgbClr val="FF0000"/>
+                </a:solidFill>
+              </a:rPr>
+              <a:t>Signup.js</a:t>
+            </a:r>
+          </a:p>
+        </p:txBody>
+      </p:sp>
+      <p:pic>
+        <p:nvPicPr>
+          <p:cNvPr id="6" name="Image 5">
+            <a:extLst>
+              <a:ext uri="{FF2B5EF4-FFF2-40B4-BE49-F238E27FC236}">
+                <a16:creationId xmlns:a16="http://schemas.microsoft.com/office/drawing/2014/main" id="{3560AD99-B5F6-81D4-52BC-7456A000638D}"/>
+              </a:ext>
+            </a:extLst>
+          </p:cNvPr>
+          <p:cNvPicPr>
+            <a:picLocks noChangeAspect="1"/>
+          </p:cNvPicPr>
+          <p:nvPr/>
+        </p:nvPicPr>
+        <p:blipFill>
+          <a:blip r:embed="rId2">
+            <a:extLst>
+              <a:ext uri="{28A0092B-C50C-407E-A947-70E740481C1C}">
+                <a14:useLocalDpi xmlns:a14="http://schemas.microsoft.com/office/drawing/2010/main" val="0"/>
+              </a:ext>
+            </a:extLst>
+          </a:blip>
+          <a:srcRect/>
+          <a:stretch/>
+        </p:blipFill>
+        <p:spPr>
+          <a:xfrm>
+            <a:off x="164714" y="986018"/>
+            <a:ext cx="5822019" cy="3629778"/>
+          </a:xfrm>
+          <a:prstGeom prst="rect">
+            <a:avLst/>
+          </a:prstGeom>
+        </p:spPr>
+      </p:pic>
+      <p:pic>
+        <p:nvPicPr>
+          <p:cNvPr id="7" name="Image 6">
+            <a:extLst>
+              <a:ext uri="{FF2B5EF4-FFF2-40B4-BE49-F238E27FC236}">
+                <a16:creationId xmlns:a16="http://schemas.microsoft.com/office/drawing/2014/main" id="{4DEF084E-DB37-A181-1627-2E0081346B3A}"/>
+              </a:ext>
+            </a:extLst>
+          </p:cNvPr>
+          <p:cNvPicPr>
+            <a:picLocks noChangeAspect="1"/>
+          </p:cNvPicPr>
+          <p:nvPr/>
+        </p:nvPicPr>
+        <p:blipFill>
+          <a:blip r:embed="rId3">
+            <a:extLst>
+              <a:ext uri="{28A0092B-C50C-407E-A947-70E740481C1C}">
+                <a14:useLocalDpi xmlns:a14="http://schemas.microsoft.com/office/drawing/2010/main" val="0"/>
+              </a:ext>
+            </a:extLst>
+          </a:blip>
+          <a:srcRect/>
+          <a:stretch/>
+        </p:blipFill>
+        <p:spPr>
+          <a:xfrm>
+            <a:off x="6205269" y="1228293"/>
+            <a:ext cx="5822019" cy="3280346"/>
+          </a:xfrm>
+          <a:prstGeom prst="rect">
+            <a:avLst/>
+          </a:prstGeom>
+        </p:spPr>
+      </p:pic>
+    </p:spTree>
+    <p:extLst>
+      <p:ext uri="{BB962C8B-B14F-4D97-AF65-F5344CB8AC3E}">
+        <p14:creationId xmlns:p14="http://schemas.microsoft.com/office/powerpoint/2010/main" val="1301134312"/>
+      </p:ext>
+    </p:extLst>
+  </p:cSld>
+  <p:clrMapOvr>
+    <a:masterClrMapping/>
+  </p:clrMapOvr>
+</p:sld>
+</file>
+
+<file path=ppt/slides/slide44.xml><?xml version="1.0" encoding="utf-8"?>
+<p:sld xmlns:a="http://schemas.openxmlformats.org/drawingml/2006/main" xmlns:r="http://schemas.openxmlformats.org/officeDocument/2006/relationships" xmlns:p="http://schemas.openxmlformats.org/presentationml/2006/main">
+  <p:cSld>
+    <p:bg>
+      <p:bgPr>
+        <a:solidFill>
+          <a:schemeClr val="accent5">
+            <a:lumMod val="60000"/>
+            <a:lumOff val="40000"/>
+          </a:schemeClr>
+        </a:solidFill>
+        <a:effectLst/>
+      </p:bgPr>
+    </p:bg>
+    <p:spTree>
+      <p:nvGrpSpPr>
+        <p:cNvPr id="1" name="">
+          <a:extLst>
+            <a:ext uri="{FF2B5EF4-FFF2-40B4-BE49-F238E27FC236}">
+              <a16:creationId xmlns:a16="http://schemas.microsoft.com/office/drawing/2014/main" id="{F3874549-9656-3DA9-E886-A773D7CF2F53}"/>
+            </a:ext>
+          </a:extLst>
+        </p:cNvPr>
+        <p:cNvGrpSpPr/>
+        <p:nvPr/>
+      </p:nvGrpSpPr>
+      <p:grpSpPr>
+        <a:xfrm>
+          <a:off x="0" y="0"/>
+          <a:ext cx="0" cy="0"/>
+          <a:chOff x="0" y="0"/>
+          <a:chExt cx="0" cy="0"/>
+        </a:xfrm>
+      </p:grpSpPr>
+      <p:sp>
+        <p:nvSpPr>
+          <p:cNvPr id="2" name="Titre 1">
+            <a:extLst>
+              <a:ext uri="{FF2B5EF4-FFF2-40B4-BE49-F238E27FC236}">
+                <a16:creationId xmlns:a16="http://schemas.microsoft.com/office/drawing/2014/main" id="{21A51ECB-1C47-2A08-0DCC-84706EFC13F5}"/>
+              </a:ext>
+            </a:extLst>
+          </p:cNvPr>
+          <p:cNvSpPr>
+            <a:spLocks noGrp="1"/>
+          </p:cNvSpPr>
+          <p:nvPr>
+            <p:ph type="title"/>
+          </p:nvPr>
+        </p:nvSpPr>
+        <p:spPr>
+          <a:xfrm>
+            <a:off x="838200" y="0"/>
+            <a:ext cx="10515600" cy="1325563"/>
+          </a:xfrm>
+        </p:spPr>
+        <p:txBody>
+          <a:bodyPr/>
+          <a:lstStyle/>
+          <a:p>
+            <a:pPr algn="ctr"/>
+            <a:r>
+              <a:rPr lang="fr-FR" b="1" dirty="0">
+                <a:solidFill>
+                  <a:srgbClr val="FF0000"/>
+                </a:solidFill>
+              </a:rPr>
+              <a:t>Login.js</a:t>
+            </a:r>
+          </a:p>
+        </p:txBody>
+      </p:sp>
+      <p:pic>
+        <p:nvPicPr>
+          <p:cNvPr id="6" name="Image 5">
+            <a:extLst>
+              <a:ext uri="{FF2B5EF4-FFF2-40B4-BE49-F238E27FC236}">
+                <a16:creationId xmlns:a16="http://schemas.microsoft.com/office/drawing/2014/main" id="{D328EDAC-87D9-B1D4-CB55-98F41BB55E60}"/>
+              </a:ext>
+            </a:extLst>
+          </p:cNvPr>
+          <p:cNvPicPr>
+            <a:picLocks noChangeAspect="1"/>
+          </p:cNvPicPr>
+          <p:nvPr/>
+        </p:nvPicPr>
+        <p:blipFill>
+          <a:blip r:embed="rId2">
+            <a:extLst>
+              <a:ext uri="{28A0092B-C50C-407E-A947-70E740481C1C}">
+                <a14:useLocalDpi xmlns:a14="http://schemas.microsoft.com/office/drawing/2010/main" val="0"/>
+              </a:ext>
+            </a:extLst>
+          </a:blip>
+          <a:srcRect/>
+          <a:stretch/>
+        </p:blipFill>
+        <p:spPr>
+          <a:xfrm>
+            <a:off x="164714" y="1194337"/>
+            <a:ext cx="5822019" cy="3213140"/>
+          </a:xfrm>
+          <a:prstGeom prst="rect">
+            <a:avLst/>
+          </a:prstGeom>
+        </p:spPr>
+      </p:pic>
+    </p:spTree>
+    <p:extLst>
+      <p:ext uri="{BB962C8B-B14F-4D97-AF65-F5344CB8AC3E}">
+        <p14:creationId xmlns:p14="http://schemas.microsoft.com/office/powerpoint/2010/main" val="405590688"/>
       </p:ext>
     </p:extLst>
   </p:cSld>
